--- a/thesis/csn-da21ttb-TrangThanhHieu.pptx
+++ b/thesis/csn-da21ttb-TrangThanhHieu.pptx
@@ -9076,7 +9076,7 @@
           <a:p>
             <a:fld id="{7487ADD9-2083-264C-A652-8D52D02F7E72}" type="datetimeFigureOut">
               <a:rPr lang="en-US" smtClean="0"/>
-              <a:t>1/7/2024</a:t>
+              <a:t>1/15/2024</a:t>
             </a:fld>
             <a:endParaRPr lang="en-US" dirty="0"/>
           </a:p>
@@ -10732,7 +10732,7 @@
           <a:p>
             <a:fld id="{AE46C21D-EBB5-4F3D-B06D-166777189317}" type="datetime1">
               <a:rPr lang="en-US" smtClean="0"/>
-              <a:t>1/7/2024</a:t>
+              <a:t>1/15/2024</a:t>
             </a:fld>
             <a:endParaRPr lang="en-US" dirty="0"/>
           </a:p>
@@ -11616,7 +11616,7 @@
           <a:p>
             <a:fld id="{1DFFEA26-EB1D-498C-95CD-1ECE586790AA}" type="datetime1">
               <a:rPr lang="en-US" smtClean="0"/>
-              <a:t>1/7/2024</a:t>
+              <a:t>1/15/2024</a:t>
             </a:fld>
             <a:endParaRPr lang="en-US" dirty="0"/>
           </a:p>
@@ -12792,7 +12792,7 @@
           <a:p>
             <a:fld id="{539842EE-D56F-4F18-94E7-094CEF23F906}" type="datetime1">
               <a:rPr lang="en-US" smtClean="0"/>
-              <a:t>1/7/2024</a:t>
+              <a:t>1/15/2024</a:t>
             </a:fld>
             <a:endParaRPr lang="en-US" dirty="0"/>
           </a:p>
@@ -14140,7 +14140,7 @@
           <a:p>
             <a:fld id="{A5915655-EB65-4EF2-BA0C-DCB11AE1B320}" type="datetimeFigureOut">
               <a:rPr lang="en-US" smtClean="0"/>
-              <a:t>1/7/2024</a:t>
+              <a:t>1/15/2024</a:t>
             </a:fld>
             <a:endParaRPr lang="en-US"/>
           </a:p>
@@ -14984,7 +14984,7 @@
           <a:p>
             <a:fld id="{45B08281-154C-4FEF-A6DF-18BA3AC0F374}" type="datetime1">
               <a:rPr lang="en-US" smtClean="0"/>
-              <a:t>1/7/2024</a:t>
+              <a:t>1/15/2024</a:t>
             </a:fld>
             <a:endParaRPr lang="en-US" dirty="0"/>
           </a:p>
@@ -15701,7 +15701,7 @@
           <a:p>
             <a:fld id="{04D857D4-BD7E-4A06-844B-AAD504F1114F}" type="datetime1">
               <a:rPr lang="en-US" smtClean="0"/>
-              <a:t>1/7/2024</a:t>
+              <a:t>1/15/2024</a:t>
             </a:fld>
             <a:endParaRPr lang="en-US" dirty="0"/>
           </a:p>
@@ -16928,7 +16928,7 @@
           <a:p>
             <a:fld id="{916AFA50-87A4-4E99-B112-8C6B1DFB84B2}" type="datetime1">
               <a:rPr lang="en-US" smtClean="0"/>
-              <a:t>1/7/2024</a:t>
+              <a:t>1/15/2024</a:t>
             </a:fld>
             <a:endParaRPr lang="en-US" dirty="0"/>
           </a:p>
@@ -17519,7 +17519,7 @@
           <a:p>
             <a:fld id="{6B3905CA-BF0F-4A1B-AA0D-85E42F5D5A85}" type="datetime1">
               <a:rPr lang="en-US" smtClean="0"/>
-              <a:t>1/7/2024</a:t>
+              <a:t>1/15/2024</a:t>
             </a:fld>
             <a:endParaRPr lang="en-US" dirty="0"/>
           </a:p>
@@ -17991,7 +17991,7 @@
           <a:p>
             <a:fld id="{D3DA9A77-60C0-4BB8-898D-2828EE4073AD}" type="datetime1">
               <a:rPr lang="en-US" smtClean="0"/>
-              <a:t>1/7/2024</a:t>
+              <a:t>1/15/2024</a:t>
             </a:fld>
             <a:endParaRPr lang="en-US" dirty="0"/>
           </a:p>
@@ -18840,7 +18840,7 @@
           <a:p>
             <a:fld id="{C1F30CD5-42B1-4614-9F46-5D29928CC2DB}" type="datetime1">
               <a:rPr lang="en-US" smtClean="0"/>
-              <a:t>1/7/2024</a:t>
+              <a:t>1/15/2024</a:t>
             </a:fld>
             <a:endParaRPr lang="en-US" dirty="0"/>
           </a:p>
@@ -21064,7 +21064,7 @@
           <a:p>
             <a:fld id="{EE6020E3-D95B-4E55-964F-4B1A98BDAA6F}" type="datetime1">
               <a:rPr lang="en-US" smtClean="0"/>
-              <a:t>1/7/2024</a:t>
+              <a:t>1/15/2024</a:t>
             </a:fld>
             <a:endParaRPr lang="en-US" dirty="0"/>
           </a:p>
@@ -21332,7 +21332,7 @@
           <a:p>
             <a:fld id="{FC9A72C8-1C87-42EF-8A11-BF6DFA19ED8B}" type="datetime1">
               <a:rPr lang="en-US" smtClean="0"/>
-              <a:t>1/7/2024</a:t>
+              <a:t>1/15/2024</a:t>
             </a:fld>
             <a:endParaRPr lang="en-US" dirty="0"/>
           </a:p>
@@ -27282,8 +27282,8 @@
         </p:nvCxnSpPr>
         <p:spPr>
           <a:xfrm>
-            <a:off x="344905" y="3959024"/>
-            <a:ext cx="11502189" cy="0"/>
+            <a:off x="544989" y="3959024"/>
+            <a:ext cx="11302105" cy="0"/>
           </a:xfrm>
           <a:prstGeom prst="straightConnector1">
             <a:avLst/>
@@ -34060,8 +34060,8 @@
         </p:nvSpPr>
         <p:spPr>
           <a:xfrm>
-            <a:off x="1619882" y="1116530"/>
-            <a:ext cx="2807740" cy="843765"/>
+            <a:off x="1783511" y="1607418"/>
+            <a:ext cx="2913617" cy="843765"/>
           </a:xfrm>
         </p:spPr>
         <p:txBody>
@@ -34069,63 +34069,18 @@
           <a:lstStyle/>
           <a:p>
             <a:r>
+              <a:rPr lang="en-US" dirty="0" err="1"/>
+              <a:t>Cảm</a:t>
+            </a:r>
+            <a:r>
               <a:rPr lang="en-US" dirty="0"/>
-              <a:t>THANK</a:t>
-            </a:r>
-          </a:p>
-        </p:txBody>
-      </p:sp>
-      <p:sp>
-        <p:nvSpPr>
-          <p:cNvPr id="6" name="Title 1">
-            <a:extLst>
-              <a:ext uri="{FF2B5EF4-FFF2-40B4-BE49-F238E27FC236}">
-                <a16:creationId xmlns:a16="http://schemas.microsoft.com/office/drawing/2014/main" id="{47DC91AC-D78C-084C-6835-600CF8944BD2}"/>
-              </a:ext>
-            </a:extLst>
-          </p:cNvPr>
-          <p:cNvSpPr txBox="1">
-            <a:spLocks/>
-          </p:cNvSpPr>
-          <p:nvPr/>
-        </p:nvSpPr>
-        <p:spPr>
-          <a:xfrm>
-            <a:off x="2413164" y="1960295"/>
-            <a:ext cx="1721689" cy="843765"/>
-          </a:xfrm>
-          <a:prstGeom prst="rect">
-            <a:avLst/>
-          </a:prstGeom>
-        </p:spPr>
-        <p:txBody>
-          <a:bodyPr vert="horz" lIns="91440" tIns="45720" rIns="91440" bIns="45720" rtlCol="0" anchor="b">
-            <a:noAutofit/>
-          </a:bodyPr>
-          <a:lstStyle>
-            <a:lvl1pPr algn="l" defTabSz="914400" rtl="0" eaLnBrk="1" latinLnBrk="0" hangingPunct="1">
-              <a:lnSpc>
-                <a:spcPct val="90000"/>
-              </a:lnSpc>
-              <a:spcBef>
-                <a:spcPct val="0"/>
-              </a:spcBef>
-              <a:buNone/>
-              <a:defRPr sz="6000" b="1" kern="1200">
-                <a:solidFill>
-                  <a:schemeClr val="tx1"/>
-                </a:solidFill>
-                <a:latin typeface="+mj-lt"/>
-                <a:ea typeface="+mj-ea"/>
-                <a:cs typeface="+mj-cs"/>
-              </a:defRPr>
-            </a:lvl1pPr>
-          </a:lstStyle>
-          <a:p>
-            <a:r>
-              <a:rPr lang="en-US" dirty="0"/>
-              <a:t>FOR</a:t>
-            </a:r>
+              <a:t> </a:t>
+            </a:r>
+            <a:r>
+              <a:rPr lang="en-US" dirty="0" err="1"/>
+              <a:t>ơn</a:t>
+            </a:r>
+            <a:endParaRPr lang="en-US" dirty="0"/>
           </a:p>
         </p:txBody>
       </p:sp>
@@ -34176,10 +34131,7 @@
             </a:lvl1pPr>
           </a:lstStyle>
           <a:p>
-            <a:r>
-              <a:rPr lang="en-US" dirty="0"/>
-              <a:t>LISTENING </a:t>
-            </a:r>
+            <a:endParaRPr lang="en-US" dirty="0"/>
           </a:p>
         </p:txBody>
       </p:sp>
@@ -41243,7 +41195,7 @@
         <p:spPr>
           <a:xfrm>
             <a:off x="1822450" y="2005748"/>
-            <a:ext cx="2216150" cy="1107996"/>
+            <a:ext cx="2216150" cy="1200329"/>
           </a:xfrm>
           <a:prstGeom prst="rect">
             <a:avLst/>
@@ -41257,7 +41209,7 @@
           <a:lstStyle/>
           <a:p>
             <a:r>
-              <a:rPr lang="en-US" sz="2200" dirty="0">
+              <a:rPr lang="en-US" sz="2400" dirty="0">
                 <a:solidFill>
                   <a:schemeClr val="bg1"/>
                 </a:solidFill>
@@ -41265,7 +41217,7 @@
               <a:t>1. </a:t>
             </a:r>
             <a:r>
-              <a:rPr lang="en-US" sz="2200" dirty="0" err="1">
+              <a:rPr lang="en-US" sz="2400" dirty="0" err="1">
                 <a:solidFill>
                   <a:schemeClr val="bg1"/>
                 </a:solidFill>
@@ -41273,7 +41225,7 @@
               <a:t>Xác</a:t>
             </a:r>
             <a:r>
-              <a:rPr lang="en-US" sz="2200" dirty="0">
+              <a:rPr lang="en-US" sz="2400" dirty="0">
                 <a:solidFill>
                   <a:schemeClr val="bg1"/>
                 </a:solidFill>
@@ -41281,7 +41233,7 @@
               <a:t> </a:t>
             </a:r>
             <a:r>
-              <a:rPr lang="en-US" sz="2200" dirty="0" err="1">
+              <a:rPr lang="en-US" sz="2400" dirty="0" err="1">
                 <a:solidFill>
                   <a:schemeClr val="bg1"/>
                 </a:solidFill>
@@ -41289,7 +41241,7 @@
               <a:t>định</a:t>
             </a:r>
             <a:r>
-              <a:rPr lang="en-US" sz="2200" dirty="0">
+              <a:rPr lang="en-US" sz="2400" dirty="0">
                 <a:solidFill>
                   <a:schemeClr val="bg1"/>
                 </a:solidFill>
@@ -41297,7 +41249,7 @@
               <a:t> </a:t>
             </a:r>
             <a:r>
-              <a:rPr lang="en-US" sz="2200" dirty="0" err="1">
+              <a:rPr lang="en-US" sz="2400" dirty="0" err="1">
                 <a:solidFill>
                   <a:schemeClr val="bg1"/>
                 </a:solidFill>
@@ -41305,7 +41257,7 @@
               <a:t>yêu</a:t>
             </a:r>
             <a:r>
-              <a:rPr lang="en-US" sz="2200" dirty="0">
+              <a:rPr lang="en-US" sz="2400" dirty="0">
                 <a:solidFill>
                   <a:schemeClr val="bg1"/>
                 </a:solidFill>
@@ -41313,7 +41265,7 @@
               <a:t> </a:t>
             </a:r>
             <a:r>
-              <a:rPr lang="en-US" sz="2200" dirty="0" err="1">
+              <a:rPr lang="en-US" sz="2400" dirty="0" err="1">
                 <a:solidFill>
                   <a:schemeClr val="bg1"/>
                 </a:solidFill>
@@ -41321,7 +41273,7 @@
               <a:t>cầu</a:t>
             </a:r>
             <a:r>
-              <a:rPr lang="en-US" sz="2200" dirty="0">
+              <a:rPr lang="en-US" sz="2400" dirty="0">
                 <a:solidFill>
                   <a:schemeClr val="bg1"/>
                 </a:solidFill>
@@ -41329,7 +41281,7 @@
               <a:t> </a:t>
             </a:r>
             <a:r>
-              <a:rPr lang="en-US" sz="2200" dirty="0" err="1">
+              <a:rPr lang="en-US" sz="2400" dirty="0" err="1">
                 <a:solidFill>
                   <a:schemeClr val="bg1"/>
                 </a:solidFill>
@@ -41337,7 +41289,7 @@
               <a:t>và</a:t>
             </a:r>
             <a:r>
-              <a:rPr lang="en-US" sz="2200" dirty="0">
+              <a:rPr lang="en-US" sz="2400" dirty="0">
                 <a:solidFill>
                   <a:schemeClr val="bg1"/>
                 </a:solidFill>
@@ -41345,7 +41297,7 @@
               <a:t> </a:t>
             </a:r>
             <a:r>
-              <a:rPr lang="en-US" sz="2200" dirty="0" err="1">
+              <a:rPr lang="en-US" sz="2400" dirty="0" err="1">
                 <a:solidFill>
                   <a:schemeClr val="bg1"/>
                 </a:solidFill>
@@ -41353,7 +41305,7 @@
               <a:t>cấu</a:t>
             </a:r>
             <a:r>
-              <a:rPr lang="en-US" sz="2200" dirty="0">
+              <a:rPr lang="en-US" sz="2400" dirty="0">
                 <a:solidFill>
                   <a:schemeClr val="bg1"/>
                 </a:solidFill>
@@ -41361,7 +41313,7 @@
               <a:t> </a:t>
             </a:r>
             <a:r>
-              <a:rPr lang="en-US" sz="2200" dirty="0" err="1">
+              <a:rPr lang="en-US" sz="2400" dirty="0" err="1">
                 <a:solidFill>
                   <a:schemeClr val="bg1"/>
                 </a:solidFill>
@@ -41369,7 +41321,7 @@
               <a:t>trúc</a:t>
             </a:r>
             <a:r>
-              <a:rPr lang="en-US" sz="2200" dirty="0">
+              <a:rPr lang="en-US" sz="2400" dirty="0">
                 <a:solidFill>
                   <a:schemeClr val="bg1"/>
                 </a:solidFill>
@@ -41394,7 +41346,7 @@
         <p:spPr>
           <a:xfrm>
             <a:off x="3790950" y="4530671"/>
-            <a:ext cx="1907206" cy="1107996"/>
+            <a:ext cx="2138212" cy="1200329"/>
           </a:xfrm>
           <a:prstGeom prst="rect">
             <a:avLst/>
@@ -41408,7 +41360,7 @@
           <a:lstStyle/>
           <a:p>
             <a:r>
-              <a:rPr lang="en-US" sz="2200" dirty="0">
+              <a:rPr lang="en-US" sz="2400" dirty="0">
                 <a:solidFill>
                   <a:schemeClr val="bg1"/>
                 </a:solidFill>
@@ -41416,7 +41368,7 @@
               <a:t>2. </a:t>
             </a:r>
             <a:r>
-              <a:rPr lang="en-US" sz="2200" dirty="0" err="1">
+              <a:rPr lang="en-US" sz="2400" dirty="0" err="1">
                 <a:solidFill>
                   <a:schemeClr val="bg1"/>
                 </a:solidFill>
@@ -41424,7 +41376,7 @@
               <a:t>Nghiên</a:t>
             </a:r>
             <a:r>
-              <a:rPr lang="en-US" sz="2200" dirty="0">
+              <a:rPr lang="en-US" sz="2400" dirty="0">
                 <a:solidFill>
                   <a:schemeClr val="bg1"/>
                 </a:solidFill>
@@ -41432,7 +41384,7 @@
               <a:t> </a:t>
             </a:r>
             <a:r>
-              <a:rPr lang="en-US" sz="2200" dirty="0" err="1">
+              <a:rPr lang="en-US" sz="2400" dirty="0" err="1">
                 <a:solidFill>
                   <a:schemeClr val="bg1"/>
                 </a:solidFill>
@@ -41440,7 +41392,7 @@
               <a:t>cứu</a:t>
             </a:r>
             <a:r>
-              <a:rPr lang="en-US" sz="2200" dirty="0">
+              <a:rPr lang="en-US" sz="2400" dirty="0">
                 <a:solidFill>
                   <a:schemeClr val="bg1"/>
                 </a:solidFill>
@@ -41448,7 +41400,7 @@
               <a:t> WordPress </a:t>
             </a:r>
             <a:r>
-              <a:rPr lang="en-US" sz="2200" dirty="0" err="1">
+              <a:rPr lang="en-US" sz="2400" dirty="0" err="1">
                 <a:solidFill>
                   <a:schemeClr val="bg1"/>
                 </a:solidFill>
@@ -41456,7 +41408,7 @@
               <a:t>và</a:t>
             </a:r>
             <a:r>
-              <a:rPr lang="en-US" sz="2200" dirty="0">
+              <a:rPr lang="en-US" sz="2400" dirty="0">
                 <a:solidFill>
                   <a:schemeClr val="bg1"/>
                 </a:solidFill>
@@ -41481,7 +41433,7 @@
         <p:spPr>
           <a:xfrm>
             <a:off x="5698155" y="2005748"/>
-            <a:ext cx="2216149" cy="1107996"/>
+            <a:ext cx="2216149" cy="1200329"/>
           </a:xfrm>
           <a:prstGeom prst="rect">
             <a:avLst/>
@@ -41495,7 +41447,7 @@
           <a:lstStyle/>
           <a:p>
             <a:r>
-              <a:rPr lang="en-US" sz="2200" dirty="0">
+              <a:rPr lang="en-US" sz="2400" dirty="0">
                 <a:solidFill>
                   <a:schemeClr val="bg1"/>
                 </a:solidFill>
@@ -41503,7 +41455,7 @@
               <a:t>3. </a:t>
             </a:r>
             <a:r>
-              <a:rPr lang="en-US" sz="2200" dirty="0" err="1">
+              <a:rPr lang="en-US" sz="2400" dirty="0" err="1">
                 <a:solidFill>
                   <a:schemeClr val="bg1"/>
                 </a:solidFill>
@@ -41511,7 +41463,7 @@
               <a:t>Thiết</a:t>
             </a:r>
             <a:r>
-              <a:rPr lang="en-US" sz="2200" dirty="0">
+              <a:rPr lang="en-US" sz="2400" dirty="0">
                 <a:solidFill>
                   <a:schemeClr val="bg1"/>
                 </a:solidFill>
@@ -41519,7 +41471,7 @@
               <a:t> </a:t>
             </a:r>
             <a:r>
-              <a:rPr lang="en-US" sz="2200" dirty="0" err="1">
+              <a:rPr lang="en-US" sz="2400" dirty="0" err="1">
                 <a:solidFill>
                   <a:schemeClr val="bg1"/>
                 </a:solidFill>
@@ -41527,7 +41479,7 @@
               <a:t>kế</a:t>
             </a:r>
             <a:r>
-              <a:rPr lang="en-US" sz="2200" dirty="0">
+              <a:rPr lang="en-US" sz="2400" dirty="0">
                 <a:solidFill>
                   <a:schemeClr val="bg1"/>
                 </a:solidFill>
@@ -41535,7 +41487,7 @@
               <a:t> </a:t>
             </a:r>
             <a:r>
-              <a:rPr lang="en-US" sz="2200" dirty="0" err="1">
+              <a:rPr lang="en-US" sz="2400" dirty="0" err="1">
                 <a:solidFill>
                   <a:schemeClr val="bg1"/>
                 </a:solidFill>
@@ -41543,7 +41495,7 @@
               <a:t>giao</a:t>
             </a:r>
             <a:r>
-              <a:rPr lang="en-US" sz="2200" dirty="0">
+              <a:rPr lang="en-US" sz="2400" dirty="0">
                 <a:solidFill>
                   <a:schemeClr val="bg1"/>
                 </a:solidFill>
@@ -41551,7 +41503,7 @@
               <a:t> </a:t>
             </a:r>
             <a:r>
-              <a:rPr lang="en-US" sz="2200" dirty="0" err="1">
+              <a:rPr lang="en-US" sz="2400" dirty="0" err="1">
                 <a:solidFill>
                   <a:schemeClr val="bg1"/>
                 </a:solidFill>
@@ -41559,7 +41511,7 @@
               <a:t>diện</a:t>
             </a:r>
             <a:r>
-              <a:rPr lang="en-US" sz="2200" dirty="0">
+              <a:rPr lang="en-US" sz="2400" dirty="0">
                 <a:solidFill>
                   <a:schemeClr val="bg1"/>
                 </a:solidFill>
@@ -41567,7 +41519,7 @@
               <a:t> </a:t>
             </a:r>
             <a:r>
-              <a:rPr lang="en-US" sz="2200" dirty="0" err="1">
+              <a:rPr lang="en-US" sz="2400" dirty="0" err="1">
                 <a:solidFill>
                   <a:schemeClr val="bg1"/>
                 </a:solidFill>
@@ -41575,7 +41527,7 @@
               <a:t>và</a:t>
             </a:r>
             <a:r>
-              <a:rPr lang="en-US" sz="2200" dirty="0">
+              <a:rPr lang="en-US" sz="2400" dirty="0">
                 <a:solidFill>
                   <a:schemeClr val="bg1"/>
                 </a:solidFill>
@@ -41583,7 +41535,7 @@
               <a:t> </a:t>
             </a:r>
             <a:r>
-              <a:rPr lang="en-US" sz="2200" dirty="0" err="1">
+              <a:rPr lang="en-US" sz="2400" dirty="0" err="1">
                 <a:solidFill>
                   <a:schemeClr val="bg1"/>
                 </a:solidFill>
@@ -41591,7 +41543,7 @@
               <a:t>cơ</a:t>
             </a:r>
             <a:r>
-              <a:rPr lang="en-US" sz="2200" dirty="0">
+              <a:rPr lang="en-US" sz="2400" dirty="0">
                 <a:solidFill>
                   <a:schemeClr val="bg1"/>
                 </a:solidFill>
@@ -41599,7 +41551,7 @@
               <a:t> </a:t>
             </a:r>
             <a:r>
-              <a:rPr lang="en-US" sz="2200" dirty="0" err="1">
+              <a:rPr lang="en-US" sz="2400" dirty="0" err="1">
                 <a:solidFill>
                   <a:schemeClr val="bg1"/>
                 </a:solidFill>
@@ -41607,7 +41559,7 @@
               <a:t>sở</a:t>
             </a:r>
             <a:r>
-              <a:rPr lang="en-US" sz="2200" dirty="0">
+              <a:rPr lang="en-US" sz="2400" dirty="0">
                 <a:solidFill>
                   <a:schemeClr val="bg1"/>
                 </a:solidFill>
@@ -41615,7 +41567,7 @@
               <a:t> </a:t>
             </a:r>
             <a:r>
-              <a:rPr lang="en-US" sz="2200" dirty="0" err="1">
+              <a:rPr lang="en-US" sz="2400" dirty="0" err="1">
                 <a:solidFill>
                   <a:schemeClr val="bg1"/>
                 </a:solidFill>
@@ -41623,7 +41575,7 @@
               <a:t>dữ</a:t>
             </a:r>
             <a:r>
-              <a:rPr lang="en-US" sz="2200" dirty="0">
+              <a:rPr lang="en-US" sz="2400" dirty="0">
                 <a:solidFill>
                   <a:schemeClr val="bg1"/>
                 </a:solidFill>
@@ -41631,7 +41583,7 @@
               <a:t> </a:t>
             </a:r>
             <a:r>
-              <a:rPr lang="en-US" sz="2200" dirty="0" err="1">
+              <a:rPr lang="en-US" sz="2400" dirty="0" err="1">
                 <a:solidFill>
                   <a:schemeClr val="bg1"/>
                 </a:solidFill>
@@ -41639,7 +41591,7 @@
               <a:t>liệu</a:t>
             </a:r>
             <a:r>
-              <a:rPr lang="en-US" sz="2200" dirty="0">
+              <a:rPr lang="en-US" sz="2400" dirty="0">
                 <a:solidFill>
                   <a:schemeClr val="bg1"/>
                 </a:solidFill>
@@ -41664,7 +41616,7 @@
         <p:spPr>
           <a:xfrm>
             <a:off x="7680961" y="4574182"/>
-            <a:ext cx="1907206" cy="1107996"/>
+            <a:ext cx="1907206" cy="1200329"/>
           </a:xfrm>
           <a:prstGeom prst="rect">
             <a:avLst/>
@@ -41678,7 +41630,7 @@
           <a:lstStyle/>
           <a:p>
             <a:r>
-              <a:rPr lang="en-US" sz="2200" dirty="0">
+              <a:rPr lang="en-US" sz="2400" dirty="0">
                 <a:solidFill>
                   <a:schemeClr val="bg1"/>
                 </a:solidFill>
@@ -41686,7 +41638,7 @@
               <a:t>4. </a:t>
             </a:r>
             <a:r>
-              <a:rPr lang="en-US" sz="2200" dirty="0" err="1">
+              <a:rPr lang="en-US" sz="2400" dirty="0" err="1">
                 <a:solidFill>
                   <a:schemeClr val="bg1"/>
                 </a:solidFill>
@@ -41694,7 +41646,7 @@
               <a:t>Hiện</a:t>
             </a:r>
             <a:r>
-              <a:rPr lang="en-US" sz="2200" dirty="0">
+              <a:rPr lang="en-US" sz="2400" dirty="0">
                 <a:solidFill>
                   <a:schemeClr val="bg1"/>
                 </a:solidFill>
@@ -41702,7 +41654,7 @@
               <a:t> </a:t>
             </a:r>
             <a:r>
-              <a:rPr lang="en-US" sz="2200" dirty="0" err="1">
+              <a:rPr lang="en-US" sz="2400" dirty="0" err="1">
                 <a:solidFill>
                   <a:schemeClr val="bg1"/>
                 </a:solidFill>
@@ -41710,7 +41662,7 @@
               <a:t>thực</a:t>
             </a:r>
             <a:r>
-              <a:rPr lang="en-US" sz="2200" dirty="0">
+              <a:rPr lang="en-US" sz="2400" dirty="0">
                 <a:solidFill>
                   <a:schemeClr val="bg1"/>
                 </a:solidFill>
@@ -41718,7 +41670,7 @@
               <a:t> </a:t>
             </a:r>
             <a:r>
-              <a:rPr lang="en-US" sz="2200" dirty="0" err="1">
+              <a:rPr lang="en-US" sz="2400" dirty="0" err="1">
                 <a:solidFill>
                   <a:schemeClr val="bg1"/>
                 </a:solidFill>
@@ -41726,7 +41678,7 @@
               <a:t>quá</a:t>
             </a:r>
             <a:r>
-              <a:rPr lang="en-US" sz="2200" dirty="0">
+              <a:rPr lang="en-US" sz="2400" dirty="0">
                 <a:solidFill>
                   <a:schemeClr val="bg1"/>
                 </a:solidFill>
@@ -41734,7 +41686,7 @@
               <a:t> </a:t>
             </a:r>
             <a:r>
-              <a:rPr lang="en-US" sz="2200" dirty="0" err="1">
+              <a:rPr lang="en-US" sz="2400" dirty="0" err="1">
                 <a:solidFill>
                   <a:schemeClr val="bg1"/>
                 </a:solidFill>
@@ -41742,7 +41694,7 @@
               <a:t>nghiên</a:t>
             </a:r>
             <a:r>
-              <a:rPr lang="en-US" sz="2200" dirty="0">
+              <a:rPr lang="en-US" sz="2400" dirty="0">
                 <a:solidFill>
                   <a:schemeClr val="bg1"/>
                 </a:solidFill>
@@ -41750,7 +41702,7 @@
               <a:t> </a:t>
             </a:r>
             <a:r>
-              <a:rPr lang="en-US" sz="2200" dirty="0" err="1">
+              <a:rPr lang="en-US" sz="2400" dirty="0" err="1">
                 <a:solidFill>
                   <a:schemeClr val="bg1"/>
                 </a:solidFill>
@@ -41758,7 +41710,7 @@
               <a:t>cứu</a:t>
             </a:r>
             <a:r>
-              <a:rPr lang="en-US" sz="2200" dirty="0">
+              <a:rPr lang="en-US" sz="2400" dirty="0">
                 <a:solidFill>
                   <a:schemeClr val="bg1"/>
                 </a:solidFill>

--- a/thesis/csn-da21ttb-TrangThanhHieu.pptx
+++ b/thesis/csn-da21ttb-TrangThanhHieu.pptx
@@ -5,7 +5,7 @@
     <p:sldMasterId id="2147483648" r:id="rId4"/>
   </p:sldMasterIdLst>
   <p:notesMasterIdLst>
-    <p:notesMasterId r:id="rId23"/>
+    <p:notesMasterId r:id="rId25"/>
   </p:notesMasterIdLst>
   <p:sldIdLst>
     <p:sldId id="262" r:id="rId5"/>
@@ -18,14 +18,16 @@
     <p:sldId id="270" r:id="rId12"/>
     <p:sldId id="287" r:id="rId13"/>
     <p:sldId id="289" r:id="rId14"/>
-    <p:sldId id="298" r:id="rId15"/>
-    <p:sldId id="292" r:id="rId16"/>
-    <p:sldId id="291" r:id="rId17"/>
-    <p:sldId id="294" r:id="rId18"/>
-    <p:sldId id="285" r:id="rId19"/>
-    <p:sldId id="286" r:id="rId20"/>
-    <p:sldId id="299" r:id="rId21"/>
-    <p:sldId id="256" r:id="rId22"/>
+    <p:sldId id="292" r:id="rId15"/>
+    <p:sldId id="291" r:id="rId16"/>
+    <p:sldId id="294" r:id="rId17"/>
+    <p:sldId id="285" r:id="rId18"/>
+    <p:sldId id="286" r:id="rId19"/>
+    <p:sldId id="300" r:id="rId20"/>
+    <p:sldId id="301" r:id="rId21"/>
+    <p:sldId id="299" r:id="rId22"/>
+    <p:sldId id="302" r:id="rId23"/>
+    <p:sldId id="256" r:id="rId24"/>
   </p:sldIdLst>
   <p:sldSz cx="12192000" cy="6858000"/>
   <p:notesSz cx="6858000" cy="9144000"/>
@@ -2524,7 +2526,7 @@
           </a:r>
           <a:r>
             <a:rPr lang="vi-VN" sz="1600" dirty="0"/>
-            <a:t> của bạn dễ dàng được tìm thấy trên </a:t>
+            <a:t> dễ dàng được tìm thấy trên </a:t>
           </a:r>
           <a:r>
             <a:rPr lang="vi-VN" sz="1600" dirty="0" err="1"/>
@@ -3397,7 +3399,7 @@
       <dgm:spPr/>
     </dgm:pt>
     <dgm:pt modelId="{0ED6E8D6-BD44-4400-BC14-1BC75CB979A3}" type="pres">
-      <dgm:prSet presAssocID="{58FF46FB-368D-4E9C-A650-0513B8879DA8}" presName="DropPin" presStyleLbl="alignNode1" presStyleIdx="0" presStyleCnt="4"/>
+      <dgm:prSet presAssocID="{58FF46FB-368D-4E9C-A650-0513B8879DA8}" presName="DropPin" presStyleLbl="alignNode1" presStyleIdx="0" presStyleCnt="4" custLinFactX="-14867" custLinFactNeighborX="-100000" custLinFactNeighborY="-16970"/>
       <dgm:spPr>
         <a:solidFill>
           <a:schemeClr val="accent2"/>
@@ -4641,7 +4643,7 @@
           </a:r>
           <a:r>
             <a:rPr lang="vi-VN" sz="1600" kern="1200" dirty="0"/>
-            <a:t> của bạn dễ dàng được tìm thấy trên </a:t>
+            <a:t> dễ dàng được tìm thấy trên </a:t>
           </a:r>
           <a:r>
             <a:rPr lang="vi-VN" sz="1600" kern="1200" dirty="0" err="1"/>
@@ -4812,7 +4814,7 @@
       </dsp:nvSpPr>
       <dsp:spPr>
         <a:xfrm rot="8100000">
-          <a:off x="71069" y="502751"/>
+          <a:off x="66450" y="425749"/>
           <a:ext cx="320851" cy="320851"/>
         </a:xfrm>
         <a:prstGeom prst="teardrop">
@@ -4860,7 +4862,7 @@
       </dsp:nvSpPr>
       <dsp:spPr>
         <a:xfrm>
-          <a:off x="106713" y="538395"/>
+          <a:off x="102094" y="461393"/>
           <a:ext cx="249564" cy="249564"/>
         </a:xfrm>
         <a:prstGeom prst="ellipse">
@@ -22770,7 +22772,7 @@
         </p:blipFill>
         <p:spPr>
           <a:xfrm>
-            <a:off x="6374237" y="2950440"/>
+            <a:off x="6374237" y="2842663"/>
             <a:ext cx="4176449" cy="3405910"/>
           </a:xfrm>
           <a:prstGeom prst="rect">
@@ -22792,8 +22794,8 @@
         </p:nvSpPr>
         <p:spPr>
           <a:xfrm>
-            <a:off x="6496330" y="2231372"/>
-            <a:ext cx="3932261" cy="707886"/>
+            <a:off x="6374237" y="2334777"/>
+            <a:ext cx="4176449" cy="400110"/>
           </a:xfrm>
           <a:prstGeom prst="rect">
             <a:avLst/>
@@ -22869,38 +22871,6 @@
                 </a:solidFill>
               </a:rPr>
               <a:t>trang</a:t>
-            </a:r>
-            <a:r>
-              <a:rPr lang="en-US" sz="2000" dirty="0">
-                <a:solidFill>
-                  <a:schemeClr val="bg1"/>
-                </a:solidFill>
-              </a:rPr>
-              <a:t> </a:t>
-            </a:r>
-            <a:r>
-              <a:rPr lang="en-US" sz="2000" dirty="0" err="1">
-                <a:solidFill>
-                  <a:schemeClr val="bg1"/>
-                </a:solidFill>
-              </a:rPr>
-              <a:t>thể</a:t>
-            </a:r>
-            <a:r>
-              <a:rPr lang="en-US" sz="2000" dirty="0">
-                <a:solidFill>
-                  <a:schemeClr val="bg1"/>
-                </a:solidFill>
-              </a:rPr>
-              <a:t> </a:t>
-            </a:r>
-            <a:r>
-              <a:rPr lang="en-US" sz="2000" dirty="0" err="1">
-                <a:solidFill>
-                  <a:schemeClr val="bg1"/>
-                </a:solidFill>
-              </a:rPr>
-              <a:t>loại</a:t>
             </a:r>
             <a:r>
               <a:rPr lang="en-US" sz="2000" dirty="0">
@@ -23090,855 +23060,6 @@
 </file>
 
 <file path=ppt/slides/slide11.xml><?xml version="1.0" encoding="utf-8"?>
-<p:sld xmlns:a="http://schemas.openxmlformats.org/drawingml/2006/main" xmlns:r="http://schemas.openxmlformats.org/officeDocument/2006/relationships" xmlns:p="http://schemas.openxmlformats.org/presentationml/2006/main">
-  <p:cSld>
-    <p:spTree>
-      <p:nvGrpSpPr>
-        <p:cNvPr id="1" name=""/>
-        <p:cNvGrpSpPr/>
-        <p:nvPr/>
-      </p:nvGrpSpPr>
-      <p:grpSpPr>
-        <a:xfrm>
-          <a:off x="0" y="0"/>
-          <a:ext cx="0" cy="0"/>
-          <a:chOff x="0" y="0"/>
-          <a:chExt cx="0" cy="0"/>
-        </a:xfrm>
-      </p:grpSpPr>
-      <p:sp>
-        <p:nvSpPr>
-          <p:cNvPr id="5" name="Slide Number Placeholder 4">
-            <a:extLst>
-              <a:ext uri="{FF2B5EF4-FFF2-40B4-BE49-F238E27FC236}">
-                <a16:creationId xmlns:a16="http://schemas.microsoft.com/office/drawing/2014/main" id="{BEB1664D-7001-F0D8-18E6-51D5EB644050}"/>
-              </a:ext>
-            </a:extLst>
-          </p:cNvPr>
-          <p:cNvSpPr>
-            <a:spLocks noGrp="1"/>
-          </p:cNvSpPr>
-          <p:nvPr>
-            <p:ph type="sldNum" sz="quarter" idx="12"/>
-          </p:nvPr>
-        </p:nvSpPr>
-        <p:spPr/>
-        <p:txBody>
-          <a:bodyPr/>
-          <a:lstStyle/>
-          <a:p>
-            <a:fld id="{294A09A9-5501-47C1-A89A-A340965A2BE2}" type="slidenum">
-              <a:rPr lang="en-US" smtClean="0"/>
-              <a:pPr/>
-              <a:t>11</a:t>
-            </a:fld>
-            <a:endParaRPr lang="en-US" dirty="0"/>
-          </a:p>
-        </p:txBody>
-      </p:sp>
-      <p:sp>
-        <p:nvSpPr>
-          <p:cNvPr id="6" name="Rectangle: Rounded Corners 5">
-            <a:extLst>
-              <a:ext uri="{FF2B5EF4-FFF2-40B4-BE49-F238E27FC236}">
-                <a16:creationId xmlns:a16="http://schemas.microsoft.com/office/drawing/2014/main" id="{78A2A1C8-6CF7-41F4-27D3-6A3DF490675A}"/>
-              </a:ext>
-            </a:extLst>
-          </p:cNvPr>
-          <p:cNvSpPr/>
-          <p:nvPr/>
-        </p:nvSpPr>
-        <p:spPr>
-          <a:xfrm>
-            <a:off x="539014" y="857435"/>
-            <a:ext cx="3609474" cy="644106"/>
-          </a:xfrm>
-          <a:prstGeom prst="roundRect">
-            <a:avLst/>
-          </a:prstGeom>
-          <a:ln>
-            <a:noFill/>
-          </a:ln>
-        </p:spPr>
-        <p:style>
-          <a:lnRef idx="2">
-            <a:schemeClr val="accent1">
-              <a:shade val="15000"/>
-            </a:schemeClr>
-          </a:lnRef>
-          <a:fillRef idx="1">
-            <a:schemeClr val="accent1"/>
-          </a:fillRef>
-          <a:effectRef idx="0">
-            <a:schemeClr val="accent1"/>
-          </a:effectRef>
-          <a:fontRef idx="minor">
-            <a:schemeClr val="lt1"/>
-          </a:fontRef>
-        </p:style>
-        <p:txBody>
-          <a:bodyPr rtlCol="0" anchor="ctr"/>
-          <a:lstStyle/>
-          <a:p>
-            <a:pPr algn="ctr"/>
-            <a:endParaRPr lang="en-US"/>
-          </a:p>
-        </p:txBody>
-      </p:sp>
-      <p:sp>
-        <p:nvSpPr>
-          <p:cNvPr id="7" name="Slide Number Placeholder 4">
-            <a:extLst>
-              <a:ext uri="{FF2B5EF4-FFF2-40B4-BE49-F238E27FC236}">
-                <a16:creationId xmlns:a16="http://schemas.microsoft.com/office/drawing/2014/main" id="{6A81EA27-EA41-38F4-4390-1D503992D015}"/>
-              </a:ext>
-            </a:extLst>
-          </p:cNvPr>
-          <p:cNvSpPr txBox="1">
-            <a:spLocks/>
-          </p:cNvSpPr>
-          <p:nvPr/>
-        </p:nvSpPr>
-        <p:spPr>
-          <a:xfrm>
-            <a:off x="10206318" y="6356350"/>
-            <a:ext cx="1604682" cy="365125"/>
-          </a:xfrm>
-          <a:prstGeom prst="rect">
-            <a:avLst/>
-          </a:prstGeom>
-        </p:spPr>
-        <p:txBody>
-          <a:bodyPr vert="horz" lIns="91440" tIns="45720" rIns="91440" bIns="45720" rtlCol="0" anchor="ctr">
-            <a:noAutofit/>
-          </a:bodyPr>
-          <a:lstStyle>
-            <a:defPPr>
-              <a:defRPr lang="en-US"/>
-            </a:defPPr>
-            <a:lvl1pPr marL="0" algn="r" defTabSz="914400" rtl="0" eaLnBrk="1" latinLnBrk="0" hangingPunct="1">
-              <a:defRPr sz="1200" kern="1200">
-                <a:solidFill>
-                  <a:schemeClr val="accent3"/>
-                </a:solidFill>
-                <a:latin typeface="+mn-lt"/>
-                <a:ea typeface="+mn-ea"/>
-                <a:cs typeface="+mn-cs"/>
-              </a:defRPr>
-            </a:lvl1pPr>
-            <a:lvl2pPr marL="457200" algn="l" defTabSz="914400" rtl="0" eaLnBrk="1" latinLnBrk="0" hangingPunct="1">
-              <a:defRPr sz="1800" kern="1200">
-                <a:solidFill>
-                  <a:schemeClr val="tx1"/>
-                </a:solidFill>
-                <a:latin typeface="+mn-lt"/>
-                <a:ea typeface="+mn-ea"/>
-                <a:cs typeface="+mn-cs"/>
-              </a:defRPr>
-            </a:lvl2pPr>
-            <a:lvl3pPr marL="914400" algn="l" defTabSz="914400" rtl="0" eaLnBrk="1" latinLnBrk="0" hangingPunct="1">
-              <a:defRPr sz="1800" kern="1200">
-                <a:solidFill>
-                  <a:schemeClr val="tx1"/>
-                </a:solidFill>
-                <a:latin typeface="+mn-lt"/>
-                <a:ea typeface="+mn-ea"/>
-                <a:cs typeface="+mn-cs"/>
-              </a:defRPr>
-            </a:lvl3pPr>
-            <a:lvl4pPr marL="1371600" algn="l" defTabSz="914400" rtl="0" eaLnBrk="1" latinLnBrk="0" hangingPunct="1">
-              <a:defRPr sz="1800" kern="1200">
-                <a:solidFill>
-                  <a:schemeClr val="tx1"/>
-                </a:solidFill>
-                <a:latin typeface="+mn-lt"/>
-                <a:ea typeface="+mn-ea"/>
-                <a:cs typeface="+mn-cs"/>
-              </a:defRPr>
-            </a:lvl4pPr>
-            <a:lvl5pPr marL="1828800" algn="l" defTabSz="914400" rtl="0" eaLnBrk="1" latinLnBrk="0" hangingPunct="1">
-              <a:defRPr sz="1800" kern="1200">
-                <a:solidFill>
-                  <a:schemeClr val="tx1"/>
-                </a:solidFill>
-                <a:latin typeface="+mn-lt"/>
-                <a:ea typeface="+mn-ea"/>
-                <a:cs typeface="+mn-cs"/>
-              </a:defRPr>
-            </a:lvl5pPr>
-            <a:lvl6pPr marL="2286000" algn="l" defTabSz="914400" rtl="0" eaLnBrk="1" latinLnBrk="0" hangingPunct="1">
-              <a:defRPr sz="1800" kern="1200">
-                <a:solidFill>
-                  <a:schemeClr val="tx1"/>
-                </a:solidFill>
-                <a:latin typeface="+mn-lt"/>
-                <a:ea typeface="+mn-ea"/>
-                <a:cs typeface="+mn-cs"/>
-              </a:defRPr>
-            </a:lvl6pPr>
-            <a:lvl7pPr marL="2743200" algn="l" defTabSz="914400" rtl="0" eaLnBrk="1" latinLnBrk="0" hangingPunct="1">
-              <a:defRPr sz="1800" kern="1200">
-                <a:solidFill>
-                  <a:schemeClr val="tx1"/>
-                </a:solidFill>
-                <a:latin typeface="+mn-lt"/>
-                <a:ea typeface="+mn-ea"/>
-                <a:cs typeface="+mn-cs"/>
-              </a:defRPr>
-            </a:lvl7pPr>
-            <a:lvl8pPr marL="3200400" algn="l" defTabSz="914400" rtl="0" eaLnBrk="1" latinLnBrk="0" hangingPunct="1">
-              <a:defRPr sz="1800" kern="1200">
-                <a:solidFill>
-                  <a:schemeClr val="tx1"/>
-                </a:solidFill>
-                <a:latin typeface="+mn-lt"/>
-                <a:ea typeface="+mn-ea"/>
-                <a:cs typeface="+mn-cs"/>
-              </a:defRPr>
-            </a:lvl8pPr>
-            <a:lvl9pPr marL="3657600" algn="l" defTabSz="914400" rtl="0" eaLnBrk="1" latinLnBrk="0" hangingPunct="1">
-              <a:defRPr sz="1800" kern="1200">
-                <a:solidFill>
-                  <a:schemeClr val="tx1"/>
-                </a:solidFill>
-                <a:latin typeface="+mn-lt"/>
-                <a:ea typeface="+mn-ea"/>
-                <a:cs typeface="+mn-cs"/>
-              </a:defRPr>
-            </a:lvl9pPr>
-          </a:lstStyle>
-          <a:p>
-            <a:fld id="{294A09A9-5501-47C1-A89A-A340965A2BE2}" type="slidenum">
-              <a:rPr lang="en-US" smtClean="0"/>
-              <a:pPr/>
-              <a:t>11</a:t>
-            </a:fld>
-            <a:endParaRPr lang="en-US" dirty="0"/>
-          </a:p>
-        </p:txBody>
-      </p:sp>
-      <p:sp>
-        <p:nvSpPr>
-          <p:cNvPr id="8" name="TextBox 7">
-            <a:extLst>
-              <a:ext uri="{FF2B5EF4-FFF2-40B4-BE49-F238E27FC236}">
-                <a16:creationId xmlns:a16="http://schemas.microsoft.com/office/drawing/2014/main" id="{AF3F7E24-64CE-AED3-F536-3C08FB81837F}"/>
-              </a:ext>
-            </a:extLst>
-          </p:cNvPr>
-          <p:cNvSpPr txBox="1"/>
-          <p:nvPr/>
-        </p:nvSpPr>
-        <p:spPr>
-          <a:xfrm>
-            <a:off x="606390" y="857435"/>
-            <a:ext cx="3474721" cy="553998"/>
-          </a:xfrm>
-          <a:prstGeom prst="rect">
-            <a:avLst/>
-          </a:prstGeom>
-          <a:noFill/>
-        </p:spPr>
-        <p:txBody>
-          <a:bodyPr wrap="square" rtlCol="0">
-            <a:spAutoFit/>
-          </a:bodyPr>
-          <a:lstStyle/>
-          <a:p>
-            <a:r>
-              <a:rPr lang="en-US" sz="3000" dirty="0">
-                <a:solidFill>
-                  <a:schemeClr val="bg1"/>
-                </a:solidFill>
-              </a:rPr>
-              <a:t>Giao </a:t>
-            </a:r>
-            <a:r>
-              <a:rPr lang="en-US" sz="3000" dirty="0" err="1">
-                <a:solidFill>
-                  <a:schemeClr val="bg1"/>
-                </a:solidFill>
-              </a:rPr>
-              <a:t>diện</a:t>
-            </a:r>
-            <a:r>
-              <a:rPr lang="en-US" sz="3000" dirty="0">
-                <a:solidFill>
-                  <a:schemeClr val="bg1"/>
-                </a:solidFill>
-              </a:rPr>
-              <a:t> </a:t>
-            </a:r>
-            <a:r>
-              <a:rPr lang="en-US" sz="3000" dirty="0" err="1">
-                <a:solidFill>
-                  <a:schemeClr val="bg1"/>
-                </a:solidFill>
-              </a:rPr>
-              <a:t>phác</a:t>
-            </a:r>
-            <a:r>
-              <a:rPr lang="en-US" sz="3000" dirty="0">
-                <a:solidFill>
-                  <a:schemeClr val="bg1"/>
-                </a:solidFill>
-              </a:rPr>
-              <a:t> </a:t>
-            </a:r>
-            <a:r>
-              <a:rPr lang="en-US" sz="3000" dirty="0" err="1">
-                <a:solidFill>
-                  <a:schemeClr val="bg1"/>
-                </a:solidFill>
-              </a:rPr>
-              <a:t>thảo</a:t>
-            </a:r>
-            <a:endParaRPr lang="en-US" sz="3000" dirty="0">
-              <a:solidFill>
-                <a:schemeClr val="bg1"/>
-              </a:solidFill>
-            </a:endParaRPr>
-          </a:p>
-        </p:txBody>
-      </p:sp>
-      <p:sp>
-        <p:nvSpPr>
-          <p:cNvPr id="9" name="Rectangle: Rounded Corners 8">
-            <a:extLst>
-              <a:ext uri="{FF2B5EF4-FFF2-40B4-BE49-F238E27FC236}">
-                <a16:creationId xmlns:a16="http://schemas.microsoft.com/office/drawing/2014/main" id="{4086A8B8-4261-FD8A-8ABA-416B3DEE07B7}"/>
-              </a:ext>
-            </a:extLst>
-          </p:cNvPr>
-          <p:cNvSpPr/>
-          <p:nvPr/>
-        </p:nvSpPr>
-        <p:spPr>
-          <a:xfrm>
-            <a:off x="1174283" y="2334777"/>
-            <a:ext cx="4408370" cy="3445844"/>
-          </a:xfrm>
-          <a:prstGeom prst="roundRect">
-            <a:avLst/>
-          </a:prstGeom>
-          <a:noFill/>
-          <a:ln>
-            <a:noFill/>
-          </a:ln>
-        </p:spPr>
-        <p:style>
-          <a:lnRef idx="2">
-            <a:schemeClr val="accent1">
-              <a:shade val="15000"/>
-            </a:schemeClr>
-          </a:lnRef>
-          <a:fillRef idx="1">
-            <a:schemeClr val="accent1"/>
-          </a:fillRef>
-          <a:effectRef idx="0">
-            <a:schemeClr val="accent1"/>
-          </a:effectRef>
-          <a:fontRef idx="minor">
-            <a:schemeClr val="lt1"/>
-          </a:fontRef>
-        </p:style>
-        <p:txBody>
-          <a:bodyPr rtlCol="0" anchor="ctr"/>
-          <a:lstStyle/>
-          <a:p>
-            <a:pPr algn="ctr"/>
-            <a:endParaRPr lang="en-US"/>
-          </a:p>
-        </p:txBody>
-      </p:sp>
-      <p:sp>
-        <p:nvSpPr>
-          <p:cNvPr id="11" name="TextBox 10">
-            <a:extLst>
-              <a:ext uri="{FF2B5EF4-FFF2-40B4-BE49-F238E27FC236}">
-                <a16:creationId xmlns:a16="http://schemas.microsoft.com/office/drawing/2014/main" id="{A7397DE9-2E1A-D5FA-599D-E5B4CB66611C}"/>
-              </a:ext>
-            </a:extLst>
-          </p:cNvPr>
-          <p:cNvSpPr txBox="1"/>
-          <p:nvPr/>
-        </p:nvSpPr>
-        <p:spPr>
-          <a:xfrm>
-            <a:off x="1431405" y="5564967"/>
-            <a:ext cx="3894126" cy="400110"/>
-          </a:xfrm>
-          <a:prstGeom prst="rect">
-            <a:avLst/>
-          </a:prstGeom>
-          <a:noFill/>
-        </p:spPr>
-        <p:txBody>
-          <a:bodyPr wrap="square" rtlCol="0">
-            <a:spAutoFit/>
-          </a:bodyPr>
-          <a:lstStyle/>
-          <a:p>
-            <a:r>
-              <a:rPr lang="en-US" sz="2000" dirty="0">
-                <a:solidFill>
-                  <a:schemeClr val="bg1"/>
-                </a:solidFill>
-              </a:rPr>
-              <a:t>Giao </a:t>
-            </a:r>
-            <a:r>
-              <a:rPr lang="en-US" sz="2000" dirty="0" err="1">
-                <a:solidFill>
-                  <a:schemeClr val="bg1"/>
-                </a:solidFill>
-              </a:rPr>
-              <a:t>diện</a:t>
-            </a:r>
-            <a:r>
-              <a:rPr lang="en-US" sz="2000" dirty="0">
-                <a:solidFill>
-                  <a:schemeClr val="bg1"/>
-                </a:solidFill>
-              </a:rPr>
-              <a:t> </a:t>
-            </a:r>
-            <a:r>
-              <a:rPr lang="en-US" sz="2000" dirty="0" err="1">
-                <a:solidFill>
-                  <a:schemeClr val="bg1"/>
-                </a:solidFill>
-              </a:rPr>
-              <a:t>phác</a:t>
-            </a:r>
-            <a:r>
-              <a:rPr lang="en-US" sz="2000" dirty="0">
-                <a:solidFill>
-                  <a:schemeClr val="bg1"/>
-                </a:solidFill>
-              </a:rPr>
-              <a:t> </a:t>
-            </a:r>
-            <a:r>
-              <a:rPr lang="en-US" sz="2000" dirty="0" err="1">
-                <a:solidFill>
-                  <a:schemeClr val="bg1"/>
-                </a:solidFill>
-              </a:rPr>
-              <a:t>thảo</a:t>
-            </a:r>
-            <a:r>
-              <a:rPr lang="en-US" sz="2000" dirty="0">
-                <a:solidFill>
-                  <a:schemeClr val="bg1"/>
-                </a:solidFill>
-              </a:rPr>
-              <a:t> </a:t>
-            </a:r>
-            <a:r>
-              <a:rPr lang="en-US" sz="2000" dirty="0" err="1">
-                <a:solidFill>
-                  <a:schemeClr val="bg1"/>
-                </a:solidFill>
-              </a:rPr>
-              <a:t>trang</a:t>
-            </a:r>
-            <a:r>
-              <a:rPr lang="en-US" sz="2000" dirty="0">
-                <a:solidFill>
-                  <a:schemeClr val="bg1"/>
-                </a:solidFill>
-              </a:rPr>
-              <a:t> </a:t>
-            </a:r>
-            <a:r>
-              <a:rPr lang="en-US" sz="2000" dirty="0" err="1">
-                <a:solidFill>
-                  <a:schemeClr val="bg1"/>
-                </a:solidFill>
-              </a:rPr>
-              <a:t>liên</a:t>
-            </a:r>
-            <a:r>
-              <a:rPr lang="en-US" sz="2000" dirty="0">
-                <a:solidFill>
-                  <a:schemeClr val="bg1"/>
-                </a:solidFill>
-              </a:rPr>
-              <a:t> </a:t>
-            </a:r>
-            <a:r>
-              <a:rPr lang="en-US" sz="2000" dirty="0" err="1">
-                <a:solidFill>
-                  <a:schemeClr val="bg1"/>
-                </a:solidFill>
-              </a:rPr>
-              <a:t>hệ</a:t>
-            </a:r>
-            <a:endParaRPr lang="en-US" sz="2000" dirty="0">
-              <a:solidFill>
-                <a:schemeClr val="bg1"/>
-              </a:solidFill>
-            </a:endParaRPr>
-          </a:p>
-        </p:txBody>
-      </p:sp>
-      <p:sp>
-        <p:nvSpPr>
-          <p:cNvPr id="13" name="TextBox 12">
-            <a:extLst>
-              <a:ext uri="{FF2B5EF4-FFF2-40B4-BE49-F238E27FC236}">
-                <a16:creationId xmlns:a16="http://schemas.microsoft.com/office/drawing/2014/main" id="{94B6AC43-F9CC-0FE4-ACCB-2D137B4387B2}"/>
-              </a:ext>
-            </a:extLst>
-          </p:cNvPr>
-          <p:cNvSpPr txBox="1"/>
-          <p:nvPr/>
-        </p:nvSpPr>
-        <p:spPr>
-          <a:xfrm>
-            <a:off x="6496330" y="2231372"/>
-            <a:ext cx="3932261" cy="707886"/>
-          </a:xfrm>
-          <a:prstGeom prst="rect">
-            <a:avLst/>
-          </a:prstGeom>
-          <a:noFill/>
-        </p:spPr>
-        <p:txBody>
-          <a:bodyPr wrap="square" rtlCol="0">
-            <a:spAutoFit/>
-          </a:bodyPr>
-          <a:lstStyle/>
-          <a:p>
-            <a:r>
-              <a:rPr lang="en-US" sz="2000" dirty="0">
-                <a:solidFill>
-                  <a:schemeClr val="bg1"/>
-                </a:solidFill>
-              </a:rPr>
-              <a:t>Giao </a:t>
-            </a:r>
-            <a:r>
-              <a:rPr lang="en-US" sz="2000" dirty="0" err="1">
-                <a:solidFill>
-                  <a:schemeClr val="bg1"/>
-                </a:solidFill>
-              </a:rPr>
-              <a:t>diện</a:t>
-            </a:r>
-            <a:r>
-              <a:rPr lang="en-US" sz="2000" dirty="0">
-                <a:solidFill>
-                  <a:schemeClr val="bg1"/>
-                </a:solidFill>
-              </a:rPr>
-              <a:t> </a:t>
-            </a:r>
-            <a:r>
-              <a:rPr lang="en-US" sz="2000" dirty="0" err="1">
-                <a:solidFill>
-                  <a:schemeClr val="bg1"/>
-                </a:solidFill>
-              </a:rPr>
-              <a:t>phác</a:t>
-            </a:r>
-            <a:r>
-              <a:rPr lang="en-US" sz="2000" dirty="0">
-                <a:solidFill>
-                  <a:schemeClr val="bg1"/>
-                </a:solidFill>
-              </a:rPr>
-              <a:t> </a:t>
-            </a:r>
-            <a:r>
-              <a:rPr lang="en-US" sz="2000" dirty="0" err="1">
-                <a:solidFill>
-                  <a:schemeClr val="bg1"/>
-                </a:solidFill>
-              </a:rPr>
-              <a:t>thảo</a:t>
-            </a:r>
-            <a:r>
-              <a:rPr lang="en-US" sz="2000" dirty="0">
-                <a:solidFill>
-                  <a:schemeClr val="bg1"/>
-                </a:solidFill>
-              </a:rPr>
-              <a:t> </a:t>
-            </a:r>
-            <a:r>
-              <a:rPr lang="en-US" sz="2000" dirty="0" err="1">
-                <a:solidFill>
-                  <a:schemeClr val="bg1"/>
-                </a:solidFill>
-              </a:rPr>
-              <a:t>trang</a:t>
-            </a:r>
-            <a:r>
-              <a:rPr lang="en-US" sz="2000" dirty="0">
-                <a:solidFill>
-                  <a:schemeClr val="bg1"/>
-                </a:solidFill>
-              </a:rPr>
-              <a:t> chi </a:t>
-            </a:r>
-            <a:r>
-              <a:rPr lang="en-US" sz="2000" dirty="0" err="1">
-                <a:solidFill>
-                  <a:schemeClr val="bg1"/>
-                </a:solidFill>
-              </a:rPr>
-              <a:t>tiết</a:t>
-            </a:r>
-            <a:r>
-              <a:rPr lang="en-US" sz="2000" dirty="0">
-                <a:solidFill>
-                  <a:schemeClr val="bg1"/>
-                </a:solidFill>
-              </a:rPr>
-              <a:t> </a:t>
-            </a:r>
-            <a:r>
-              <a:rPr lang="en-US" sz="2000" dirty="0" err="1">
-                <a:solidFill>
-                  <a:schemeClr val="bg1"/>
-                </a:solidFill>
-              </a:rPr>
-              <a:t>sản</a:t>
-            </a:r>
-            <a:r>
-              <a:rPr lang="en-US" sz="2000" dirty="0">
-                <a:solidFill>
-                  <a:schemeClr val="bg1"/>
-                </a:solidFill>
-              </a:rPr>
-              <a:t> </a:t>
-            </a:r>
-            <a:r>
-              <a:rPr lang="en-US" sz="2000" dirty="0" err="1">
-                <a:solidFill>
-                  <a:schemeClr val="bg1"/>
-                </a:solidFill>
-              </a:rPr>
-              <a:t>phẩm</a:t>
-            </a:r>
-            <a:endParaRPr lang="en-US" sz="2000" dirty="0">
-              <a:solidFill>
-                <a:schemeClr val="bg1"/>
-              </a:solidFill>
-            </a:endParaRPr>
-          </a:p>
-        </p:txBody>
-      </p:sp>
-      <p:sp>
-        <p:nvSpPr>
-          <p:cNvPr id="14" name="Footer Placeholder 4">
-            <a:extLst>
-              <a:ext uri="{FF2B5EF4-FFF2-40B4-BE49-F238E27FC236}">
-                <a16:creationId xmlns:a16="http://schemas.microsoft.com/office/drawing/2014/main" id="{32821426-9DB5-45B7-1154-65F7B985C699}"/>
-              </a:ext>
-            </a:extLst>
-          </p:cNvPr>
-          <p:cNvSpPr txBox="1">
-            <a:spLocks/>
-          </p:cNvSpPr>
-          <p:nvPr/>
-        </p:nvSpPr>
-        <p:spPr>
-          <a:xfrm rot="16200000">
-            <a:off x="-1381134" y="3341283"/>
-            <a:ext cx="3070931" cy="175434"/>
-          </a:xfrm>
-          <a:prstGeom prst="rect">
-            <a:avLst/>
-          </a:prstGeom>
-        </p:spPr>
-        <p:txBody>
-          <a:bodyPr vert="horz" lIns="91440" tIns="45720" rIns="91440" bIns="45720" rtlCol="0" anchor="ctr"/>
-          <a:lstStyle>
-            <a:defPPr>
-              <a:defRPr lang="en-US"/>
-            </a:defPPr>
-            <a:lvl1pPr marL="0" algn="r" defTabSz="914400" rtl="0" eaLnBrk="1" latinLnBrk="0" hangingPunct="1">
-              <a:defRPr sz="1200" kern="1200">
-                <a:solidFill>
-                  <a:schemeClr val="tx1">
-                    <a:tint val="75000"/>
-                  </a:schemeClr>
-                </a:solidFill>
-                <a:latin typeface="+mn-lt"/>
-                <a:ea typeface="+mn-ea"/>
-                <a:cs typeface="+mn-cs"/>
-              </a:defRPr>
-            </a:lvl1pPr>
-            <a:lvl2pPr marL="457200" algn="l" defTabSz="914400" rtl="0" eaLnBrk="1" latinLnBrk="0" hangingPunct="1">
-              <a:defRPr sz="1800" kern="1200">
-                <a:solidFill>
-                  <a:schemeClr val="tx1"/>
-                </a:solidFill>
-                <a:latin typeface="+mn-lt"/>
-                <a:ea typeface="+mn-ea"/>
-                <a:cs typeface="+mn-cs"/>
-              </a:defRPr>
-            </a:lvl2pPr>
-            <a:lvl3pPr marL="914400" algn="l" defTabSz="914400" rtl="0" eaLnBrk="1" latinLnBrk="0" hangingPunct="1">
-              <a:defRPr sz="1800" kern="1200">
-                <a:solidFill>
-                  <a:schemeClr val="tx1"/>
-                </a:solidFill>
-                <a:latin typeface="+mn-lt"/>
-                <a:ea typeface="+mn-ea"/>
-                <a:cs typeface="+mn-cs"/>
-              </a:defRPr>
-            </a:lvl3pPr>
-            <a:lvl4pPr marL="1371600" algn="l" defTabSz="914400" rtl="0" eaLnBrk="1" latinLnBrk="0" hangingPunct="1">
-              <a:defRPr sz="1800" kern="1200">
-                <a:solidFill>
-                  <a:schemeClr val="tx1"/>
-                </a:solidFill>
-                <a:latin typeface="+mn-lt"/>
-                <a:ea typeface="+mn-ea"/>
-                <a:cs typeface="+mn-cs"/>
-              </a:defRPr>
-            </a:lvl4pPr>
-            <a:lvl5pPr marL="1828800" algn="l" defTabSz="914400" rtl="0" eaLnBrk="1" latinLnBrk="0" hangingPunct="1">
-              <a:defRPr sz="1800" kern="1200">
-                <a:solidFill>
-                  <a:schemeClr val="tx1"/>
-                </a:solidFill>
-                <a:latin typeface="+mn-lt"/>
-                <a:ea typeface="+mn-ea"/>
-                <a:cs typeface="+mn-cs"/>
-              </a:defRPr>
-            </a:lvl5pPr>
-            <a:lvl6pPr marL="2286000" algn="l" defTabSz="914400" rtl="0" eaLnBrk="1" latinLnBrk="0" hangingPunct="1">
-              <a:defRPr sz="1800" kern="1200">
-                <a:solidFill>
-                  <a:schemeClr val="tx1"/>
-                </a:solidFill>
-                <a:latin typeface="+mn-lt"/>
-                <a:ea typeface="+mn-ea"/>
-                <a:cs typeface="+mn-cs"/>
-              </a:defRPr>
-            </a:lvl6pPr>
-            <a:lvl7pPr marL="2743200" algn="l" defTabSz="914400" rtl="0" eaLnBrk="1" latinLnBrk="0" hangingPunct="1">
-              <a:defRPr sz="1800" kern="1200">
-                <a:solidFill>
-                  <a:schemeClr val="tx1"/>
-                </a:solidFill>
-                <a:latin typeface="+mn-lt"/>
-                <a:ea typeface="+mn-ea"/>
-                <a:cs typeface="+mn-cs"/>
-              </a:defRPr>
-            </a:lvl7pPr>
-            <a:lvl8pPr marL="3200400" algn="l" defTabSz="914400" rtl="0" eaLnBrk="1" latinLnBrk="0" hangingPunct="1">
-              <a:defRPr sz="1800" kern="1200">
-                <a:solidFill>
-                  <a:schemeClr val="tx1"/>
-                </a:solidFill>
-                <a:latin typeface="+mn-lt"/>
-                <a:ea typeface="+mn-ea"/>
-                <a:cs typeface="+mn-cs"/>
-              </a:defRPr>
-            </a:lvl8pPr>
-            <a:lvl9pPr marL="3657600" algn="l" defTabSz="914400" rtl="0" eaLnBrk="1" latinLnBrk="0" hangingPunct="1">
-              <a:defRPr sz="1800" kern="1200">
-                <a:solidFill>
-                  <a:schemeClr val="tx1"/>
-                </a:solidFill>
-                <a:latin typeface="+mn-lt"/>
-                <a:ea typeface="+mn-ea"/>
-                <a:cs typeface="+mn-cs"/>
-              </a:defRPr>
-            </a:lvl9pPr>
-          </a:lstStyle>
-          <a:p>
-            <a:r>
-              <a:rPr lang="en-US" dirty="0">
-                <a:solidFill>
-                  <a:schemeClr val="tx1"/>
-                </a:solidFill>
-              </a:rPr>
-              <a:t>BÁO CÁO ĐỒ ÁN THỰC TẬP CƠ SỞ NGÀNH</a:t>
-            </a:r>
-          </a:p>
-        </p:txBody>
-      </p:sp>
-      <p:pic>
-        <p:nvPicPr>
-          <p:cNvPr id="16" name="Picture 15">
-            <a:extLst>
-              <a:ext uri="{FF2B5EF4-FFF2-40B4-BE49-F238E27FC236}">
-                <a16:creationId xmlns:a16="http://schemas.microsoft.com/office/drawing/2014/main" id="{CB49CF5A-144F-2509-4F00-C1B619272EC4}"/>
-              </a:ext>
-            </a:extLst>
-          </p:cNvPr>
-          <p:cNvPicPr>
-            <a:picLocks noChangeAspect="1"/>
-          </p:cNvPicPr>
-          <p:nvPr/>
-        </p:nvPicPr>
-        <p:blipFill>
-          <a:blip r:embed="rId2"/>
-          <a:stretch>
-            <a:fillRect/>
-          </a:stretch>
-        </p:blipFill>
-        <p:spPr>
-          <a:xfrm>
-            <a:off x="1183049" y="2119123"/>
-            <a:ext cx="4399604" cy="3445844"/>
-          </a:xfrm>
-          <a:prstGeom prst="rect">
-            <a:avLst/>
-          </a:prstGeom>
-        </p:spPr>
-      </p:pic>
-      <p:pic>
-        <p:nvPicPr>
-          <p:cNvPr id="18" name="Picture 17">
-            <a:extLst>
-              <a:ext uri="{FF2B5EF4-FFF2-40B4-BE49-F238E27FC236}">
-                <a16:creationId xmlns:a16="http://schemas.microsoft.com/office/drawing/2014/main" id="{E9655797-4593-45A3-2E90-87EB97A36AC0}"/>
-              </a:ext>
-            </a:extLst>
-          </p:cNvPr>
-          <p:cNvPicPr>
-            <a:picLocks noChangeAspect="1"/>
-          </p:cNvPicPr>
-          <p:nvPr/>
-        </p:nvPicPr>
-        <p:blipFill>
-          <a:blip r:embed="rId3"/>
-          <a:stretch>
-            <a:fillRect/>
-          </a:stretch>
-        </p:blipFill>
-        <p:spPr>
-          <a:xfrm>
-            <a:off x="6609349" y="2955922"/>
-            <a:ext cx="4042814" cy="3290429"/>
-          </a:xfrm>
-          <a:prstGeom prst="rect">
-            <a:avLst/>
-          </a:prstGeom>
-        </p:spPr>
-      </p:pic>
-    </p:spTree>
-    <p:extLst>
-      <p:ext uri="{BB962C8B-B14F-4D97-AF65-F5344CB8AC3E}">
-        <p14:creationId xmlns:p14="http://schemas.microsoft.com/office/powerpoint/2010/main" val="326799876"/>
-      </p:ext>
-    </p:extLst>
-  </p:cSld>
-  <p:clrMapOvr>
-    <a:masterClrMapping/>
-  </p:clrMapOvr>
-</p:sld>
-</file>
-
-<file path=ppt/slides/slide12.xml><?xml version="1.0" encoding="utf-8"?>
 <p:sld xmlns:a="http://schemas.openxmlformats.org/drawingml/2006/main" xmlns:r="http://schemas.openxmlformats.org/officeDocument/2006/relationships" xmlns:p="http://schemas.openxmlformats.org/presentationml/2006/main">
   <p:cSld>
     <p:spTree>
@@ -23979,7 +23100,7 @@
             <a:fld id="{294A09A9-5501-47C1-A89A-A340965A2BE2}" type="slidenum">
               <a:rPr lang="en-US" smtClean="0"/>
               <a:pPr/>
-              <a:t>12</a:t>
+              <a:t>11</a:t>
             </a:fld>
             <a:endParaRPr lang="en-US" dirty="0"/>
           </a:p>
@@ -25439,7 +24560,7 @@
 </p:sld>
 </file>
 
-<file path=ppt/slides/slide13.xml><?xml version="1.0" encoding="utf-8"?>
+<file path=ppt/slides/slide12.xml><?xml version="1.0" encoding="utf-8"?>
 <p:sld xmlns:a="http://schemas.openxmlformats.org/drawingml/2006/main" xmlns:r="http://schemas.openxmlformats.org/officeDocument/2006/relationships" xmlns:p="http://schemas.openxmlformats.org/presentationml/2006/main">
   <p:cSld>
     <p:spTree>
@@ -25485,7 +24606,7 @@
             <a:fld id="{294A09A9-5501-47C1-A89A-A340965A2BE2}" type="slidenum">
               <a:rPr lang="en-US" smtClean="0"/>
               <a:pPr/>
-              <a:t>13</a:t>
+              <a:t>12</a:t>
             </a:fld>
             <a:endParaRPr lang="en-US" dirty="0"/>
           </a:p>
@@ -26982,7 +26103,7 @@
 </p:sld>
 </file>
 
-<file path=ppt/slides/slide14.xml><?xml version="1.0" encoding="utf-8"?>
+<file path=ppt/slides/slide13.xml><?xml version="1.0" encoding="utf-8"?>
 <p:sld xmlns:a="http://schemas.openxmlformats.org/drawingml/2006/main" xmlns:r="http://schemas.openxmlformats.org/officeDocument/2006/relationships" xmlns:p="http://schemas.openxmlformats.org/presentationml/2006/main">
   <p:cSld>
     <p:spTree>
@@ -27072,7 +26193,7 @@
             <a:fld id="{294A09A9-5501-47C1-A89A-A340965A2BE2}" type="slidenum">
               <a:rPr lang="en-US" smtClean="0"/>
               <a:pPr/>
-              <a:t>14</a:t>
+              <a:t>13</a:t>
             </a:fld>
             <a:endParaRPr lang="en-US" dirty="0"/>
           </a:p>
@@ -28305,7 +27426,7 @@
 </p:sld>
 </file>
 
-<file path=ppt/slides/slide15.xml><?xml version="1.0" encoding="utf-8"?>
+<file path=ppt/slides/slide14.xml><?xml version="1.0" encoding="utf-8"?>
 <p:sld xmlns:a="http://schemas.openxmlformats.org/drawingml/2006/main" xmlns:r="http://schemas.openxmlformats.org/officeDocument/2006/relationships" xmlns:p="http://schemas.openxmlformats.org/presentationml/2006/main">
   <p:cSld>
     <p:spTree>
@@ -28865,7 +27986,7 @@
                 </a:solidFill>
               </a:rPr>
               <a:pPr/>
-              <a:t>15</a:t>
+              <a:t>14</a:t>
             </a:fld>
             <a:endParaRPr lang="en-US" sz="1200" dirty="0">
               <a:solidFill>
@@ -28888,7 +28009,7 @@
 </p:sld>
 </file>
 
-<file path=ppt/slides/slide16.xml><?xml version="1.0" encoding="utf-8"?>
+<file path=ppt/slides/slide15.xml><?xml version="1.0" encoding="utf-8"?>
 <p:sld xmlns:a="http://schemas.openxmlformats.org/drawingml/2006/main" xmlns:r="http://schemas.openxmlformats.org/officeDocument/2006/relationships" xmlns:p="http://schemas.openxmlformats.org/presentationml/2006/main">
   <p:cSld>
     <p:spTree>
@@ -29041,7 +28162,7 @@
                 </a:solidFill>
               </a:rPr>
               <a:pPr/>
-              <a:t>16</a:t>
+              <a:t>15</a:t>
             </a:fld>
             <a:endParaRPr lang="en-US" sz="1200" dirty="0">
               <a:solidFill>
@@ -31076,7 +30197,953 @@
 </p:sld>
 </file>
 
+<file path=ppt/slides/slide16.xml><?xml version="1.0" encoding="utf-8"?>
+<p:sld xmlns:a="http://schemas.openxmlformats.org/drawingml/2006/main" xmlns:r="http://schemas.openxmlformats.org/officeDocument/2006/relationships" xmlns:p="http://schemas.openxmlformats.org/presentationml/2006/main">
+  <p:cSld>
+    <p:spTree>
+      <p:nvGrpSpPr>
+        <p:cNvPr id="1" name=""/>
+        <p:cNvGrpSpPr/>
+        <p:nvPr/>
+      </p:nvGrpSpPr>
+      <p:grpSpPr>
+        <a:xfrm>
+          <a:off x="0" y="0"/>
+          <a:ext cx="0" cy="0"/>
+          <a:chOff x="0" y="0"/>
+          <a:chExt cx="0" cy="0"/>
+        </a:xfrm>
+      </p:grpSpPr>
+      <p:sp>
+        <p:nvSpPr>
+          <p:cNvPr id="16" name="Slide Number Placeholder 15">
+            <a:extLst>
+              <a:ext uri="{FF2B5EF4-FFF2-40B4-BE49-F238E27FC236}">
+                <a16:creationId xmlns:a16="http://schemas.microsoft.com/office/drawing/2014/main" id="{44AAE4F6-6F19-F717-2CA8-D6618BDF0B79}"/>
+              </a:ext>
+            </a:extLst>
+          </p:cNvPr>
+          <p:cNvSpPr>
+            <a:spLocks noGrp="1"/>
+          </p:cNvSpPr>
+          <p:nvPr>
+            <p:ph type="sldNum" sz="quarter" idx="12"/>
+          </p:nvPr>
+        </p:nvSpPr>
+        <p:spPr/>
+        <p:txBody>
+          <a:bodyPr/>
+          <a:lstStyle/>
+          <a:p>
+            <a:fld id="{294A09A9-5501-47C1-A89A-A340965A2BE2}" type="slidenum">
+              <a:rPr lang="en-US" smtClean="0"/>
+              <a:pPr/>
+              <a:t>16</a:t>
+            </a:fld>
+            <a:endParaRPr lang="en-US" dirty="0"/>
+          </a:p>
+        </p:txBody>
+      </p:sp>
+      <p:sp>
+        <p:nvSpPr>
+          <p:cNvPr id="17" name="Footer Placeholder 4">
+            <a:extLst>
+              <a:ext uri="{FF2B5EF4-FFF2-40B4-BE49-F238E27FC236}">
+                <a16:creationId xmlns:a16="http://schemas.microsoft.com/office/drawing/2014/main" id="{5266B055-A17D-C96B-8CBA-6435FFBD7714}"/>
+              </a:ext>
+            </a:extLst>
+          </p:cNvPr>
+          <p:cNvSpPr txBox="1">
+            <a:spLocks/>
+          </p:cNvSpPr>
+          <p:nvPr/>
+        </p:nvSpPr>
+        <p:spPr>
+          <a:xfrm rot="16200000">
+            <a:off x="-1372572" y="3341283"/>
+            <a:ext cx="3070931" cy="175434"/>
+          </a:xfrm>
+          <a:prstGeom prst="rect">
+            <a:avLst/>
+          </a:prstGeom>
+        </p:spPr>
+        <p:txBody>
+          <a:bodyPr vert="horz" lIns="91440" tIns="45720" rIns="91440" bIns="45720" rtlCol="0" anchor="ctr"/>
+          <a:lstStyle>
+            <a:defPPr>
+              <a:defRPr lang="en-US"/>
+            </a:defPPr>
+            <a:lvl1pPr marL="0" algn="r" defTabSz="914400" rtl="0" eaLnBrk="1" latinLnBrk="0" hangingPunct="1">
+              <a:defRPr sz="1200" kern="1200">
+                <a:solidFill>
+                  <a:schemeClr val="tx1">
+                    <a:tint val="75000"/>
+                  </a:schemeClr>
+                </a:solidFill>
+                <a:latin typeface="+mn-lt"/>
+                <a:ea typeface="+mn-ea"/>
+                <a:cs typeface="+mn-cs"/>
+              </a:defRPr>
+            </a:lvl1pPr>
+            <a:lvl2pPr marL="457200" algn="l" defTabSz="914400" rtl="0" eaLnBrk="1" latinLnBrk="0" hangingPunct="1">
+              <a:defRPr sz="1800" kern="1200">
+                <a:solidFill>
+                  <a:schemeClr val="tx1"/>
+                </a:solidFill>
+                <a:latin typeface="+mn-lt"/>
+                <a:ea typeface="+mn-ea"/>
+                <a:cs typeface="+mn-cs"/>
+              </a:defRPr>
+            </a:lvl2pPr>
+            <a:lvl3pPr marL="914400" algn="l" defTabSz="914400" rtl="0" eaLnBrk="1" latinLnBrk="0" hangingPunct="1">
+              <a:defRPr sz="1800" kern="1200">
+                <a:solidFill>
+                  <a:schemeClr val="tx1"/>
+                </a:solidFill>
+                <a:latin typeface="+mn-lt"/>
+                <a:ea typeface="+mn-ea"/>
+                <a:cs typeface="+mn-cs"/>
+              </a:defRPr>
+            </a:lvl3pPr>
+            <a:lvl4pPr marL="1371600" algn="l" defTabSz="914400" rtl="0" eaLnBrk="1" latinLnBrk="0" hangingPunct="1">
+              <a:defRPr sz="1800" kern="1200">
+                <a:solidFill>
+                  <a:schemeClr val="tx1"/>
+                </a:solidFill>
+                <a:latin typeface="+mn-lt"/>
+                <a:ea typeface="+mn-ea"/>
+                <a:cs typeface="+mn-cs"/>
+              </a:defRPr>
+            </a:lvl4pPr>
+            <a:lvl5pPr marL="1828800" algn="l" defTabSz="914400" rtl="0" eaLnBrk="1" latinLnBrk="0" hangingPunct="1">
+              <a:defRPr sz="1800" kern="1200">
+                <a:solidFill>
+                  <a:schemeClr val="tx1"/>
+                </a:solidFill>
+                <a:latin typeface="+mn-lt"/>
+                <a:ea typeface="+mn-ea"/>
+                <a:cs typeface="+mn-cs"/>
+              </a:defRPr>
+            </a:lvl5pPr>
+            <a:lvl6pPr marL="2286000" algn="l" defTabSz="914400" rtl="0" eaLnBrk="1" latinLnBrk="0" hangingPunct="1">
+              <a:defRPr sz="1800" kern="1200">
+                <a:solidFill>
+                  <a:schemeClr val="tx1"/>
+                </a:solidFill>
+                <a:latin typeface="+mn-lt"/>
+                <a:ea typeface="+mn-ea"/>
+                <a:cs typeface="+mn-cs"/>
+              </a:defRPr>
+            </a:lvl6pPr>
+            <a:lvl7pPr marL="2743200" algn="l" defTabSz="914400" rtl="0" eaLnBrk="1" latinLnBrk="0" hangingPunct="1">
+              <a:defRPr sz="1800" kern="1200">
+                <a:solidFill>
+                  <a:schemeClr val="tx1"/>
+                </a:solidFill>
+                <a:latin typeface="+mn-lt"/>
+                <a:ea typeface="+mn-ea"/>
+                <a:cs typeface="+mn-cs"/>
+              </a:defRPr>
+            </a:lvl7pPr>
+            <a:lvl8pPr marL="3200400" algn="l" defTabSz="914400" rtl="0" eaLnBrk="1" latinLnBrk="0" hangingPunct="1">
+              <a:defRPr sz="1800" kern="1200">
+                <a:solidFill>
+                  <a:schemeClr val="tx1"/>
+                </a:solidFill>
+                <a:latin typeface="+mn-lt"/>
+                <a:ea typeface="+mn-ea"/>
+                <a:cs typeface="+mn-cs"/>
+              </a:defRPr>
+            </a:lvl8pPr>
+            <a:lvl9pPr marL="3657600" algn="l" defTabSz="914400" rtl="0" eaLnBrk="1" latinLnBrk="0" hangingPunct="1">
+              <a:defRPr sz="1800" kern="1200">
+                <a:solidFill>
+                  <a:schemeClr val="tx1"/>
+                </a:solidFill>
+                <a:latin typeface="+mn-lt"/>
+                <a:ea typeface="+mn-ea"/>
+                <a:cs typeface="+mn-cs"/>
+              </a:defRPr>
+            </a:lvl9pPr>
+          </a:lstStyle>
+          <a:p>
+            <a:r>
+              <a:rPr lang="en-US" dirty="0">
+                <a:solidFill>
+                  <a:schemeClr val="tx1"/>
+                </a:solidFill>
+              </a:rPr>
+              <a:t>BÁO CÁO ĐỒ ÁN THỰC TẬP CƠ SỞ NGÀNH</a:t>
+            </a:r>
+          </a:p>
+        </p:txBody>
+      </p:sp>
+      <p:sp>
+        <p:nvSpPr>
+          <p:cNvPr id="18" name="Rectangle: Rounded Corners 17">
+            <a:extLst>
+              <a:ext uri="{FF2B5EF4-FFF2-40B4-BE49-F238E27FC236}">
+                <a16:creationId xmlns:a16="http://schemas.microsoft.com/office/drawing/2014/main" id="{96D4AD58-7A0C-F004-12F6-78358831D141}"/>
+              </a:ext>
+            </a:extLst>
+          </p:cNvPr>
+          <p:cNvSpPr/>
+          <p:nvPr/>
+        </p:nvSpPr>
+        <p:spPr>
+          <a:xfrm>
+            <a:off x="837398" y="519764"/>
+            <a:ext cx="3513221" cy="635268"/>
+          </a:xfrm>
+          <a:prstGeom prst="roundRect">
+            <a:avLst/>
+          </a:prstGeom>
+        </p:spPr>
+        <p:style>
+          <a:lnRef idx="2">
+            <a:schemeClr val="accent1">
+              <a:shade val="15000"/>
+            </a:schemeClr>
+          </a:lnRef>
+          <a:fillRef idx="1">
+            <a:schemeClr val="accent1"/>
+          </a:fillRef>
+          <a:effectRef idx="0">
+            <a:schemeClr val="accent1"/>
+          </a:effectRef>
+          <a:fontRef idx="minor">
+            <a:schemeClr val="lt1"/>
+          </a:fontRef>
+        </p:style>
+        <p:txBody>
+          <a:bodyPr rtlCol="0" anchor="ctr"/>
+          <a:lstStyle/>
+          <a:p>
+            <a:pPr algn="ctr"/>
+            <a:r>
+              <a:rPr lang="en-US" sz="3000" dirty="0" err="1"/>
+              <a:t>Yêu</a:t>
+            </a:r>
+            <a:r>
+              <a:rPr lang="en-US" sz="3000" dirty="0"/>
+              <a:t> </a:t>
+            </a:r>
+            <a:r>
+              <a:rPr lang="en-US" sz="3000" dirty="0" err="1"/>
+              <a:t>cầu</a:t>
+            </a:r>
+            <a:r>
+              <a:rPr lang="en-US" sz="3000" dirty="0"/>
+              <a:t> </a:t>
+            </a:r>
+            <a:r>
+              <a:rPr lang="en-US" sz="3000" dirty="0" err="1"/>
+              <a:t>chức</a:t>
+            </a:r>
+            <a:r>
+              <a:rPr lang="en-US" sz="3000" dirty="0"/>
+              <a:t> </a:t>
+            </a:r>
+            <a:r>
+              <a:rPr lang="en-US" sz="3000" dirty="0" err="1"/>
+              <a:t>năng</a:t>
+            </a:r>
+            <a:endParaRPr lang="en-US" sz="3000" dirty="0"/>
+          </a:p>
+        </p:txBody>
+      </p:sp>
+      <p:sp>
+        <p:nvSpPr>
+          <p:cNvPr id="19" name="TextBox 18">
+            <a:extLst>
+              <a:ext uri="{FF2B5EF4-FFF2-40B4-BE49-F238E27FC236}">
+                <a16:creationId xmlns:a16="http://schemas.microsoft.com/office/drawing/2014/main" id="{F5CD3470-BCC9-E3B1-A65C-C619CEE2F5DC}"/>
+              </a:ext>
+            </a:extLst>
+          </p:cNvPr>
+          <p:cNvSpPr txBox="1"/>
+          <p:nvPr/>
+        </p:nvSpPr>
+        <p:spPr>
+          <a:xfrm>
+            <a:off x="1472666" y="1701029"/>
+            <a:ext cx="4161322" cy="2937151"/>
+          </a:xfrm>
+          <a:prstGeom prst="rect">
+            <a:avLst/>
+          </a:prstGeom>
+          <a:noFill/>
+        </p:spPr>
+        <p:txBody>
+          <a:bodyPr wrap="square" rtlCol="0">
+            <a:spAutoFit/>
+          </a:bodyPr>
+          <a:lstStyle/>
+          <a:p>
+            <a:pPr marL="342900" indent="-342900">
+              <a:lnSpc>
+                <a:spcPct val="200000"/>
+              </a:lnSpc>
+              <a:buClr>
+                <a:schemeClr val="tx1"/>
+              </a:buClr>
+              <a:buSzPct val="110000"/>
+              <a:buFont typeface="Arial" panose="020B0604020202020204" pitchFamily="34" charset="0"/>
+              <a:buChar char="•"/>
+            </a:pPr>
+            <a:r>
+              <a:rPr lang="en-US" sz="2400" dirty="0" err="1"/>
+              <a:t>Chức</a:t>
+            </a:r>
+            <a:r>
+              <a:rPr lang="en-US" sz="2400" dirty="0"/>
+              <a:t> </a:t>
+            </a:r>
+            <a:r>
+              <a:rPr lang="en-US" sz="2400" dirty="0" err="1"/>
+              <a:t>năng</a:t>
+            </a:r>
+            <a:r>
+              <a:rPr lang="en-US" sz="2400" dirty="0"/>
+              <a:t> </a:t>
+            </a:r>
+            <a:r>
+              <a:rPr lang="en-US" sz="2400" dirty="0" err="1"/>
+              <a:t>tìm</a:t>
+            </a:r>
+            <a:r>
+              <a:rPr lang="en-US" sz="2400" dirty="0"/>
+              <a:t> </a:t>
+            </a:r>
+            <a:r>
+              <a:rPr lang="en-US" sz="2400" dirty="0" err="1"/>
+              <a:t>kiếm</a:t>
+            </a:r>
+            <a:r>
+              <a:rPr lang="en-US" sz="2400" dirty="0"/>
+              <a:t>.</a:t>
+            </a:r>
+          </a:p>
+          <a:p>
+            <a:pPr marL="342900" indent="-342900">
+              <a:lnSpc>
+                <a:spcPct val="200000"/>
+              </a:lnSpc>
+              <a:buClr>
+                <a:schemeClr val="tx1"/>
+              </a:buClr>
+              <a:buSzPct val="110000"/>
+              <a:buFont typeface="Arial" panose="020B0604020202020204" pitchFamily="34" charset="0"/>
+              <a:buChar char="•"/>
+            </a:pPr>
+            <a:r>
+              <a:rPr lang="en-US" sz="2400" dirty="0" err="1"/>
+              <a:t>Hiển</a:t>
+            </a:r>
+            <a:r>
+              <a:rPr lang="en-US" sz="2400" dirty="0"/>
+              <a:t> </a:t>
+            </a:r>
+            <a:r>
+              <a:rPr lang="en-US" sz="2400" dirty="0" err="1"/>
+              <a:t>thị</a:t>
+            </a:r>
+            <a:r>
+              <a:rPr lang="en-US" sz="2400" dirty="0"/>
+              <a:t> </a:t>
+            </a:r>
+            <a:r>
+              <a:rPr lang="en-US" sz="2400" dirty="0" err="1"/>
+              <a:t>danh</a:t>
+            </a:r>
+            <a:r>
+              <a:rPr lang="en-US" sz="2400" dirty="0"/>
+              <a:t> </a:t>
+            </a:r>
+            <a:r>
+              <a:rPr lang="en-US" sz="2400" dirty="0" err="1"/>
+              <a:t>mục</a:t>
+            </a:r>
+            <a:r>
+              <a:rPr lang="en-US" sz="2400" dirty="0"/>
+              <a:t> </a:t>
+            </a:r>
+            <a:r>
+              <a:rPr lang="en-US" sz="2400" dirty="0" err="1"/>
+              <a:t>sách</a:t>
+            </a:r>
+            <a:r>
+              <a:rPr lang="en-US" sz="2400" dirty="0"/>
+              <a:t>.</a:t>
+            </a:r>
+          </a:p>
+          <a:p>
+            <a:pPr marL="342900" indent="-342900">
+              <a:lnSpc>
+                <a:spcPct val="200000"/>
+              </a:lnSpc>
+              <a:buClr>
+                <a:schemeClr val="tx1"/>
+              </a:buClr>
+              <a:buSzPct val="110000"/>
+              <a:buFont typeface="Arial" panose="020B0604020202020204" pitchFamily="34" charset="0"/>
+              <a:buChar char="•"/>
+            </a:pPr>
+            <a:r>
+              <a:rPr lang="en-US" sz="2400" dirty="0" err="1"/>
+              <a:t>Đánh</a:t>
+            </a:r>
+            <a:r>
+              <a:rPr lang="en-US" sz="2400" dirty="0"/>
+              <a:t> </a:t>
+            </a:r>
+            <a:r>
+              <a:rPr lang="en-US" sz="2400" dirty="0" err="1"/>
+              <a:t>giá</a:t>
+            </a:r>
+            <a:r>
+              <a:rPr lang="en-US" sz="2400" dirty="0"/>
+              <a:t> </a:t>
+            </a:r>
+            <a:r>
+              <a:rPr lang="en-US" sz="2400" dirty="0" err="1"/>
+              <a:t>và</a:t>
+            </a:r>
+            <a:r>
+              <a:rPr lang="en-US" sz="2400" dirty="0"/>
+              <a:t> </a:t>
+            </a:r>
+            <a:r>
+              <a:rPr lang="en-US" sz="2400" dirty="0" err="1"/>
+              <a:t>bình</a:t>
+            </a:r>
+            <a:r>
+              <a:rPr lang="en-US" sz="2400" dirty="0"/>
+              <a:t> </a:t>
+            </a:r>
+            <a:r>
+              <a:rPr lang="en-US" sz="2400" dirty="0" err="1"/>
+              <a:t>luận</a:t>
+            </a:r>
+            <a:r>
+              <a:rPr lang="en-US" sz="2400" dirty="0"/>
+              <a:t>.</a:t>
+            </a:r>
+          </a:p>
+          <a:p>
+            <a:pPr marL="342900" indent="-342900">
+              <a:lnSpc>
+                <a:spcPct val="200000"/>
+              </a:lnSpc>
+              <a:buClr>
+                <a:schemeClr val="tx1"/>
+              </a:buClr>
+              <a:buSzPct val="110000"/>
+              <a:buFont typeface="Arial" panose="020B0604020202020204" pitchFamily="34" charset="0"/>
+              <a:buChar char="•"/>
+            </a:pPr>
+            <a:r>
+              <a:rPr lang="en-US" sz="2400" dirty="0" err="1"/>
+              <a:t>Chức</a:t>
+            </a:r>
+            <a:r>
+              <a:rPr lang="en-US" sz="2400" dirty="0"/>
+              <a:t> </a:t>
+            </a:r>
+            <a:r>
+              <a:rPr lang="en-US" sz="2400" dirty="0" err="1"/>
+              <a:t>năng</a:t>
+            </a:r>
+            <a:r>
+              <a:rPr lang="en-US" sz="2400" dirty="0"/>
+              <a:t> </a:t>
+            </a:r>
+            <a:r>
+              <a:rPr lang="en-US" sz="2400" dirty="0" err="1"/>
+              <a:t>quản</a:t>
+            </a:r>
+            <a:r>
+              <a:rPr lang="en-US" sz="2400" dirty="0"/>
+              <a:t> </a:t>
+            </a:r>
+            <a:r>
+              <a:rPr lang="en-US" sz="2400" dirty="0" err="1"/>
+              <a:t>trị</a:t>
+            </a:r>
+            <a:r>
+              <a:rPr lang="en-US" sz="2400" dirty="0"/>
+              <a:t>.</a:t>
+            </a:r>
+          </a:p>
+        </p:txBody>
+      </p:sp>
+    </p:spTree>
+    <p:extLst>
+      <p:ext uri="{BB962C8B-B14F-4D97-AF65-F5344CB8AC3E}">
+        <p14:creationId xmlns:p14="http://schemas.microsoft.com/office/powerpoint/2010/main" val="2234281264"/>
+      </p:ext>
+    </p:extLst>
+  </p:cSld>
+  <p:clrMapOvr>
+    <a:masterClrMapping/>
+  </p:clrMapOvr>
+</p:sld>
+</file>
+
 <file path=ppt/slides/slide17.xml><?xml version="1.0" encoding="utf-8"?>
+<p:sld xmlns:a="http://schemas.openxmlformats.org/drawingml/2006/main" xmlns:r="http://schemas.openxmlformats.org/officeDocument/2006/relationships" xmlns:p="http://schemas.openxmlformats.org/presentationml/2006/main">
+  <p:cSld>
+    <p:spTree>
+      <p:nvGrpSpPr>
+        <p:cNvPr id="1" name=""/>
+        <p:cNvGrpSpPr/>
+        <p:nvPr/>
+      </p:nvGrpSpPr>
+      <p:grpSpPr>
+        <a:xfrm>
+          <a:off x="0" y="0"/>
+          <a:ext cx="0" cy="0"/>
+          <a:chOff x="0" y="0"/>
+          <a:chExt cx="0" cy="0"/>
+        </a:xfrm>
+      </p:grpSpPr>
+      <p:sp>
+        <p:nvSpPr>
+          <p:cNvPr id="16" name="Slide Number Placeholder 15">
+            <a:extLst>
+              <a:ext uri="{FF2B5EF4-FFF2-40B4-BE49-F238E27FC236}">
+                <a16:creationId xmlns:a16="http://schemas.microsoft.com/office/drawing/2014/main" id="{316CA44E-9041-A070-D000-4AB06E2D696B}"/>
+              </a:ext>
+            </a:extLst>
+          </p:cNvPr>
+          <p:cNvSpPr>
+            <a:spLocks noGrp="1"/>
+          </p:cNvSpPr>
+          <p:nvPr>
+            <p:ph type="sldNum" sz="quarter" idx="12"/>
+          </p:nvPr>
+        </p:nvSpPr>
+        <p:spPr/>
+        <p:txBody>
+          <a:bodyPr/>
+          <a:lstStyle/>
+          <a:p>
+            <a:fld id="{294A09A9-5501-47C1-A89A-A340965A2BE2}" type="slidenum">
+              <a:rPr lang="en-US" smtClean="0"/>
+              <a:pPr/>
+              <a:t>17</a:t>
+            </a:fld>
+            <a:endParaRPr lang="en-US" dirty="0"/>
+          </a:p>
+        </p:txBody>
+      </p:sp>
+      <p:sp>
+        <p:nvSpPr>
+          <p:cNvPr id="17" name="Footer Placeholder 4">
+            <a:extLst>
+              <a:ext uri="{FF2B5EF4-FFF2-40B4-BE49-F238E27FC236}">
+                <a16:creationId xmlns:a16="http://schemas.microsoft.com/office/drawing/2014/main" id="{6FF8C792-8491-123C-98C3-C123B8A081A6}"/>
+              </a:ext>
+            </a:extLst>
+          </p:cNvPr>
+          <p:cNvSpPr txBox="1">
+            <a:spLocks/>
+          </p:cNvSpPr>
+          <p:nvPr/>
+        </p:nvSpPr>
+        <p:spPr>
+          <a:xfrm rot="16200000">
+            <a:off x="-1372572" y="3341283"/>
+            <a:ext cx="3070931" cy="175434"/>
+          </a:xfrm>
+          <a:prstGeom prst="rect">
+            <a:avLst/>
+          </a:prstGeom>
+        </p:spPr>
+        <p:txBody>
+          <a:bodyPr vert="horz" lIns="91440" tIns="45720" rIns="91440" bIns="45720" rtlCol="0" anchor="ctr"/>
+          <a:lstStyle>
+            <a:defPPr>
+              <a:defRPr lang="en-US"/>
+            </a:defPPr>
+            <a:lvl1pPr marL="0" algn="r" defTabSz="914400" rtl="0" eaLnBrk="1" latinLnBrk="0" hangingPunct="1">
+              <a:defRPr sz="1200" kern="1200">
+                <a:solidFill>
+                  <a:schemeClr val="tx1">
+                    <a:tint val="75000"/>
+                  </a:schemeClr>
+                </a:solidFill>
+                <a:latin typeface="+mn-lt"/>
+                <a:ea typeface="+mn-ea"/>
+                <a:cs typeface="+mn-cs"/>
+              </a:defRPr>
+            </a:lvl1pPr>
+            <a:lvl2pPr marL="457200" algn="l" defTabSz="914400" rtl="0" eaLnBrk="1" latinLnBrk="0" hangingPunct="1">
+              <a:defRPr sz="1800" kern="1200">
+                <a:solidFill>
+                  <a:schemeClr val="tx1"/>
+                </a:solidFill>
+                <a:latin typeface="+mn-lt"/>
+                <a:ea typeface="+mn-ea"/>
+                <a:cs typeface="+mn-cs"/>
+              </a:defRPr>
+            </a:lvl2pPr>
+            <a:lvl3pPr marL="914400" algn="l" defTabSz="914400" rtl="0" eaLnBrk="1" latinLnBrk="0" hangingPunct="1">
+              <a:defRPr sz="1800" kern="1200">
+                <a:solidFill>
+                  <a:schemeClr val="tx1"/>
+                </a:solidFill>
+                <a:latin typeface="+mn-lt"/>
+                <a:ea typeface="+mn-ea"/>
+                <a:cs typeface="+mn-cs"/>
+              </a:defRPr>
+            </a:lvl3pPr>
+            <a:lvl4pPr marL="1371600" algn="l" defTabSz="914400" rtl="0" eaLnBrk="1" latinLnBrk="0" hangingPunct="1">
+              <a:defRPr sz="1800" kern="1200">
+                <a:solidFill>
+                  <a:schemeClr val="tx1"/>
+                </a:solidFill>
+                <a:latin typeface="+mn-lt"/>
+                <a:ea typeface="+mn-ea"/>
+                <a:cs typeface="+mn-cs"/>
+              </a:defRPr>
+            </a:lvl4pPr>
+            <a:lvl5pPr marL="1828800" algn="l" defTabSz="914400" rtl="0" eaLnBrk="1" latinLnBrk="0" hangingPunct="1">
+              <a:defRPr sz="1800" kern="1200">
+                <a:solidFill>
+                  <a:schemeClr val="tx1"/>
+                </a:solidFill>
+                <a:latin typeface="+mn-lt"/>
+                <a:ea typeface="+mn-ea"/>
+                <a:cs typeface="+mn-cs"/>
+              </a:defRPr>
+            </a:lvl5pPr>
+            <a:lvl6pPr marL="2286000" algn="l" defTabSz="914400" rtl="0" eaLnBrk="1" latinLnBrk="0" hangingPunct="1">
+              <a:defRPr sz="1800" kern="1200">
+                <a:solidFill>
+                  <a:schemeClr val="tx1"/>
+                </a:solidFill>
+                <a:latin typeface="+mn-lt"/>
+                <a:ea typeface="+mn-ea"/>
+                <a:cs typeface="+mn-cs"/>
+              </a:defRPr>
+            </a:lvl6pPr>
+            <a:lvl7pPr marL="2743200" algn="l" defTabSz="914400" rtl="0" eaLnBrk="1" latinLnBrk="0" hangingPunct="1">
+              <a:defRPr sz="1800" kern="1200">
+                <a:solidFill>
+                  <a:schemeClr val="tx1"/>
+                </a:solidFill>
+                <a:latin typeface="+mn-lt"/>
+                <a:ea typeface="+mn-ea"/>
+                <a:cs typeface="+mn-cs"/>
+              </a:defRPr>
+            </a:lvl7pPr>
+            <a:lvl8pPr marL="3200400" algn="l" defTabSz="914400" rtl="0" eaLnBrk="1" latinLnBrk="0" hangingPunct="1">
+              <a:defRPr sz="1800" kern="1200">
+                <a:solidFill>
+                  <a:schemeClr val="tx1"/>
+                </a:solidFill>
+                <a:latin typeface="+mn-lt"/>
+                <a:ea typeface="+mn-ea"/>
+                <a:cs typeface="+mn-cs"/>
+              </a:defRPr>
+            </a:lvl8pPr>
+            <a:lvl9pPr marL="3657600" algn="l" defTabSz="914400" rtl="0" eaLnBrk="1" latinLnBrk="0" hangingPunct="1">
+              <a:defRPr sz="1800" kern="1200">
+                <a:solidFill>
+                  <a:schemeClr val="tx1"/>
+                </a:solidFill>
+                <a:latin typeface="+mn-lt"/>
+                <a:ea typeface="+mn-ea"/>
+                <a:cs typeface="+mn-cs"/>
+              </a:defRPr>
+            </a:lvl9pPr>
+          </a:lstStyle>
+          <a:p>
+            <a:r>
+              <a:rPr lang="en-US" dirty="0">
+                <a:solidFill>
+                  <a:schemeClr val="tx1"/>
+                </a:solidFill>
+              </a:rPr>
+              <a:t>BÁO CÁO ĐỒ ÁN THỰC TẬP CƠ SỞ NGÀNH</a:t>
+            </a:r>
+          </a:p>
+        </p:txBody>
+      </p:sp>
+      <p:sp>
+        <p:nvSpPr>
+          <p:cNvPr id="18" name="Rectangle: Rounded Corners 17">
+            <a:extLst>
+              <a:ext uri="{FF2B5EF4-FFF2-40B4-BE49-F238E27FC236}">
+                <a16:creationId xmlns:a16="http://schemas.microsoft.com/office/drawing/2014/main" id="{AE261941-BA84-FDA1-FCEC-1C0CEAD189F8}"/>
+              </a:ext>
+            </a:extLst>
+          </p:cNvPr>
+          <p:cNvSpPr/>
+          <p:nvPr/>
+        </p:nvSpPr>
+        <p:spPr>
+          <a:xfrm>
+            <a:off x="837398" y="519764"/>
+            <a:ext cx="4161322" cy="635268"/>
+          </a:xfrm>
+          <a:prstGeom prst="roundRect">
+            <a:avLst/>
+          </a:prstGeom>
+        </p:spPr>
+        <p:style>
+          <a:lnRef idx="2">
+            <a:schemeClr val="accent1">
+              <a:shade val="15000"/>
+            </a:schemeClr>
+          </a:lnRef>
+          <a:fillRef idx="1">
+            <a:schemeClr val="accent1"/>
+          </a:fillRef>
+          <a:effectRef idx="0">
+            <a:schemeClr val="accent1"/>
+          </a:effectRef>
+          <a:fontRef idx="minor">
+            <a:schemeClr val="lt1"/>
+          </a:fontRef>
+        </p:style>
+        <p:txBody>
+          <a:bodyPr rtlCol="0" anchor="ctr"/>
+          <a:lstStyle/>
+          <a:p>
+            <a:pPr algn="ctr"/>
+            <a:r>
+              <a:rPr lang="en-US" sz="3000" dirty="0" err="1"/>
+              <a:t>Yêu</a:t>
+            </a:r>
+            <a:r>
+              <a:rPr lang="en-US" sz="3000" dirty="0"/>
+              <a:t> </a:t>
+            </a:r>
+            <a:r>
+              <a:rPr lang="en-US" sz="3000" dirty="0" err="1"/>
+              <a:t>cầu</a:t>
+            </a:r>
+            <a:r>
+              <a:rPr lang="en-US" sz="3000" dirty="0"/>
+              <a:t> phi </a:t>
+            </a:r>
+            <a:r>
+              <a:rPr lang="en-US" sz="3000" dirty="0" err="1"/>
+              <a:t>chức</a:t>
+            </a:r>
+            <a:r>
+              <a:rPr lang="en-US" sz="3000" dirty="0"/>
+              <a:t> </a:t>
+            </a:r>
+            <a:r>
+              <a:rPr lang="en-US" sz="3000" dirty="0" err="1"/>
+              <a:t>năng</a:t>
+            </a:r>
+            <a:endParaRPr lang="en-US" sz="3000" dirty="0"/>
+          </a:p>
+        </p:txBody>
+      </p:sp>
+      <p:sp>
+        <p:nvSpPr>
+          <p:cNvPr id="19" name="TextBox 18">
+            <a:extLst>
+              <a:ext uri="{FF2B5EF4-FFF2-40B4-BE49-F238E27FC236}">
+                <a16:creationId xmlns:a16="http://schemas.microsoft.com/office/drawing/2014/main" id="{4117FE18-BDCE-BB5E-143F-AB3F26C165E8}"/>
+              </a:ext>
+            </a:extLst>
+          </p:cNvPr>
+          <p:cNvSpPr txBox="1"/>
+          <p:nvPr/>
+        </p:nvSpPr>
+        <p:spPr>
+          <a:xfrm>
+            <a:off x="1472666" y="1701029"/>
+            <a:ext cx="4161322" cy="2938368"/>
+          </a:xfrm>
+          <a:prstGeom prst="rect">
+            <a:avLst/>
+          </a:prstGeom>
+          <a:noFill/>
+        </p:spPr>
+        <p:txBody>
+          <a:bodyPr wrap="square" rtlCol="0">
+            <a:spAutoFit/>
+          </a:bodyPr>
+          <a:lstStyle/>
+          <a:p>
+            <a:pPr marL="342900" indent="-342900">
+              <a:lnSpc>
+                <a:spcPct val="200000"/>
+              </a:lnSpc>
+              <a:buClr>
+                <a:schemeClr val="tx1"/>
+              </a:buClr>
+              <a:buSzPct val="110000"/>
+              <a:buFont typeface="Arial" panose="020B0604020202020204" pitchFamily="34" charset="0"/>
+              <a:buChar char="•"/>
+            </a:pPr>
+            <a:r>
+              <a:rPr lang="en-US" sz="2400" dirty="0" err="1"/>
+              <a:t>Kết</a:t>
+            </a:r>
+            <a:r>
+              <a:rPr lang="en-US" sz="2400" dirty="0"/>
+              <a:t> </a:t>
+            </a:r>
+            <a:r>
+              <a:rPr lang="en-US" sz="2400" dirty="0" err="1"/>
+              <a:t>quả</a:t>
+            </a:r>
+            <a:r>
+              <a:rPr lang="en-US" sz="2400" dirty="0"/>
+              <a:t> </a:t>
+            </a:r>
+            <a:r>
+              <a:rPr lang="en-US" sz="2400" dirty="0" err="1"/>
+              <a:t>tìm</a:t>
+            </a:r>
+            <a:r>
+              <a:rPr lang="en-US" sz="2400" dirty="0"/>
+              <a:t> </a:t>
+            </a:r>
+            <a:r>
+              <a:rPr lang="en-US" sz="2400" dirty="0" err="1"/>
+              <a:t>kiếm</a:t>
+            </a:r>
+            <a:r>
+              <a:rPr lang="en-US" sz="2400" dirty="0"/>
+              <a:t>.</a:t>
+            </a:r>
+          </a:p>
+          <a:p>
+            <a:pPr marL="342900" indent="-342900">
+              <a:lnSpc>
+                <a:spcPct val="200000"/>
+              </a:lnSpc>
+              <a:buClr>
+                <a:schemeClr val="tx1"/>
+              </a:buClr>
+              <a:buSzPct val="110000"/>
+              <a:buFont typeface="Arial" panose="020B0604020202020204" pitchFamily="34" charset="0"/>
+              <a:buChar char="•"/>
+            </a:pPr>
+            <a:r>
+              <a:rPr lang="en-US" sz="2400" dirty="0" err="1"/>
+              <a:t>Khả</a:t>
+            </a:r>
+            <a:r>
+              <a:rPr lang="en-US" sz="2400" dirty="0"/>
+              <a:t> </a:t>
+            </a:r>
+            <a:r>
+              <a:rPr lang="en-US" sz="2400" dirty="0" err="1"/>
+              <a:t>năng</a:t>
+            </a:r>
+            <a:r>
+              <a:rPr lang="en-US" sz="2400" dirty="0"/>
+              <a:t> </a:t>
+            </a:r>
+            <a:r>
+              <a:rPr lang="en-US" sz="2400" dirty="0" err="1"/>
+              <a:t>mở</a:t>
+            </a:r>
+            <a:r>
+              <a:rPr lang="en-US" sz="2400" dirty="0"/>
+              <a:t> </a:t>
+            </a:r>
+            <a:r>
+              <a:rPr lang="en-US" sz="2400" dirty="0" err="1"/>
+              <a:t>rộng</a:t>
+            </a:r>
+            <a:r>
+              <a:rPr lang="en-US" sz="2400" dirty="0"/>
+              <a:t>.</a:t>
+            </a:r>
+          </a:p>
+          <a:p>
+            <a:pPr marL="342900" indent="-342900">
+              <a:lnSpc>
+                <a:spcPct val="200000"/>
+              </a:lnSpc>
+              <a:buClr>
+                <a:schemeClr val="tx1"/>
+              </a:buClr>
+              <a:buSzPct val="110000"/>
+              <a:buFont typeface="Arial" panose="020B0604020202020204" pitchFamily="34" charset="0"/>
+              <a:buChar char="•"/>
+            </a:pPr>
+            <a:r>
+              <a:rPr lang="en-US" sz="2400" dirty="0" err="1"/>
+              <a:t>Khả</a:t>
+            </a:r>
+            <a:r>
+              <a:rPr lang="en-US" sz="2400" dirty="0"/>
+              <a:t> </a:t>
+            </a:r>
+            <a:r>
+              <a:rPr lang="en-US" sz="2400" dirty="0" err="1"/>
+              <a:t>năng</a:t>
+            </a:r>
+            <a:r>
+              <a:rPr lang="en-US" sz="2400" dirty="0"/>
+              <a:t> </a:t>
+            </a:r>
+            <a:r>
+              <a:rPr lang="en-US" sz="2400" dirty="0" err="1"/>
+              <a:t>bảo</a:t>
+            </a:r>
+            <a:r>
+              <a:rPr lang="en-US" sz="2400" dirty="0"/>
+              <a:t> </a:t>
+            </a:r>
+            <a:r>
+              <a:rPr lang="en-US" sz="2400" dirty="0" err="1"/>
+              <a:t>mật</a:t>
+            </a:r>
+            <a:r>
+              <a:rPr lang="en-US" sz="2400" dirty="0"/>
+              <a:t>.</a:t>
+            </a:r>
+          </a:p>
+          <a:p>
+            <a:pPr marL="342900" indent="-342900">
+              <a:lnSpc>
+                <a:spcPct val="200000"/>
+              </a:lnSpc>
+              <a:buClr>
+                <a:schemeClr val="tx1"/>
+              </a:buClr>
+              <a:buSzPct val="110000"/>
+              <a:buFont typeface="Arial" panose="020B0604020202020204" pitchFamily="34" charset="0"/>
+              <a:buChar char="•"/>
+            </a:pPr>
+            <a:r>
+              <a:rPr lang="en-US" sz="2400" dirty="0" err="1"/>
+              <a:t>Reponsive</a:t>
+            </a:r>
+            <a:r>
+              <a:rPr lang="en-US" sz="2400" dirty="0"/>
+              <a:t> design.</a:t>
+            </a:r>
+          </a:p>
+        </p:txBody>
+      </p:sp>
+    </p:spTree>
+    <p:extLst>
+      <p:ext uri="{BB962C8B-B14F-4D97-AF65-F5344CB8AC3E}">
+        <p14:creationId xmlns:p14="http://schemas.microsoft.com/office/powerpoint/2010/main" val="3171104692"/>
+      </p:ext>
+    </p:extLst>
+  </p:cSld>
+  <p:clrMapOvr>
+    <a:masterClrMapping/>
+  </p:clrMapOvr>
+</p:sld>
+</file>
+
+<file path=ppt/slides/slide18.xml><?xml version="1.0" encoding="utf-8"?>
 <p:sld xmlns:a="http://schemas.openxmlformats.org/drawingml/2006/main" xmlns:r="http://schemas.openxmlformats.org/officeDocument/2006/relationships" xmlns:p="http://schemas.openxmlformats.org/presentationml/2006/main">
   <p:cSld>
     <p:spTree>
@@ -31117,7 +31184,7 @@
             <a:fld id="{294A09A9-5501-47C1-A89A-A340965A2BE2}" type="slidenum">
               <a:rPr lang="en-US" smtClean="0"/>
               <a:pPr/>
-              <a:t>17</a:t>
+              <a:t>18</a:t>
             </a:fld>
             <a:endParaRPr lang="en-US" dirty="0"/>
           </a:p>
@@ -31138,7 +31205,7 @@
           <p:nvPr>
             <p:extLst>
               <p:ext uri="{D42A27DB-BD31-4B8C-83A1-F6EECF244321}">
-                <p14:modId xmlns:p14="http://schemas.microsoft.com/office/powerpoint/2010/main" val="2539553014"/>
+                <p14:modId xmlns:p14="http://schemas.microsoft.com/office/powerpoint/2010/main" val="1883011269"/>
               </p:ext>
             </p:extLst>
           </p:nvPr>
@@ -31668,16 +31735,11 @@
                         <a:t>nhân</a:t>
                       </a:r>
                       <a:r>
-                        <a:rPr lang="en-US" sz="1300" dirty="0">
+                        <a:rPr lang="en-US" sz="1300">
                           <a:effectLst/>
                         </a:rPr>
                         <a:t>.</a:t>
                       </a:r>
-                      <a:endParaRPr lang="en-US" sz="1300" dirty="0">
-                        <a:effectLst/>
-                        <a:latin typeface="Times New Roman" panose="02020603050405020304" pitchFamily="18" charset="0"/>
-                        <a:ea typeface="Calibri" panose="020F0502020204030204" pitchFamily="34" charset="0"/>
-                      </a:endParaRPr>
                     </a:p>
                   </a:txBody>
                   <a:tcPr marL="67041" marR="67041" marT="0" marB="0" anchor="ctr"/>
@@ -33066,14 +33128,14 @@
           <p:nvPr>
             <p:extLst>
               <p:ext uri="{D42A27DB-BD31-4B8C-83A1-F6EECF244321}">
-                <p14:modId xmlns:p14="http://schemas.microsoft.com/office/powerpoint/2010/main" val="587288648"/>
+                <p14:modId xmlns:p14="http://schemas.microsoft.com/office/powerpoint/2010/main" val="795561323"/>
               </p:ext>
             </p:extLst>
           </p:nvPr>
         </p:nvGraphicFramePr>
         <p:xfrm>
-          <a:off x="527784" y="4959349"/>
-          <a:ext cx="11412447" cy="1579563"/>
+          <a:off x="527784" y="4992229"/>
+          <a:ext cx="11412447" cy="1331322"/>
         </p:xfrm>
         <a:graphic>
           <a:graphicData uri="http://schemas.openxmlformats.org/drawingml/2006/table">
@@ -33103,14 +33165,14 @@
                     </a:ext>
                   </a:extLst>
                 </a:gridCol>
-                <a:gridCol w="1844251">
+                <a:gridCol w="1987891">
                   <a:extLst>
                     <a:ext uri="{9D8B030D-6E8A-4147-A177-3AD203B41FA5}">
                       <a16:colId xmlns:a16="http://schemas.microsoft.com/office/drawing/2014/main" val="1524435092"/>
                     </a:ext>
                   </a:extLst>
                 </a:gridCol>
-                <a:gridCol w="1474488">
+                <a:gridCol w="1330848">
                   <a:extLst>
                     <a:ext uri="{9D8B030D-6E8A-4147-A177-3AD203B41FA5}">
                       <a16:colId xmlns:a16="http://schemas.microsoft.com/office/drawing/2014/main" val="2280781540"/>
@@ -33314,7 +33376,7 @@
                   </a:ext>
                 </a:extLst>
               </a:tr>
-              <a:tr h="223520">
+              <a:tr h="272015">
                 <a:tc>
                   <a:txBody>
                     <a:bodyPr/>
@@ -33382,12 +33444,12 @@
                     <a:lstStyle/>
                     <a:p>
                       <a:r>
-                        <a:rPr lang="en-US" sz="1300">
+                        <a:rPr lang="en-US" sz="1300" dirty="0">
                           <a:effectLst/>
                         </a:rPr>
                         <a:t>Dale Carnegie</a:t>
                       </a:r>
-                      <a:endParaRPr lang="en-US" sz="1300">
+                      <a:endParaRPr lang="en-US" sz="1300" dirty="0">
                         <a:effectLst/>
                         <a:latin typeface="Times New Roman" panose="02020603050405020304" pitchFamily="18" charset="0"/>
                         <a:ea typeface="Calibri" panose="020F0502020204030204" pitchFamily="34" charset="0"/>
@@ -33550,12 +33612,23 @@
                     <a:lstStyle/>
                     <a:p>
                       <a:r>
-                        <a:rPr lang="en-US" sz="1300">
+                        <a:rPr lang="en-US" sz="1300" dirty="0">
                           <a:effectLst/>
                         </a:rPr>
-                        <a:t>Billi P.S.Lim</a:t>
+                        <a:t>Billi </a:t>
                       </a:r>
-                      <a:endParaRPr lang="en-US" sz="1300">
+                      <a:r>
+                        <a:rPr lang="en-US" sz="1300" dirty="0" err="1">
+                          <a:effectLst/>
+                        </a:rPr>
+                        <a:t>P.S.Lim</a:t>
+                      </a:r>
+                      <a:endParaRPr lang="en-US" sz="1300" dirty="0">
+                        <a:effectLst/>
+                      </a:endParaRPr>
+                    </a:p>
+                    <a:p>
+                      <a:endParaRPr lang="en-US" sz="1300" dirty="0">
                         <a:effectLst/>
                         <a:latin typeface="Times New Roman" panose="02020603050405020304" pitchFamily="18" charset="0"/>
                         <a:ea typeface="Calibri" panose="020F0502020204030204" pitchFamily="34" charset="0"/>
@@ -33590,12 +33663,72 @@
                     <a:lstStyle/>
                     <a:p>
                       <a:r>
-                        <a:rPr lang="en-US" sz="1300">
+                        <a:rPr lang="en-US" sz="1300" dirty="0" err="1">
                           <a:effectLst/>
                         </a:rPr>
-                        <a:t>sách nghệ thuật sông – tâm lí</a:t>
+                        <a:t>Sách</a:t>
                       </a:r>
-                      <a:endParaRPr lang="en-US" sz="1300">
+                      <a:r>
+                        <a:rPr lang="en-US" sz="1300" dirty="0">
+                          <a:effectLst/>
+                        </a:rPr>
+                        <a:t> </a:t>
+                      </a:r>
+                      <a:r>
+                        <a:rPr lang="en-US" sz="1300" dirty="0" err="1">
+                          <a:effectLst/>
+                        </a:rPr>
+                        <a:t>nghệ</a:t>
+                      </a:r>
+                      <a:r>
+                        <a:rPr lang="en-US" sz="1300" dirty="0">
+                          <a:effectLst/>
+                        </a:rPr>
+                        <a:t> </a:t>
+                      </a:r>
+                      <a:r>
+                        <a:rPr lang="en-US" sz="1300" dirty="0" err="1">
+                          <a:effectLst/>
+                        </a:rPr>
+                        <a:t>thuật</a:t>
+                      </a:r>
+                      <a:r>
+                        <a:rPr lang="en-US" sz="1300" dirty="0">
+                          <a:effectLst/>
+                        </a:rPr>
+                        <a:t> </a:t>
+                      </a:r>
+                      <a:r>
+                        <a:rPr lang="en-US" sz="1300" dirty="0" err="1">
+                          <a:effectLst/>
+                        </a:rPr>
+                        <a:t>sống</a:t>
+                      </a:r>
+                      <a:r>
+                        <a:rPr lang="en-US" sz="1300" dirty="0">
+                          <a:effectLst/>
+                        </a:rPr>
+                        <a:t> – </a:t>
+                      </a:r>
+                      <a:r>
+                        <a:rPr lang="en-US" sz="1300" dirty="0" err="1">
+                          <a:effectLst/>
+                        </a:rPr>
+                        <a:t>tâm</a:t>
+                      </a:r>
+                      <a:r>
+                        <a:rPr lang="en-US" sz="1300" dirty="0">
+                          <a:effectLst/>
+                        </a:rPr>
+                        <a:t> </a:t>
+                      </a:r>
+                      <a:r>
+                        <a:rPr lang="en-US" sz="1300" dirty="0" err="1">
+                          <a:effectLst/>
+                        </a:rPr>
+                        <a:t>lí</a:t>
+                      </a:r>
+                      <a:endParaRPr lang="en-US" sz="1300" dirty="0">
                         <a:effectLst/>
                         <a:latin typeface="Times New Roman" panose="02020603050405020304" pitchFamily="18" charset="0"/>
                         <a:ea typeface="Calibri" panose="020F0502020204030204" pitchFamily="34" charset="0"/>
@@ -33650,7 +33783,7 @@
                   </a:ext>
                 </a:extLst>
               </a:tr>
-              <a:tr h="223520">
+              <a:tr h="0">
                 <a:tc>
                   <a:txBody>
                     <a:bodyPr/>
@@ -33698,12 +33831,12 @@
                     <a:lstStyle/>
                     <a:p>
                       <a:r>
-                        <a:rPr lang="en-US" sz="1300">
+                        <a:rPr lang="en-US" sz="1300" dirty="0" err="1">
                           <a:effectLst/>
                         </a:rPr>
                         <a:t>tac_gia</a:t>
                       </a:r>
-                      <a:endParaRPr lang="en-US" sz="1300">
+                      <a:endParaRPr lang="en-US" sz="1300" dirty="0">
                         <a:effectLst/>
                         <a:latin typeface="Times New Roman" panose="02020603050405020304" pitchFamily="18" charset="0"/>
                         <a:ea typeface="Calibri" panose="020F0502020204030204" pitchFamily="34" charset="0"/>
@@ -33717,7 +33850,7 @@
                     <a:bodyPr/>
                     <a:lstStyle/>
                     <a:p>
-                      <a:pPr indent="540385" algn="just">
+                      <a:pPr indent="540385" algn="l">
                         <a:lnSpc>
                           <a:spcPct val="150000"/>
                         </a:lnSpc>
@@ -33732,16 +33865,13 @@
                         </a:tabLst>
                       </a:pPr>
                       <a:r>
-                        <a:rPr lang="en-US" sz="1300">
+                        <a:rPr lang="en-US" sz="1300" dirty="0">
                           <a:effectLst/>
+                          <a:latin typeface="+mn-lt"/>
+                          <a:ea typeface="Calibri" panose="020F0502020204030204" pitchFamily="34" charset="0"/>
                         </a:rPr>
                         <a:t>Haruki Murakami</a:t>
                       </a:r>
-                      <a:endParaRPr lang="en-US" sz="1300">
-                        <a:effectLst/>
-                        <a:latin typeface="Times New Roman" panose="02020603050405020304" pitchFamily="18" charset="0"/>
-                        <a:ea typeface="Calibri" panose="020F0502020204030204" pitchFamily="34" charset="0"/>
-                      </a:endParaRPr>
                     </a:p>
                   </a:txBody>
                   <a:tcPr marL="68580" marR="68580" marT="0" marB="0" anchor="ctr"/>
@@ -34012,6 +34142,140 @@
           </a:p>
         </p:txBody>
       </p:sp>
+      <p:sp>
+        <p:nvSpPr>
+          <p:cNvPr id="2" name="Footer Placeholder 4">
+            <a:extLst>
+              <a:ext uri="{FF2B5EF4-FFF2-40B4-BE49-F238E27FC236}">
+                <a16:creationId xmlns:a16="http://schemas.microsoft.com/office/drawing/2014/main" id="{6766C43E-717B-92F0-7531-97CE3642897F}"/>
+              </a:ext>
+            </a:extLst>
+          </p:cNvPr>
+          <p:cNvSpPr txBox="1">
+            <a:spLocks/>
+          </p:cNvSpPr>
+          <p:nvPr/>
+        </p:nvSpPr>
+        <p:spPr>
+          <a:xfrm rot="16200000">
+            <a:off x="-1372572" y="3341283"/>
+            <a:ext cx="3070931" cy="175434"/>
+          </a:xfrm>
+          <a:prstGeom prst="rect">
+            <a:avLst/>
+          </a:prstGeom>
+        </p:spPr>
+        <p:txBody>
+          <a:bodyPr vert="horz" lIns="91440" tIns="45720" rIns="91440" bIns="45720" rtlCol="0" anchor="ctr"/>
+          <a:lstStyle>
+            <a:defPPr>
+              <a:defRPr lang="en-US"/>
+            </a:defPPr>
+            <a:lvl1pPr marL="0" algn="r" defTabSz="914400" rtl="0" eaLnBrk="1" latinLnBrk="0" hangingPunct="1">
+              <a:defRPr sz="1200" kern="1200">
+                <a:solidFill>
+                  <a:schemeClr val="tx1">
+                    <a:tint val="75000"/>
+                  </a:schemeClr>
+                </a:solidFill>
+                <a:latin typeface="+mn-lt"/>
+                <a:ea typeface="+mn-ea"/>
+                <a:cs typeface="+mn-cs"/>
+              </a:defRPr>
+            </a:lvl1pPr>
+            <a:lvl2pPr marL="457200" algn="l" defTabSz="914400" rtl="0" eaLnBrk="1" latinLnBrk="0" hangingPunct="1">
+              <a:defRPr sz="1800" kern="1200">
+                <a:solidFill>
+                  <a:schemeClr val="tx1"/>
+                </a:solidFill>
+                <a:latin typeface="+mn-lt"/>
+                <a:ea typeface="+mn-ea"/>
+                <a:cs typeface="+mn-cs"/>
+              </a:defRPr>
+            </a:lvl2pPr>
+            <a:lvl3pPr marL="914400" algn="l" defTabSz="914400" rtl="0" eaLnBrk="1" latinLnBrk="0" hangingPunct="1">
+              <a:defRPr sz="1800" kern="1200">
+                <a:solidFill>
+                  <a:schemeClr val="tx1"/>
+                </a:solidFill>
+                <a:latin typeface="+mn-lt"/>
+                <a:ea typeface="+mn-ea"/>
+                <a:cs typeface="+mn-cs"/>
+              </a:defRPr>
+            </a:lvl3pPr>
+            <a:lvl4pPr marL="1371600" algn="l" defTabSz="914400" rtl="0" eaLnBrk="1" latinLnBrk="0" hangingPunct="1">
+              <a:defRPr sz="1800" kern="1200">
+                <a:solidFill>
+                  <a:schemeClr val="tx1"/>
+                </a:solidFill>
+                <a:latin typeface="+mn-lt"/>
+                <a:ea typeface="+mn-ea"/>
+                <a:cs typeface="+mn-cs"/>
+              </a:defRPr>
+            </a:lvl4pPr>
+            <a:lvl5pPr marL="1828800" algn="l" defTabSz="914400" rtl="0" eaLnBrk="1" latinLnBrk="0" hangingPunct="1">
+              <a:defRPr sz="1800" kern="1200">
+                <a:solidFill>
+                  <a:schemeClr val="tx1"/>
+                </a:solidFill>
+                <a:latin typeface="+mn-lt"/>
+                <a:ea typeface="+mn-ea"/>
+                <a:cs typeface="+mn-cs"/>
+              </a:defRPr>
+            </a:lvl5pPr>
+            <a:lvl6pPr marL="2286000" algn="l" defTabSz="914400" rtl="0" eaLnBrk="1" latinLnBrk="0" hangingPunct="1">
+              <a:defRPr sz="1800" kern="1200">
+                <a:solidFill>
+                  <a:schemeClr val="tx1"/>
+                </a:solidFill>
+                <a:latin typeface="+mn-lt"/>
+                <a:ea typeface="+mn-ea"/>
+                <a:cs typeface="+mn-cs"/>
+              </a:defRPr>
+            </a:lvl6pPr>
+            <a:lvl7pPr marL="2743200" algn="l" defTabSz="914400" rtl="0" eaLnBrk="1" latinLnBrk="0" hangingPunct="1">
+              <a:defRPr sz="1800" kern="1200">
+                <a:solidFill>
+                  <a:schemeClr val="tx1"/>
+                </a:solidFill>
+                <a:latin typeface="+mn-lt"/>
+                <a:ea typeface="+mn-ea"/>
+                <a:cs typeface="+mn-cs"/>
+              </a:defRPr>
+            </a:lvl7pPr>
+            <a:lvl8pPr marL="3200400" algn="l" defTabSz="914400" rtl="0" eaLnBrk="1" latinLnBrk="0" hangingPunct="1">
+              <a:defRPr sz="1800" kern="1200">
+                <a:solidFill>
+                  <a:schemeClr val="tx1"/>
+                </a:solidFill>
+                <a:latin typeface="+mn-lt"/>
+                <a:ea typeface="+mn-ea"/>
+                <a:cs typeface="+mn-cs"/>
+              </a:defRPr>
+            </a:lvl8pPr>
+            <a:lvl9pPr marL="3657600" algn="l" defTabSz="914400" rtl="0" eaLnBrk="1" latinLnBrk="0" hangingPunct="1">
+              <a:defRPr sz="1800" kern="1200">
+                <a:solidFill>
+                  <a:schemeClr val="tx1"/>
+                </a:solidFill>
+                <a:latin typeface="+mn-lt"/>
+                <a:ea typeface="+mn-ea"/>
+                <a:cs typeface="+mn-cs"/>
+              </a:defRPr>
+            </a:lvl9pPr>
+          </a:lstStyle>
+          <a:p>
+            <a:r>
+              <a:rPr lang="en-US" dirty="0">
+                <a:solidFill>
+                  <a:schemeClr val="tx1"/>
+                </a:solidFill>
+              </a:rPr>
+              <a:t>BÁO CÁO ĐỒ ÁN THỰC TẬP CƠ SỞ NGÀNH</a:t>
+            </a:r>
+          </a:p>
+        </p:txBody>
+      </p:sp>
     </p:spTree>
     <p:extLst>
       <p:ext uri="{BB962C8B-B14F-4D97-AF65-F5344CB8AC3E}">
@@ -34025,7 +34289,7 @@
 </p:sld>
 </file>
 
-<file path=ppt/slides/slide18.xml><?xml version="1.0" encoding="utf-8"?>
+<file path=ppt/slides/slide19.xml><?xml version="1.0" encoding="utf-8"?>
 <p:sld xmlns:a="http://schemas.openxmlformats.org/drawingml/2006/main" xmlns:r="http://schemas.openxmlformats.org/officeDocument/2006/relationships" xmlns:p="http://schemas.openxmlformats.org/presentationml/2006/main">
   <p:cSld>
     <p:spTree>
@@ -34044,10 +34308,10 @@
       </p:grpSpPr>
       <p:sp>
         <p:nvSpPr>
-          <p:cNvPr id="2" name="Title 1">
+          <p:cNvPr id="5" name="Slide Number Placeholder 4">
             <a:extLst>
               <a:ext uri="{FF2B5EF4-FFF2-40B4-BE49-F238E27FC236}">
-                <a16:creationId xmlns:a16="http://schemas.microsoft.com/office/drawing/2014/main" id="{51DF3D98-3C30-4CFC-8643-C81E829C8C25}"/>
+                <a16:creationId xmlns:a16="http://schemas.microsoft.com/office/drawing/2014/main" id="{C5B25DBF-E6BA-D937-4016-F6145C83F53D}"/>
               </a:ext>
             </a:extLst>
           </p:cNvPr>
@@ -34055,41 +34319,59 @@
             <a:spLocks noGrp="1"/>
           </p:cNvSpPr>
           <p:nvPr>
-            <p:ph type="ctrTitle"/>
+            <p:ph type="sldNum" sz="quarter" idx="4"/>
           </p:nvPr>
         </p:nvSpPr>
-        <p:spPr>
-          <a:xfrm>
-            <a:off x="1783511" y="1607418"/>
-            <a:ext cx="2913617" cy="843765"/>
-          </a:xfrm>
-        </p:spPr>
+        <p:spPr/>
         <p:txBody>
           <a:bodyPr/>
           <a:lstStyle/>
           <a:p>
-            <a:r>
-              <a:rPr lang="en-US" dirty="0" err="1"/>
-              <a:t>Cảm</a:t>
-            </a:r>
-            <a:r>
-              <a:rPr lang="en-US" dirty="0"/>
-              <a:t> </a:t>
-            </a:r>
-            <a:r>
-              <a:rPr lang="en-US" dirty="0" err="1"/>
-              <a:t>ơn</a:t>
-            </a:r>
+            <a:fld id="{294A09A9-5501-47C1-A89A-A340965A2BE2}" type="slidenum">
+              <a:rPr lang="en-US" smtClean="0"/>
+              <a:pPr/>
+              <a:t>19</a:t>
+            </a:fld>
             <a:endParaRPr lang="en-US" dirty="0"/>
           </a:p>
         </p:txBody>
       </p:sp>
+      <p:pic>
+        <p:nvPicPr>
+          <p:cNvPr id="6" name="Picture 5">
+            <a:extLst>
+              <a:ext uri="{FF2B5EF4-FFF2-40B4-BE49-F238E27FC236}">
+                <a16:creationId xmlns:a16="http://schemas.microsoft.com/office/drawing/2014/main" id="{CB0CC624-7208-1596-6FB4-098787BC3C02}"/>
+              </a:ext>
+            </a:extLst>
+          </p:cNvPr>
+          <p:cNvPicPr>
+            <a:picLocks noChangeAspect="1"/>
+          </p:cNvPicPr>
+          <p:nvPr/>
+        </p:nvPicPr>
+        <p:blipFill>
+          <a:blip r:embed="rId2"/>
+          <a:stretch>
+            <a:fillRect/>
+          </a:stretch>
+        </p:blipFill>
+        <p:spPr>
+          <a:xfrm>
+            <a:off x="2589195" y="1350288"/>
+            <a:ext cx="8826395" cy="5294501"/>
+          </a:xfrm>
+          <a:prstGeom prst="rect">
+            <a:avLst/>
+          </a:prstGeom>
+        </p:spPr>
+      </p:pic>
       <p:sp>
         <p:nvSpPr>
-          <p:cNvPr id="7" name="Title 1">
+          <p:cNvPr id="9" name="Footer Placeholder 4">
             <a:extLst>
               <a:ext uri="{FF2B5EF4-FFF2-40B4-BE49-F238E27FC236}">
-                <a16:creationId xmlns:a16="http://schemas.microsoft.com/office/drawing/2014/main" id="{912DFE5F-0AD4-9A79-4981-EFBA3CA81E9D}"/>
+                <a16:creationId xmlns:a16="http://schemas.microsoft.com/office/drawing/2014/main" id="{FA3CA9F4-563F-298B-6D75-817BF519C8C4}"/>
               </a:ext>
             </a:extLst>
           </p:cNvPr>
@@ -34099,46 +34381,203 @@
           <p:nvPr/>
         </p:nvSpPr>
         <p:spPr>
-          <a:xfrm>
-            <a:off x="3155390" y="2804060"/>
-            <a:ext cx="3969004" cy="843765"/>
+          <a:xfrm rot="16200000">
+            <a:off x="-1372572" y="3341283"/>
+            <a:ext cx="3070931" cy="175434"/>
           </a:xfrm>
           <a:prstGeom prst="rect">
             <a:avLst/>
           </a:prstGeom>
         </p:spPr>
         <p:txBody>
-          <a:bodyPr vert="horz" lIns="91440" tIns="45720" rIns="91440" bIns="45720" rtlCol="0" anchor="b">
-            <a:noAutofit/>
-          </a:bodyPr>
+          <a:bodyPr vert="horz" lIns="91440" tIns="45720" rIns="91440" bIns="45720" rtlCol="0" anchor="ctr"/>
           <a:lstStyle>
-            <a:lvl1pPr algn="l" defTabSz="914400" rtl="0" eaLnBrk="1" latinLnBrk="0" hangingPunct="1">
-              <a:lnSpc>
-                <a:spcPct val="90000"/>
-              </a:lnSpc>
-              <a:spcBef>
-                <a:spcPct val="0"/>
-              </a:spcBef>
-              <a:buNone/>
-              <a:defRPr sz="6000" b="1" kern="1200">
-                <a:solidFill>
-                  <a:schemeClr val="tx1"/>
-                </a:solidFill>
-                <a:latin typeface="+mj-lt"/>
-                <a:ea typeface="+mj-ea"/>
-                <a:cs typeface="+mj-cs"/>
+            <a:defPPr>
+              <a:defRPr lang="en-US"/>
+            </a:defPPr>
+            <a:lvl1pPr marL="0" algn="r" defTabSz="914400" rtl="0" eaLnBrk="1" latinLnBrk="0" hangingPunct="1">
+              <a:defRPr sz="1200" kern="1200">
+                <a:solidFill>
+                  <a:schemeClr val="tx1">
+                    <a:tint val="75000"/>
+                  </a:schemeClr>
+                </a:solidFill>
+                <a:latin typeface="+mn-lt"/>
+                <a:ea typeface="+mn-ea"/>
+                <a:cs typeface="+mn-cs"/>
               </a:defRPr>
             </a:lvl1pPr>
+            <a:lvl2pPr marL="457200" algn="l" defTabSz="914400" rtl="0" eaLnBrk="1" latinLnBrk="0" hangingPunct="1">
+              <a:defRPr sz="1800" kern="1200">
+                <a:solidFill>
+                  <a:schemeClr val="tx1"/>
+                </a:solidFill>
+                <a:latin typeface="+mn-lt"/>
+                <a:ea typeface="+mn-ea"/>
+                <a:cs typeface="+mn-cs"/>
+              </a:defRPr>
+            </a:lvl2pPr>
+            <a:lvl3pPr marL="914400" algn="l" defTabSz="914400" rtl="0" eaLnBrk="1" latinLnBrk="0" hangingPunct="1">
+              <a:defRPr sz="1800" kern="1200">
+                <a:solidFill>
+                  <a:schemeClr val="tx1"/>
+                </a:solidFill>
+                <a:latin typeface="+mn-lt"/>
+                <a:ea typeface="+mn-ea"/>
+                <a:cs typeface="+mn-cs"/>
+              </a:defRPr>
+            </a:lvl3pPr>
+            <a:lvl4pPr marL="1371600" algn="l" defTabSz="914400" rtl="0" eaLnBrk="1" latinLnBrk="0" hangingPunct="1">
+              <a:defRPr sz="1800" kern="1200">
+                <a:solidFill>
+                  <a:schemeClr val="tx1"/>
+                </a:solidFill>
+                <a:latin typeface="+mn-lt"/>
+                <a:ea typeface="+mn-ea"/>
+                <a:cs typeface="+mn-cs"/>
+              </a:defRPr>
+            </a:lvl4pPr>
+            <a:lvl5pPr marL="1828800" algn="l" defTabSz="914400" rtl="0" eaLnBrk="1" latinLnBrk="0" hangingPunct="1">
+              <a:defRPr sz="1800" kern="1200">
+                <a:solidFill>
+                  <a:schemeClr val="tx1"/>
+                </a:solidFill>
+                <a:latin typeface="+mn-lt"/>
+                <a:ea typeface="+mn-ea"/>
+                <a:cs typeface="+mn-cs"/>
+              </a:defRPr>
+            </a:lvl5pPr>
+            <a:lvl6pPr marL="2286000" algn="l" defTabSz="914400" rtl="0" eaLnBrk="1" latinLnBrk="0" hangingPunct="1">
+              <a:defRPr sz="1800" kern="1200">
+                <a:solidFill>
+                  <a:schemeClr val="tx1"/>
+                </a:solidFill>
+                <a:latin typeface="+mn-lt"/>
+                <a:ea typeface="+mn-ea"/>
+                <a:cs typeface="+mn-cs"/>
+              </a:defRPr>
+            </a:lvl6pPr>
+            <a:lvl7pPr marL="2743200" algn="l" defTabSz="914400" rtl="0" eaLnBrk="1" latinLnBrk="0" hangingPunct="1">
+              <a:defRPr sz="1800" kern="1200">
+                <a:solidFill>
+                  <a:schemeClr val="tx1"/>
+                </a:solidFill>
+                <a:latin typeface="+mn-lt"/>
+                <a:ea typeface="+mn-ea"/>
+                <a:cs typeface="+mn-cs"/>
+              </a:defRPr>
+            </a:lvl7pPr>
+            <a:lvl8pPr marL="3200400" algn="l" defTabSz="914400" rtl="0" eaLnBrk="1" latinLnBrk="0" hangingPunct="1">
+              <a:defRPr sz="1800" kern="1200">
+                <a:solidFill>
+                  <a:schemeClr val="tx1"/>
+                </a:solidFill>
+                <a:latin typeface="+mn-lt"/>
+                <a:ea typeface="+mn-ea"/>
+                <a:cs typeface="+mn-cs"/>
+              </a:defRPr>
+            </a:lvl8pPr>
+            <a:lvl9pPr marL="3657600" algn="l" defTabSz="914400" rtl="0" eaLnBrk="1" latinLnBrk="0" hangingPunct="1">
+              <a:defRPr sz="1800" kern="1200">
+                <a:solidFill>
+                  <a:schemeClr val="tx1"/>
+                </a:solidFill>
+                <a:latin typeface="+mn-lt"/>
+                <a:ea typeface="+mn-ea"/>
+                <a:cs typeface="+mn-cs"/>
+              </a:defRPr>
+            </a:lvl9pPr>
           </a:lstStyle>
           <a:p>
-            <a:endParaRPr lang="en-US" dirty="0"/>
+            <a:r>
+              <a:rPr lang="en-US" dirty="0">
+                <a:solidFill>
+                  <a:schemeClr val="tx1"/>
+                </a:solidFill>
+              </a:rPr>
+              <a:t>BÁO CÁO ĐỒ ÁN THỰC TẬP CƠ SỞ NGÀNH</a:t>
+            </a:r>
+          </a:p>
+        </p:txBody>
+      </p:sp>
+      <p:sp>
+        <p:nvSpPr>
+          <p:cNvPr id="10" name="Rectangle: Rounded Corners 9">
+            <a:extLst>
+              <a:ext uri="{FF2B5EF4-FFF2-40B4-BE49-F238E27FC236}">
+                <a16:creationId xmlns:a16="http://schemas.microsoft.com/office/drawing/2014/main" id="{41EC0E44-F30F-97C2-35C4-6F71F626D338}"/>
+              </a:ext>
+            </a:extLst>
+          </p:cNvPr>
+          <p:cNvSpPr/>
+          <p:nvPr/>
+        </p:nvSpPr>
+        <p:spPr>
+          <a:xfrm>
+            <a:off x="779646" y="269507"/>
+            <a:ext cx="3898232" cy="644893"/>
+          </a:xfrm>
+          <a:prstGeom prst="roundRect">
+            <a:avLst/>
+          </a:prstGeom>
+        </p:spPr>
+        <p:style>
+          <a:lnRef idx="2">
+            <a:schemeClr val="accent1">
+              <a:shade val="15000"/>
+            </a:schemeClr>
+          </a:lnRef>
+          <a:fillRef idx="1">
+            <a:schemeClr val="accent1"/>
+          </a:fillRef>
+          <a:effectRef idx="0">
+            <a:schemeClr val="accent1"/>
+          </a:effectRef>
+          <a:fontRef idx="minor">
+            <a:schemeClr val="lt1"/>
+          </a:fontRef>
+        </p:style>
+        <p:txBody>
+          <a:bodyPr rtlCol="0" anchor="ctr"/>
+          <a:lstStyle/>
+          <a:p>
+            <a:pPr algn="ctr"/>
+            <a:r>
+              <a:rPr lang="en-US" sz="3000" dirty="0" err="1"/>
+              <a:t>Kết</a:t>
+            </a:r>
+            <a:r>
+              <a:rPr lang="en-US" sz="3000" dirty="0"/>
+              <a:t> </a:t>
+            </a:r>
+            <a:r>
+              <a:rPr lang="en-US" sz="3000" dirty="0" err="1"/>
+              <a:t>quả</a:t>
+            </a:r>
+            <a:r>
+              <a:rPr lang="en-US" sz="3000" dirty="0"/>
+              <a:t> </a:t>
+            </a:r>
+            <a:r>
+              <a:rPr lang="en-US" sz="3000" dirty="0" err="1"/>
+              <a:t>thực</a:t>
+            </a:r>
+            <a:r>
+              <a:rPr lang="en-US" sz="3000" dirty="0"/>
+              <a:t> </a:t>
+            </a:r>
+            <a:r>
+              <a:rPr lang="en-US" sz="3000" dirty="0" err="1"/>
+              <a:t>nghiệm</a:t>
+            </a:r>
+            <a:endParaRPr lang="en-US" sz="3000" dirty="0"/>
           </a:p>
         </p:txBody>
       </p:sp>
     </p:spTree>
     <p:extLst>
       <p:ext uri="{BB962C8B-B14F-4D97-AF65-F5344CB8AC3E}">
-        <p14:creationId xmlns:p14="http://schemas.microsoft.com/office/powerpoint/2010/main" val="2259308896"/>
+        <p14:creationId xmlns:p14="http://schemas.microsoft.com/office/powerpoint/2010/main" val="959980234"/>
       </p:ext>
     </p:extLst>
   </p:cSld>
@@ -35727,6 +36166,129 @@
 </p:sld>
 </file>
 
+<file path=ppt/slides/slide20.xml><?xml version="1.0" encoding="utf-8"?>
+<p:sld xmlns:a="http://schemas.openxmlformats.org/drawingml/2006/main" xmlns:r="http://schemas.openxmlformats.org/officeDocument/2006/relationships" xmlns:p="http://schemas.openxmlformats.org/presentationml/2006/main">
+  <p:cSld>
+    <p:spTree>
+      <p:nvGrpSpPr>
+        <p:cNvPr id="1" name=""/>
+        <p:cNvGrpSpPr/>
+        <p:nvPr/>
+      </p:nvGrpSpPr>
+      <p:grpSpPr>
+        <a:xfrm>
+          <a:off x="0" y="0"/>
+          <a:ext cx="0" cy="0"/>
+          <a:chOff x="0" y="0"/>
+          <a:chExt cx="0" cy="0"/>
+        </a:xfrm>
+      </p:grpSpPr>
+      <p:sp>
+        <p:nvSpPr>
+          <p:cNvPr id="2" name="Title 1">
+            <a:extLst>
+              <a:ext uri="{FF2B5EF4-FFF2-40B4-BE49-F238E27FC236}">
+                <a16:creationId xmlns:a16="http://schemas.microsoft.com/office/drawing/2014/main" id="{51DF3D98-3C30-4CFC-8643-C81E829C8C25}"/>
+              </a:ext>
+            </a:extLst>
+          </p:cNvPr>
+          <p:cNvSpPr>
+            <a:spLocks noGrp="1"/>
+          </p:cNvSpPr>
+          <p:nvPr>
+            <p:ph type="ctrTitle"/>
+          </p:nvPr>
+        </p:nvSpPr>
+        <p:spPr>
+          <a:xfrm>
+            <a:off x="1783511" y="1607418"/>
+            <a:ext cx="3664388" cy="843765"/>
+          </a:xfrm>
+        </p:spPr>
+        <p:txBody>
+          <a:bodyPr/>
+          <a:lstStyle/>
+          <a:p>
+            <a:r>
+              <a:rPr lang="en-US" dirty="0" err="1"/>
+              <a:t>Cảm</a:t>
+            </a:r>
+            <a:r>
+              <a:rPr lang="en-US" dirty="0"/>
+              <a:t> </a:t>
+            </a:r>
+            <a:r>
+              <a:rPr lang="en-US" dirty="0" err="1"/>
+              <a:t>ơn</a:t>
+            </a:r>
+            <a:endParaRPr lang="en-US" dirty="0"/>
+          </a:p>
+        </p:txBody>
+      </p:sp>
+      <p:sp>
+        <p:nvSpPr>
+          <p:cNvPr id="7" name="Title 1">
+            <a:extLst>
+              <a:ext uri="{FF2B5EF4-FFF2-40B4-BE49-F238E27FC236}">
+                <a16:creationId xmlns:a16="http://schemas.microsoft.com/office/drawing/2014/main" id="{912DFE5F-0AD4-9A79-4981-EFBA3CA81E9D}"/>
+              </a:ext>
+            </a:extLst>
+          </p:cNvPr>
+          <p:cNvSpPr txBox="1">
+            <a:spLocks/>
+          </p:cNvSpPr>
+          <p:nvPr/>
+        </p:nvSpPr>
+        <p:spPr>
+          <a:xfrm>
+            <a:off x="3155390" y="2804060"/>
+            <a:ext cx="3969004" cy="843765"/>
+          </a:xfrm>
+          <a:prstGeom prst="rect">
+            <a:avLst/>
+          </a:prstGeom>
+        </p:spPr>
+        <p:txBody>
+          <a:bodyPr vert="horz" lIns="91440" tIns="45720" rIns="91440" bIns="45720" rtlCol="0" anchor="b">
+            <a:noAutofit/>
+          </a:bodyPr>
+          <a:lstStyle>
+            <a:lvl1pPr algn="l" defTabSz="914400" rtl="0" eaLnBrk="1" latinLnBrk="0" hangingPunct="1">
+              <a:lnSpc>
+                <a:spcPct val="90000"/>
+              </a:lnSpc>
+              <a:spcBef>
+                <a:spcPct val="0"/>
+              </a:spcBef>
+              <a:buNone/>
+              <a:defRPr sz="6000" b="1" kern="1200">
+                <a:solidFill>
+                  <a:schemeClr val="tx1"/>
+                </a:solidFill>
+                <a:latin typeface="+mj-lt"/>
+                <a:ea typeface="+mj-ea"/>
+                <a:cs typeface="+mj-cs"/>
+              </a:defRPr>
+            </a:lvl1pPr>
+          </a:lstStyle>
+          <a:p>
+            <a:endParaRPr lang="en-US" dirty="0"/>
+          </a:p>
+        </p:txBody>
+      </p:sp>
+    </p:spTree>
+    <p:extLst>
+      <p:ext uri="{BB962C8B-B14F-4D97-AF65-F5344CB8AC3E}">
+        <p14:creationId xmlns:p14="http://schemas.microsoft.com/office/powerpoint/2010/main" val="2259308896"/>
+      </p:ext>
+    </p:extLst>
+  </p:cSld>
+  <p:clrMapOvr>
+    <a:masterClrMapping/>
+  </p:clrMapOvr>
+</p:sld>
+</file>
+
 <file path=ppt/slides/slide3.xml><?xml version="1.0" encoding="utf-8"?>
 <p:sld xmlns:a="http://schemas.openxmlformats.org/drawingml/2006/main" xmlns:r="http://schemas.openxmlformats.org/officeDocument/2006/relationships" xmlns:p="http://schemas.openxmlformats.org/presentationml/2006/main">
   <p:cSld>
@@ -35847,7 +36409,7 @@
         </p:nvGrpSpPr>
         <p:grpSpPr>
           <a:xfrm>
-            <a:off x="1700948" y="2292535"/>
+            <a:off x="1700948" y="3517543"/>
             <a:ext cx="8033781" cy="794581"/>
             <a:chOff x="7460649" y="1807268"/>
             <a:chExt cx="3879820" cy="794581"/>
@@ -35988,7 +36550,7 @@
         </p:nvGrpSpPr>
         <p:grpSpPr>
           <a:xfrm>
-            <a:off x="1700948" y="3527787"/>
+            <a:off x="1700948" y="2226885"/>
             <a:ext cx="8033781" cy="794581"/>
             <a:chOff x="1899492" y="3575196"/>
             <a:chExt cx="7744161" cy="794581"/>
@@ -36436,22 +36998,6 @@
                   <a:latin typeface="Tenorite (Body)"/>
                   <a:ea typeface="Calibri" panose="020F0502020204030204" pitchFamily="34" charset="0"/>
                 </a:rPr>
-                <a:t>thích</a:t>
-              </a:r>
-              <a:r>
-                <a:rPr lang="en-US" sz="2200" dirty="0">
-                  <a:effectLst/>
-                  <a:latin typeface="Tenorite (Body)"/>
-                  <a:ea typeface="Calibri" panose="020F0502020204030204" pitchFamily="34" charset="0"/>
-                </a:rPr>
-                <a:t> </a:t>
-              </a:r>
-              <a:r>
-                <a:rPr lang="en-US" sz="2200" dirty="0" err="1">
-                  <a:effectLst/>
-                  <a:latin typeface="Tenorite (Body)"/>
-                  <a:ea typeface="Calibri" panose="020F0502020204030204" pitchFamily="34" charset="0"/>
-                </a:rPr>
                 <a:t>đọc</a:t>
               </a:r>
               <a:r>
@@ -36940,7 +37486,7 @@
         <p:spPr>
           <a:xfrm>
             <a:off x="792108" y="2655776"/>
-            <a:ext cx="6862814" cy="1107996"/>
+            <a:ext cx="6862814" cy="1785104"/>
           </a:xfrm>
           <a:prstGeom prst="rect">
             <a:avLst/>
@@ -37392,52 +37938,7 @@
                 <a:ea typeface="Tahoma" panose="020B0604030504040204" pitchFamily="34" charset="0"/>
                 <a:cs typeface="Tahoma" panose="020B0604030504040204" pitchFamily="34" charset="0"/>
               </a:rPr>
-              <a:t> web.</a:t>
-            </a:r>
-            <a:endParaRPr lang="en-US" sz="2200" dirty="0">
-              <a:latin typeface="Tenorite (Body)"/>
-            </a:endParaRPr>
-          </a:p>
-        </p:txBody>
-      </p:sp>
-      <p:sp>
-        <p:nvSpPr>
-          <p:cNvPr id="9" name="TextBox 8">
-            <a:extLst>
-              <a:ext uri="{FF2B5EF4-FFF2-40B4-BE49-F238E27FC236}">
-                <a16:creationId xmlns:a16="http://schemas.microsoft.com/office/drawing/2014/main" id="{850F9C18-80A6-CACF-2F7A-99F3E25A3635}"/>
-              </a:ext>
-            </a:extLst>
-          </p:cNvPr>
-          <p:cNvSpPr txBox="1"/>
-          <p:nvPr/>
-        </p:nvSpPr>
-        <p:spPr>
-          <a:xfrm>
-            <a:off x="792108" y="4944841"/>
-            <a:ext cx="7613585" cy="430887"/>
-          </a:xfrm>
-          <a:prstGeom prst="rect">
-            <a:avLst/>
-          </a:prstGeom>
-          <a:noFill/>
-        </p:spPr>
-        <p:txBody>
-          <a:bodyPr wrap="square" rtlCol="0">
-            <a:spAutoFit/>
-          </a:bodyPr>
-          <a:lstStyle/>
-          <a:p>
-            <a:r>
-              <a:rPr lang="en-US" sz="2200" dirty="0">
-                <a:solidFill>
-                  <a:schemeClr val="bg1"/>
-                </a:solidFill>
-                <a:latin typeface="Tenorite (Body)"/>
-                <a:ea typeface="Tahoma" panose="020B0604030504040204" pitchFamily="34" charset="0"/>
-                <a:cs typeface="Tahoma" panose="020B0604030504040204" pitchFamily="34" charset="0"/>
-              </a:rPr>
-              <a:t>WordPress </a:t>
+              <a:t> web. WordPress </a:t>
             </a:r>
             <a:r>
               <a:rPr lang="en-US" sz="2200" dirty="0" err="1">
@@ -37624,140 +38125,10 @@
               <a:cs typeface="Tahoma" panose="020B0604030504040204" pitchFamily="34" charset="0"/>
             </a:endParaRPr>
           </a:p>
-        </p:txBody>
-      </p:sp>
-      <p:sp>
-        <p:nvSpPr>
-          <p:cNvPr id="13" name="TextBox 12">
-            <a:extLst>
-              <a:ext uri="{FF2B5EF4-FFF2-40B4-BE49-F238E27FC236}">
-                <a16:creationId xmlns:a16="http://schemas.microsoft.com/office/drawing/2014/main" id="{56D5D2BF-EE7A-1096-1C1E-A17F03045971}"/>
-              </a:ext>
-            </a:extLst>
-          </p:cNvPr>
-          <p:cNvSpPr txBox="1"/>
-          <p:nvPr/>
-        </p:nvSpPr>
-        <p:spPr>
-          <a:xfrm>
-            <a:off x="792108" y="4138863"/>
-            <a:ext cx="6862814" cy="430887"/>
-          </a:xfrm>
-          <a:prstGeom prst="rect">
-            <a:avLst/>
-          </a:prstGeom>
-          <a:noFill/>
-        </p:spPr>
-        <p:txBody>
-          <a:bodyPr wrap="square" rtlCol="0">
-            <a:spAutoFit/>
-          </a:bodyPr>
-          <a:lstStyle/>
           <a:p>
-            <a:r>
-              <a:rPr lang="en-US" sz="2200" dirty="0">
-                <a:solidFill>
-                  <a:schemeClr val="bg1"/>
-                </a:solidFill>
-              </a:rPr>
-              <a:t>WordPress </a:t>
-            </a:r>
-            <a:r>
-              <a:rPr lang="en-US" sz="2200" dirty="0" err="1">
-                <a:solidFill>
-                  <a:schemeClr val="bg1"/>
-                </a:solidFill>
-              </a:rPr>
-              <a:t>được</a:t>
-            </a:r>
-            <a:r>
-              <a:rPr lang="en-US" sz="2200" dirty="0">
-                <a:solidFill>
-                  <a:schemeClr val="bg1"/>
-                </a:solidFill>
-              </a:rPr>
-              <a:t> </a:t>
-            </a:r>
-            <a:r>
-              <a:rPr lang="en-US" sz="2200" dirty="0" err="1">
-                <a:solidFill>
-                  <a:schemeClr val="bg1"/>
-                </a:solidFill>
-              </a:rPr>
-              <a:t>viết</a:t>
-            </a:r>
-            <a:r>
-              <a:rPr lang="en-US" sz="2200" dirty="0">
-                <a:solidFill>
-                  <a:schemeClr val="bg1"/>
-                </a:solidFill>
-              </a:rPr>
-              <a:t> </a:t>
-            </a:r>
-            <a:r>
-              <a:rPr lang="en-US" sz="2200" dirty="0" err="1">
-                <a:solidFill>
-                  <a:schemeClr val="bg1"/>
-                </a:solidFill>
-              </a:rPr>
-              <a:t>bằng</a:t>
-            </a:r>
-            <a:r>
-              <a:rPr lang="en-US" sz="2200" dirty="0">
-                <a:solidFill>
-                  <a:schemeClr val="bg1"/>
-                </a:solidFill>
-              </a:rPr>
-              <a:t> </a:t>
-            </a:r>
-            <a:r>
-              <a:rPr lang="en-US" sz="2200" dirty="0" err="1">
-                <a:solidFill>
-                  <a:schemeClr val="bg1"/>
-                </a:solidFill>
-              </a:rPr>
-              <a:t>ngôn</a:t>
-            </a:r>
-            <a:r>
-              <a:rPr lang="en-US" sz="2200" dirty="0">
-                <a:solidFill>
-                  <a:schemeClr val="bg1"/>
-                </a:solidFill>
-              </a:rPr>
-              <a:t> </a:t>
-            </a:r>
-            <a:r>
-              <a:rPr lang="en-US" sz="2200" dirty="0" err="1">
-                <a:solidFill>
-                  <a:schemeClr val="bg1"/>
-                </a:solidFill>
-              </a:rPr>
-              <a:t>ngữ</a:t>
-            </a:r>
-            <a:r>
-              <a:rPr lang="en-US" sz="2200" dirty="0">
-                <a:solidFill>
-                  <a:schemeClr val="bg1"/>
-                </a:solidFill>
-              </a:rPr>
-              <a:t> PHP </a:t>
-            </a:r>
-            <a:r>
-              <a:rPr lang="en-US" sz="2200" dirty="0" err="1">
-                <a:solidFill>
-                  <a:schemeClr val="bg1"/>
-                </a:solidFill>
-              </a:rPr>
-              <a:t>và</a:t>
-            </a:r>
-            <a:r>
-              <a:rPr lang="en-US" sz="2200" dirty="0">
-                <a:solidFill>
-                  <a:schemeClr val="bg1"/>
-                </a:solidFill>
-              </a:rPr>
-              <a:t> MySQL.</a:t>
-            </a:r>
+            <a:endParaRPr lang="en-US" sz="2200" dirty="0">
+              <a:latin typeface="Tenorite (Body)"/>
+            </a:endParaRPr>
           </a:p>
         </p:txBody>
       </p:sp>
@@ -37956,9 +38327,9 @@
         <p:grpSpPr>
           <a:xfrm>
             <a:off x="1193889" y="1321596"/>
-            <a:ext cx="9528654" cy="4832092"/>
+            <a:ext cx="9528654" cy="3816429"/>
             <a:chOff x="1117689" y="1038885"/>
-            <a:chExt cx="9528654" cy="4832092"/>
+            <a:chExt cx="9528654" cy="3816429"/>
           </a:xfrm>
         </p:grpSpPr>
         <p:sp>
@@ -37976,7 +38347,7 @@
           <p:spPr>
             <a:xfrm>
               <a:off x="1117689" y="1038885"/>
-              <a:ext cx="9528654" cy="4832092"/>
+              <a:ext cx="9528654" cy="3816429"/>
             </a:xfrm>
             <a:prstGeom prst="rect">
               <a:avLst/>
@@ -38165,69 +38536,6 @@
             </a:p>
             <a:p>
               <a:pPr algn="l"/>
-              <a:endParaRPr lang="vi-VN" sz="2200" b="0" i="0" dirty="0">
-                <a:effectLst/>
-                <a:latin typeface="Tenorite (Body)"/>
-              </a:endParaRPr>
-            </a:p>
-            <a:p>
-              <a:pPr algn="l"/>
-              <a:r>
-                <a:rPr lang="en-US" sz="2200" b="1" i="0" dirty="0">
-                  <a:effectLst/>
-                  <a:latin typeface="Tenorite (Body)"/>
-                </a:rPr>
-                <a:t>      </a:t>
-              </a:r>
-              <a:r>
-                <a:rPr lang="vi-VN" sz="2200" b="1" i="0" dirty="0">
-                  <a:effectLst/>
-                  <a:latin typeface="Tenorite (Body)"/>
-                </a:rPr>
-                <a:t>Lưu Trữ Dữ Liệu:</a:t>
-              </a:r>
-              <a:r>
-                <a:rPr lang="vi-VN" sz="2200" b="0" i="0" dirty="0">
-                  <a:effectLst/>
-                  <a:latin typeface="Tenorite (Body)"/>
-                </a:rPr>
-                <a:t> Thông tin về nội dung và cấu trúc trang </a:t>
-              </a:r>
-              <a:r>
-                <a:rPr lang="vi-VN" sz="2200" b="0" i="0" dirty="0" err="1">
-                  <a:effectLst/>
-                  <a:latin typeface="Tenorite (Body)"/>
-                </a:rPr>
-                <a:t>web</a:t>
-              </a:r>
-              <a:r>
-                <a:rPr lang="vi-VN" sz="2200" b="0" i="0" dirty="0">
-                  <a:effectLst/>
-                  <a:latin typeface="Tenorite (Body)"/>
-                </a:rPr>
-                <a:t> được lưu trữ và quản lý trong các bảng </a:t>
-              </a:r>
-              <a:r>
-                <a:rPr lang="vi-VN" sz="2200" b="0" i="0" dirty="0" err="1">
-                  <a:effectLst/>
-                  <a:latin typeface="Tenorite (Body)"/>
-                </a:rPr>
-                <a:t>MySQL</a:t>
-              </a:r>
-              <a:r>
-                <a:rPr lang="vi-VN" sz="2200" b="0" i="0" dirty="0">
-                  <a:effectLst/>
-                  <a:latin typeface="Tenorite (Body)"/>
-                </a:rPr>
-                <a:t>. </a:t>
-              </a:r>
-              <a:endParaRPr lang="en-US" sz="2200" b="0" i="0" dirty="0">
-                <a:effectLst/>
-                <a:latin typeface="Tenorite (Body)"/>
-              </a:endParaRPr>
-            </a:p>
-            <a:p>
-              <a:pPr algn="l"/>
               <a:endParaRPr lang="en-US" sz="2200" b="0" i="0" dirty="0">
                 <a:effectLst/>
                 <a:latin typeface="Tenorite (Body)"/>
@@ -38280,7 +38588,7 @@
                   <a:effectLst/>
                   <a:latin typeface="Tenorite (Body)"/>
                 </a:rPr>
-                <a:t>ằng cách thực hiện các truy vấn để lấy, cập nhật, và xóa dữ liệu theo yêu cầu.</a:t>
+                <a:t>ằng cách thực hiện các truy vấn để lấy, cập nhật và xóa dữ liệu theo yêu cầu.</a:t>
               </a:r>
             </a:p>
           </p:txBody>
@@ -38375,7 +38683,7 @@
           </p:nvSpPr>
           <p:spPr>
             <a:xfrm>
-              <a:off x="1240547" y="5229740"/>
+              <a:off x="1258503" y="4246237"/>
               <a:ext cx="269508" cy="105878"/>
             </a:xfrm>
             <a:prstGeom prst="rightArrow">
@@ -38453,52 +38761,6 @@
             </a:p>
           </p:txBody>
         </p:sp>
-        <p:sp>
-          <p:nvSpPr>
-            <p:cNvPr id="17" name="Arrow: Right 16">
-              <a:extLst>
-                <a:ext uri="{FF2B5EF4-FFF2-40B4-BE49-F238E27FC236}">
-                  <a16:creationId xmlns:a16="http://schemas.microsoft.com/office/drawing/2014/main" id="{B1E14ACD-E117-88A6-8098-CE57C5282304}"/>
-                </a:ext>
-              </a:extLst>
-            </p:cNvPr>
-            <p:cNvSpPr/>
-            <p:nvPr/>
-          </p:nvSpPr>
-          <p:spPr>
-            <a:xfrm>
-              <a:off x="1260516" y="4237269"/>
-              <a:ext cx="269508" cy="105878"/>
-            </a:xfrm>
-            <a:prstGeom prst="rightArrow">
-              <a:avLst/>
-            </a:prstGeom>
-          </p:spPr>
-          <p:style>
-            <a:lnRef idx="2">
-              <a:schemeClr val="accent1">
-                <a:shade val="15000"/>
-              </a:schemeClr>
-            </a:lnRef>
-            <a:fillRef idx="1">
-              <a:schemeClr val="accent1"/>
-            </a:fillRef>
-            <a:effectRef idx="0">
-              <a:schemeClr val="accent1"/>
-            </a:effectRef>
-            <a:fontRef idx="minor">
-              <a:schemeClr val="lt1"/>
-            </a:fontRef>
-          </p:style>
-          <p:txBody>
-            <a:bodyPr rtlCol="0" anchor="ctr"/>
-            <a:lstStyle/>
-            <a:p>
-              <a:pPr algn="ctr"/>
-              <a:endParaRPr lang="en-US"/>
-            </a:p>
-          </p:txBody>
-        </p:sp>
       </p:grpSp>
       <p:sp>
         <p:nvSpPr>
@@ -38747,7 +39009,7 @@
           <p:nvPr>
             <p:extLst>
               <p:ext uri="{D42A27DB-BD31-4B8C-83A1-F6EECF244321}">
-                <p14:modId xmlns:p14="http://schemas.microsoft.com/office/powerpoint/2010/main" val="2127188264"/>
+                <p14:modId xmlns:p14="http://schemas.microsoft.com/office/powerpoint/2010/main" val="3878545701"/>
               </p:ext>
             </p:extLst>
           </p:nvPr>
@@ -41136,7 +41398,7 @@
           <p:nvPr>
             <p:extLst>
               <p:ext uri="{D42A27DB-BD31-4B8C-83A1-F6EECF244321}">
-                <p14:modId xmlns:p14="http://schemas.microsoft.com/office/powerpoint/2010/main" val="2263523671"/>
+                <p14:modId xmlns:p14="http://schemas.microsoft.com/office/powerpoint/2010/main" val="1070530748"/>
               </p:ext>
             </p:extLst>
           </p:nvPr>
@@ -42808,6 +43070,26 @@
 </file>
 
 <file path=customXml/item1.xml><?xml version="1.0" encoding="utf-8"?>
+<p:properties xmlns:p="http://schemas.microsoft.com/office/2006/metadata/properties" xmlns:xsi="http://www.w3.org/2001/XMLSchema-instance" xmlns:pc="http://schemas.microsoft.com/office/infopath/2007/PartnerControls">
+  <documentManagement>
+    <_ip_UnifiedCompliancePolicyUIAction xmlns="http://schemas.microsoft.com/sharepoint/v3" xsi:nil="true"/>
+    <Image xmlns="71af3243-3dd4-4a8d-8c0d-dd76da1f02a5">
+      <Url xsi:nil="true"/>
+      <Description xsi:nil="true"/>
+    </Image>
+    <Status xmlns="71af3243-3dd4-4a8d-8c0d-dd76da1f02a5">Not started</Status>
+    <_ip_UnifiedCompliancePolicyProperties xmlns="http://schemas.microsoft.com/sharepoint/v3" xsi:nil="true"/>
+    <ImageTagsTaxHTField xmlns="71af3243-3dd4-4a8d-8c0d-dd76da1f02a5">
+      <Terms xmlns="http://schemas.microsoft.com/office/infopath/2007/PartnerControls"/>
+    </ImageTagsTaxHTField>
+    <TaxCatchAll xmlns="230e9df3-be65-4c73-a93b-d1236ebd677e" xsi:nil="true"/>
+    <MediaServiceKeyPoints xmlns="71af3243-3dd4-4a8d-8c0d-dd76da1f02a5" xsi:nil="true"/>
+    <Background xmlns="71af3243-3dd4-4a8d-8c0d-dd76da1f02a5">false</Background>
+  </documentManagement>
+</p:properties>
+</file>
+
+<file path=customXml/item2.xml><?xml version="1.0" encoding="utf-8"?>
 <ct:contentTypeSchema xmlns:ct="http://schemas.microsoft.com/office/2006/metadata/contentType" xmlns:ma="http://schemas.microsoft.com/office/2006/metadata/properties/metaAttributes" ct:_="" ma:_="" ma:contentTypeName="Document" ma:contentTypeID="0x01010079F111ED35F8CC479449609E8A0923A6" ma:contentTypeVersion="28" ma:contentTypeDescription="Create a new document." ma:contentTypeScope="" ma:versionID="60f5a4f2d2b0abadcf532d48ebf9cb71">
   <xsd:schema xmlns:xsd="http://www.w3.org/2001/XMLSchema" xmlns:xs="http://www.w3.org/2001/XMLSchema" xmlns:p="http://schemas.microsoft.com/office/2006/metadata/properties" xmlns:ns1="http://schemas.microsoft.com/sharepoint/v3" xmlns:ns2="71af3243-3dd4-4a8d-8c0d-dd76da1f02a5" xmlns:ns3="16c05727-aa75-4e4a-9b5f-8a80a1165891" xmlns:ns4="230e9df3-be65-4c73-a93b-d1236ebd677e" targetNamespace="http://schemas.microsoft.com/office/2006/metadata/properties" ma:root="true" ma:fieldsID="7dd78129e6a1811f84807ad11c651531" ns1:_="" ns2:_="" ns3:_="" ns4:_="">
     <xsd:import namespace="http://schemas.microsoft.com/sharepoint/v3"/>
@@ -43119,26 +43401,6 @@
 </ct:contentTypeSchema>
 </file>
 
-<file path=customXml/item2.xml><?xml version="1.0" encoding="utf-8"?>
-<p:properties xmlns:p="http://schemas.microsoft.com/office/2006/metadata/properties" xmlns:xsi="http://www.w3.org/2001/XMLSchema-instance" xmlns:pc="http://schemas.microsoft.com/office/infopath/2007/PartnerControls">
-  <documentManagement>
-    <_ip_UnifiedCompliancePolicyUIAction xmlns="http://schemas.microsoft.com/sharepoint/v3" xsi:nil="true"/>
-    <Image xmlns="71af3243-3dd4-4a8d-8c0d-dd76da1f02a5">
-      <Url xsi:nil="true"/>
-      <Description xsi:nil="true"/>
-    </Image>
-    <Status xmlns="71af3243-3dd4-4a8d-8c0d-dd76da1f02a5">Not started</Status>
-    <_ip_UnifiedCompliancePolicyProperties xmlns="http://schemas.microsoft.com/sharepoint/v3" xsi:nil="true"/>
-    <ImageTagsTaxHTField xmlns="71af3243-3dd4-4a8d-8c0d-dd76da1f02a5">
-      <Terms xmlns="http://schemas.microsoft.com/office/infopath/2007/PartnerControls"/>
-    </ImageTagsTaxHTField>
-    <TaxCatchAll xmlns="230e9df3-be65-4c73-a93b-d1236ebd677e" xsi:nil="true"/>
-    <MediaServiceKeyPoints xmlns="71af3243-3dd4-4a8d-8c0d-dd76da1f02a5" xsi:nil="true"/>
-    <Background xmlns="71af3243-3dd4-4a8d-8c0d-dd76da1f02a5">false</Background>
-  </documentManagement>
-</p:properties>
-</file>
-
 <file path=customXml/item3.xml><?xml version="1.0" encoding="utf-8"?>
 <?mso-contentType ?>
 <FormTemplates xmlns="http://schemas.microsoft.com/sharepoint/v3/contenttype/forms">
@@ -43149,6 +43411,18 @@
 </file>
 
 <file path=customXml/itemProps1.xml><?xml version="1.0" encoding="utf-8"?>
+<ds:datastoreItem xmlns:ds="http://schemas.openxmlformats.org/officeDocument/2006/customXml" ds:itemID="{1342FAFE-88B4-49B4-9588-86CB0E564E50}">
+  <ds:schemaRefs>
+    <ds:schemaRef ds:uri="http://schemas.microsoft.com/office/2006/metadata/properties"/>
+    <ds:schemaRef ds:uri="http://schemas.microsoft.com/office/infopath/2007/PartnerControls"/>
+    <ds:schemaRef ds:uri="http://schemas.microsoft.com/sharepoint/v3"/>
+    <ds:schemaRef ds:uri="71af3243-3dd4-4a8d-8c0d-dd76da1f02a5"/>
+    <ds:schemaRef ds:uri="230e9df3-be65-4c73-a93b-d1236ebd677e"/>
+  </ds:schemaRefs>
+</ds:datastoreItem>
+</file>
+
+<file path=customXml/itemProps2.xml><?xml version="1.0" encoding="utf-8"?>
 <ds:datastoreItem xmlns:ds="http://schemas.openxmlformats.org/officeDocument/2006/customXml" ds:itemID="{81C465B7-820B-4DEA-AB4B-5167C1BE9075}">
   <ds:schemaRefs>
     <ds:schemaRef ds:uri="http://schemas.microsoft.com/office/2006/metadata/contentType"/>
@@ -43169,18 +43443,6 @@
 </ds:datastoreItem>
 </file>
 
-<file path=customXml/itemProps2.xml><?xml version="1.0" encoding="utf-8"?>
-<ds:datastoreItem xmlns:ds="http://schemas.openxmlformats.org/officeDocument/2006/customXml" ds:itemID="{1342FAFE-88B4-49B4-9588-86CB0E564E50}">
-  <ds:schemaRefs>
-    <ds:schemaRef ds:uri="http://schemas.microsoft.com/office/2006/metadata/properties"/>
-    <ds:schemaRef ds:uri="http://schemas.microsoft.com/office/infopath/2007/PartnerControls"/>
-    <ds:schemaRef ds:uri="http://schemas.microsoft.com/sharepoint/v3"/>
-    <ds:schemaRef ds:uri="71af3243-3dd4-4a8d-8c0d-dd76da1f02a5"/>
-    <ds:schemaRef ds:uri="230e9df3-be65-4c73-a93b-d1236ebd677e"/>
-  </ds:schemaRefs>
-</ds:datastoreItem>
-</file>
-
 <file path=customXml/itemProps3.xml><?xml version="1.0" encoding="utf-8"?>
 <ds:datastoreItem xmlns:ds="http://schemas.openxmlformats.org/officeDocument/2006/customXml" ds:itemID="{42076B5C-85B0-4D30-852D-5E5312EEA93B}">
   <ds:schemaRefs>

--- a/thesis/csn-da21ttb-TrangThanhHieu.pptx
+++ b/thesis/csn-da21ttb-TrangThanhHieu.pptx
@@ -9078,7 +9078,7 @@
           <a:p>
             <a:fld id="{7487ADD9-2083-264C-A652-8D52D02F7E72}" type="datetimeFigureOut">
               <a:rPr lang="en-US" smtClean="0"/>
-              <a:t>1/15/2024</a:t>
+              <a:t>1/16/2024</a:t>
             </a:fld>
             <a:endParaRPr lang="en-US" dirty="0"/>
           </a:p>
@@ -10734,7 +10734,7 @@
           <a:p>
             <a:fld id="{AE46C21D-EBB5-4F3D-B06D-166777189317}" type="datetime1">
               <a:rPr lang="en-US" smtClean="0"/>
-              <a:t>1/15/2024</a:t>
+              <a:t>1/16/2024</a:t>
             </a:fld>
             <a:endParaRPr lang="en-US" dirty="0"/>
           </a:p>
@@ -11618,7 +11618,7 @@
           <a:p>
             <a:fld id="{1DFFEA26-EB1D-498C-95CD-1ECE586790AA}" type="datetime1">
               <a:rPr lang="en-US" smtClean="0"/>
-              <a:t>1/15/2024</a:t>
+              <a:t>1/16/2024</a:t>
             </a:fld>
             <a:endParaRPr lang="en-US" dirty="0"/>
           </a:p>
@@ -12794,7 +12794,7 @@
           <a:p>
             <a:fld id="{539842EE-D56F-4F18-94E7-094CEF23F906}" type="datetime1">
               <a:rPr lang="en-US" smtClean="0"/>
-              <a:t>1/15/2024</a:t>
+              <a:t>1/16/2024</a:t>
             </a:fld>
             <a:endParaRPr lang="en-US" dirty="0"/>
           </a:p>
@@ -14142,7 +14142,7 @@
           <a:p>
             <a:fld id="{A5915655-EB65-4EF2-BA0C-DCB11AE1B320}" type="datetimeFigureOut">
               <a:rPr lang="en-US" smtClean="0"/>
-              <a:t>1/15/2024</a:t>
+              <a:t>1/16/2024</a:t>
             </a:fld>
             <a:endParaRPr lang="en-US"/>
           </a:p>
@@ -14986,7 +14986,7 @@
           <a:p>
             <a:fld id="{45B08281-154C-4FEF-A6DF-18BA3AC0F374}" type="datetime1">
               <a:rPr lang="en-US" smtClean="0"/>
-              <a:t>1/15/2024</a:t>
+              <a:t>1/16/2024</a:t>
             </a:fld>
             <a:endParaRPr lang="en-US" dirty="0"/>
           </a:p>
@@ -15703,7 +15703,7 @@
           <a:p>
             <a:fld id="{04D857D4-BD7E-4A06-844B-AAD504F1114F}" type="datetime1">
               <a:rPr lang="en-US" smtClean="0"/>
-              <a:t>1/15/2024</a:t>
+              <a:t>1/16/2024</a:t>
             </a:fld>
             <a:endParaRPr lang="en-US" dirty="0"/>
           </a:p>
@@ -16930,7 +16930,7 @@
           <a:p>
             <a:fld id="{916AFA50-87A4-4E99-B112-8C6B1DFB84B2}" type="datetime1">
               <a:rPr lang="en-US" smtClean="0"/>
-              <a:t>1/15/2024</a:t>
+              <a:t>1/16/2024</a:t>
             </a:fld>
             <a:endParaRPr lang="en-US" dirty="0"/>
           </a:p>
@@ -17521,7 +17521,7 @@
           <a:p>
             <a:fld id="{6B3905CA-BF0F-4A1B-AA0D-85E42F5D5A85}" type="datetime1">
               <a:rPr lang="en-US" smtClean="0"/>
-              <a:t>1/15/2024</a:t>
+              <a:t>1/16/2024</a:t>
             </a:fld>
             <a:endParaRPr lang="en-US" dirty="0"/>
           </a:p>
@@ -17993,7 +17993,7 @@
           <a:p>
             <a:fld id="{D3DA9A77-60C0-4BB8-898D-2828EE4073AD}" type="datetime1">
               <a:rPr lang="en-US" smtClean="0"/>
-              <a:t>1/15/2024</a:t>
+              <a:t>1/16/2024</a:t>
             </a:fld>
             <a:endParaRPr lang="en-US" dirty="0"/>
           </a:p>
@@ -18842,7 +18842,7 @@
           <a:p>
             <a:fld id="{C1F30CD5-42B1-4614-9F46-5D29928CC2DB}" type="datetime1">
               <a:rPr lang="en-US" smtClean="0"/>
-              <a:t>1/15/2024</a:t>
+              <a:t>1/16/2024</a:t>
             </a:fld>
             <a:endParaRPr lang="en-US" dirty="0"/>
           </a:p>
@@ -21066,7 +21066,7 @@
           <a:p>
             <a:fld id="{EE6020E3-D95B-4E55-964F-4B1A98BDAA6F}" type="datetime1">
               <a:rPr lang="en-US" smtClean="0"/>
-              <a:t>1/15/2024</a:t>
+              <a:t>1/16/2024</a:t>
             </a:fld>
             <a:endParaRPr lang="en-US" dirty="0"/>
           </a:p>
@@ -21334,7 +21334,7 @@
           <a:p>
             <a:fld id="{FC9A72C8-1C87-42EF-8A11-BF6DFA19ED8B}" type="datetime1">
               <a:rPr lang="en-US" smtClean="0"/>
-              <a:t>1/15/2024</a:t>
+              <a:t>1/16/2024</a:t>
             </a:fld>
             <a:endParaRPr lang="en-US" dirty="0"/>
           </a:p>
@@ -34358,12 +34358,20 @@
         </p:blipFill>
         <p:spPr>
           <a:xfrm>
-            <a:off x="2589195" y="1350288"/>
-            <a:ext cx="8826395" cy="5294501"/>
+            <a:off x="1732548" y="1176062"/>
+            <a:ext cx="4871287" cy="2922035"/>
           </a:xfrm>
           <a:prstGeom prst="rect">
             <a:avLst/>
           </a:prstGeom>
+          <a:solidFill>
+            <a:schemeClr val="tx1"/>
+          </a:solidFill>
+          <a:ln>
+            <a:solidFill>
+              <a:schemeClr val="tx1"/>
+            </a:solidFill>
+          </a:ln>
         </p:spPr>
       </p:pic>
       <p:sp>
@@ -34574,6 +34582,114 @@
           </a:p>
         </p:txBody>
       </p:sp>
+      <p:pic>
+        <p:nvPicPr>
+          <p:cNvPr id="3" name="Picture 2">
+            <a:extLst>
+              <a:ext uri="{FF2B5EF4-FFF2-40B4-BE49-F238E27FC236}">
+                <a16:creationId xmlns:a16="http://schemas.microsoft.com/office/drawing/2014/main" id="{76838B43-2840-7C62-DD72-911C5D346B48}"/>
+              </a:ext>
+            </a:extLst>
+          </p:cNvPr>
+          <p:cNvPicPr>
+            <a:picLocks noChangeAspect="1"/>
+          </p:cNvPicPr>
+          <p:nvPr/>
+        </p:nvPicPr>
+        <p:blipFill>
+          <a:blip r:embed="rId3"/>
+          <a:stretch>
+            <a:fillRect/>
+          </a:stretch>
+        </p:blipFill>
+        <p:spPr>
+          <a:xfrm>
+            <a:off x="6921469" y="4339841"/>
+            <a:ext cx="3914274" cy="2381634"/>
+          </a:xfrm>
+          <a:prstGeom prst="rect">
+            <a:avLst/>
+          </a:prstGeom>
+          <a:solidFill>
+            <a:schemeClr val="tx1"/>
+          </a:solidFill>
+          <a:ln>
+            <a:solidFill>
+              <a:schemeClr val="tx1"/>
+            </a:solidFill>
+          </a:ln>
+        </p:spPr>
+      </p:pic>
+      <p:pic>
+        <p:nvPicPr>
+          <p:cNvPr id="7" name="Picture 6">
+            <a:extLst>
+              <a:ext uri="{FF2B5EF4-FFF2-40B4-BE49-F238E27FC236}">
+                <a16:creationId xmlns:a16="http://schemas.microsoft.com/office/drawing/2014/main" id="{D130972E-E740-0F3E-39EE-42576629F21B}"/>
+              </a:ext>
+            </a:extLst>
+          </p:cNvPr>
+          <p:cNvPicPr>
+            <a:picLocks noChangeAspect="1"/>
+          </p:cNvPicPr>
+          <p:nvPr/>
+        </p:nvPicPr>
+        <p:blipFill>
+          <a:blip r:embed="rId4"/>
+          <a:stretch>
+            <a:fillRect/>
+          </a:stretch>
+        </p:blipFill>
+        <p:spPr>
+          <a:xfrm>
+            <a:off x="1442209" y="4339841"/>
+            <a:ext cx="5161626" cy="2364946"/>
+          </a:xfrm>
+          <a:prstGeom prst="rect">
+            <a:avLst/>
+          </a:prstGeom>
+          <a:ln>
+            <a:solidFill>
+              <a:schemeClr val="tx1"/>
+            </a:solidFill>
+          </a:ln>
+        </p:spPr>
+      </p:pic>
+      <p:pic>
+        <p:nvPicPr>
+          <p:cNvPr id="11" name="Picture 10">
+            <a:extLst>
+              <a:ext uri="{FF2B5EF4-FFF2-40B4-BE49-F238E27FC236}">
+                <a16:creationId xmlns:a16="http://schemas.microsoft.com/office/drawing/2014/main" id="{F9167C9A-7BAC-22D8-75E9-5A588459084F}"/>
+              </a:ext>
+            </a:extLst>
+          </p:cNvPr>
+          <p:cNvPicPr>
+            <a:picLocks noChangeAspect="1"/>
+          </p:cNvPicPr>
+          <p:nvPr/>
+        </p:nvPicPr>
+        <p:blipFill>
+          <a:blip r:embed="rId5"/>
+          <a:stretch>
+            <a:fillRect/>
+          </a:stretch>
+        </p:blipFill>
+        <p:spPr>
+          <a:xfrm>
+            <a:off x="6726016" y="1176062"/>
+            <a:ext cx="3914274" cy="2927328"/>
+          </a:xfrm>
+          <a:prstGeom prst="rect">
+            <a:avLst/>
+          </a:prstGeom>
+          <a:ln>
+            <a:solidFill>
+              <a:schemeClr val="tx1"/>
+            </a:solidFill>
+          </a:ln>
+        </p:spPr>
+      </p:pic>
     </p:spTree>
     <p:extLst>
       <p:ext uri="{BB962C8B-B14F-4D97-AF65-F5344CB8AC3E}">
@@ -41937,7 +42053,7 @@
                   <a:schemeClr val="bg1"/>
                 </a:solidFill>
               </a:rPr>
-              <a:t>quá</a:t>
+              <a:t>hóa</a:t>
             </a:r>
             <a:r>
               <a:rPr lang="en-US" sz="2400" dirty="0">
@@ -43070,26 +43186,6 @@
 </file>
 
 <file path=customXml/item1.xml><?xml version="1.0" encoding="utf-8"?>
-<p:properties xmlns:p="http://schemas.microsoft.com/office/2006/metadata/properties" xmlns:xsi="http://www.w3.org/2001/XMLSchema-instance" xmlns:pc="http://schemas.microsoft.com/office/infopath/2007/PartnerControls">
-  <documentManagement>
-    <_ip_UnifiedCompliancePolicyUIAction xmlns="http://schemas.microsoft.com/sharepoint/v3" xsi:nil="true"/>
-    <Image xmlns="71af3243-3dd4-4a8d-8c0d-dd76da1f02a5">
-      <Url xsi:nil="true"/>
-      <Description xsi:nil="true"/>
-    </Image>
-    <Status xmlns="71af3243-3dd4-4a8d-8c0d-dd76da1f02a5">Not started</Status>
-    <_ip_UnifiedCompliancePolicyProperties xmlns="http://schemas.microsoft.com/sharepoint/v3" xsi:nil="true"/>
-    <ImageTagsTaxHTField xmlns="71af3243-3dd4-4a8d-8c0d-dd76da1f02a5">
-      <Terms xmlns="http://schemas.microsoft.com/office/infopath/2007/PartnerControls"/>
-    </ImageTagsTaxHTField>
-    <TaxCatchAll xmlns="230e9df3-be65-4c73-a93b-d1236ebd677e" xsi:nil="true"/>
-    <MediaServiceKeyPoints xmlns="71af3243-3dd4-4a8d-8c0d-dd76da1f02a5" xsi:nil="true"/>
-    <Background xmlns="71af3243-3dd4-4a8d-8c0d-dd76da1f02a5">false</Background>
-  </documentManagement>
-</p:properties>
-</file>
-
-<file path=customXml/item2.xml><?xml version="1.0" encoding="utf-8"?>
 <ct:contentTypeSchema xmlns:ct="http://schemas.microsoft.com/office/2006/metadata/contentType" xmlns:ma="http://schemas.microsoft.com/office/2006/metadata/properties/metaAttributes" ct:_="" ma:_="" ma:contentTypeName="Document" ma:contentTypeID="0x01010079F111ED35F8CC479449609E8A0923A6" ma:contentTypeVersion="28" ma:contentTypeDescription="Create a new document." ma:contentTypeScope="" ma:versionID="60f5a4f2d2b0abadcf532d48ebf9cb71">
   <xsd:schema xmlns:xsd="http://www.w3.org/2001/XMLSchema" xmlns:xs="http://www.w3.org/2001/XMLSchema" xmlns:p="http://schemas.microsoft.com/office/2006/metadata/properties" xmlns:ns1="http://schemas.microsoft.com/sharepoint/v3" xmlns:ns2="71af3243-3dd4-4a8d-8c0d-dd76da1f02a5" xmlns:ns3="16c05727-aa75-4e4a-9b5f-8a80a1165891" xmlns:ns4="230e9df3-be65-4c73-a93b-d1236ebd677e" targetNamespace="http://schemas.microsoft.com/office/2006/metadata/properties" ma:root="true" ma:fieldsID="7dd78129e6a1811f84807ad11c651531" ns1:_="" ns2:_="" ns3:_="" ns4:_="">
     <xsd:import namespace="http://schemas.microsoft.com/sharepoint/v3"/>
@@ -43401,6 +43497,26 @@
 </ct:contentTypeSchema>
 </file>
 
+<file path=customXml/item2.xml><?xml version="1.0" encoding="utf-8"?>
+<p:properties xmlns:p="http://schemas.microsoft.com/office/2006/metadata/properties" xmlns:xsi="http://www.w3.org/2001/XMLSchema-instance" xmlns:pc="http://schemas.microsoft.com/office/infopath/2007/PartnerControls">
+  <documentManagement>
+    <_ip_UnifiedCompliancePolicyUIAction xmlns="http://schemas.microsoft.com/sharepoint/v3" xsi:nil="true"/>
+    <Image xmlns="71af3243-3dd4-4a8d-8c0d-dd76da1f02a5">
+      <Url xsi:nil="true"/>
+      <Description xsi:nil="true"/>
+    </Image>
+    <Status xmlns="71af3243-3dd4-4a8d-8c0d-dd76da1f02a5">Not started</Status>
+    <_ip_UnifiedCompliancePolicyProperties xmlns="http://schemas.microsoft.com/sharepoint/v3" xsi:nil="true"/>
+    <ImageTagsTaxHTField xmlns="71af3243-3dd4-4a8d-8c0d-dd76da1f02a5">
+      <Terms xmlns="http://schemas.microsoft.com/office/infopath/2007/PartnerControls"/>
+    </ImageTagsTaxHTField>
+    <TaxCatchAll xmlns="230e9df3-be65-4c73-a93b-d1236ebd677e" xsi:nil="true"/>
+    <MediaServiceKeyPoints xmlns="71af3243-3dd4-4a8d-8c0d-dd76da1f02a5" xsi:nil="true"/>
+    <Background xmlns="71af3243-3dd4-4a8d-8c0d-dd76da1f02a5">false</Background>
+  </documentManagement>
+</p:properties>
+</file>
+
 <file path=customXml/item3.xml><?xml version="1.0" encoding="utf-8"?>
 <?mso-contentType ?>
 <FormTemplates xmlns="http://schemas.microsoft.com/sharepoint/v3/contenttype/forms">
@@ -43411,18 +43527,6 @@
 </file>
 
 <file path=customXml/itemProps1.xml><?xml version="1.0" encoding="utf-8"?>
-<ds:datastoreItem xmlns:ds="http://schemas.openxmlformats.org/officeDocument/2006/customXml" ds:itemID="{1342FAFE-88B4-49B4-9588-86CB0E564E50}">
-  <ds:schemaRefs>
-    <ds:schemaRef ds:uri="http://schemas.microsoft.com/office/2006/metadata/properties"/>
-    <ds:schemaRef ds:uri="http://schemas.microsoft.com/office/infopath/2007/PartnerControls"/>
-    <ds:schemaRef ds:uri="http://schemas.microsoft.com/sharepoint/v3"/>
-    <ds:schemaRef ds:uri="71af3243-3dd4-4a8d-8c0d-dd76da1f02a5"/>
-    <ds:schemaRef ds:uri="230e9df3-be65-4c73-a93b-d1236ebd677e"/>
-  </ds:schemaRefs>
-</ds:datastoreItem>
-</file>
-
-<file path=customXml/itemProps2.xml><?xml version="1.0" encoding="utf-8"?>
 <ds:datastoreItem xmlns:ds="http://schemas.openxmlformats.org/officeDocument/2006/customXml" ds:itemID="{81C465B7-820B-4DEA-AB4B-5167C1BE9075}">
   <ds:schemaRefs>
     <ds:schemaRef ds:uri="http://schemas.microsoft.com/office/2006/metadata/contentType"/>
@@ -43443,6 +43547,18 @@
 </ds:datastoreItem>
 </file>
 
+<file path=customXml/itemProps2.xml><?xml version="1.0" encoding="utf-8"?>
+<ds:datastoreItem xmlns:ds="http://schemas.openxmlformats.org/officeDocument/2006/customXml" ds:itemID="{1342FAFE-88B4-49B4-9588-86CB0E564E50}">
+  <ds:schemaRefs>
+    <ds:schemaRef ds:uri="http://schemas.microsoft.com/office/2006/metadata/properties"/>
+    <ds:schemaRef ds:uri="http://schemas.microsoft.com/office/infopath/2007/PartnerControls"/>
+    <ds:schemaRef ds:uri="http://schemas.microsoft.com/sharepoint/v3"/>
+    <ds:schemaRef ds:uri="71af3243-3dd4-4a8d-8c0d-dd76da1f02a5"/>
+    <ds:schemaRef ds:uri="230e9df3-be65-4c73-a93b-d1236ebd677e"/>
+  </ds:schemaRefs>
+</ds:datastoreItem>
+</file>
+
 <file path=customXml/itemProps3.xml><?xml version="1.0" encoding="utf-8"?>
 <ds:datastoreItem xmlns:ds="http://schemas.openxmlformats.org/officeDocument/2006/customXml" ds:itemID="{42076B5C-85B0-4D30-852D-5E5312EEA93B}">
   <ds:schemaRefs>

--- a/thesis/csn-da21ttb-TrangThanhHieu.pptx
+++ b/thesis/csn-da21ttb-TrangThanhHieu.pptx
@@ -144,6 +144,81 @@
 <p:cmAuthorLst xmlns:a="http://schemas.openxmlformats.org/drawingml/2006/main" xmlns:r="http://schemas.openxmlformats.org/officeDocument/2006/relationships" xmlns:p="http://schemas.openxmlformats.org/presentationml/2006/main">
   <p:cmAuthor id="3" name="Author" initials="A" lastIdx="0" clrIdx="2"/>
 </p:cmAuthorLst>
+</file>
+
+<file path=ppt/changesInfos/changesInfo1.xml><?xml version="1.0" encoding="utf-8"?>
+<pc:chgInfo xmlns:a="http://schemas.openxmlformats.org/drawingml/2006/main" xmlns:r="http://schemas.openxmlformats.org/officeDocument/2006/relationships" xmlns:ac="http://schemas.microsoft.com/office/drawing/2013/main/command" xmlns:pc="http://schemas.microsoft.com/office/powerpoint/2013/main/command">
+  <pc:docChgLst>
+    <pc:chgData name="Thanh Hieu Trang" userId="2c4354b96cfab5b5" providerId="LiveId" clId="{EFAFA923-6E7D-4361-A70D-9561EFE66FDB}"/>
+    <pc:docChg chg="custSel modSld">
+      <pc:chgData name="Thanh Hieu Trang" userId="2c4354b96cfab5b5" providerId="LiveId" clId="{EFAFA923-6E7D-4361-A70D-9561EFE66FDB}" dt="2024-01-16T06:42:54.546" v="12" actId="1076"/>
+      <pc:docMkLst>
+        <pc:docMk/>
+      </pc:docMkLst>
+      <pc:sldChg chg="addSp delSp modSp mod">
+        <pc:chgData name="Thanh Hieu Trang" userId="2c4354b96cfab5b5" providerId="LiveId" clId="{EFAFA923-6E7D-4361-A70D-9561EFE66FDB}" dt="2024-01-16T06:40:27.804" v="11" actId="20577"/>
+        <pc:sldMkLst>
+          <pc:docMk/>
+          <pc:sldMk cId="932498405" sldId="270"/>
+        </pc:sldMkLst>
+        <pc:spChg chg="add mod">
+          <ac:chgData name="Thanh Hieu Trang" userId="2c4354b96cfab5b5" providerId="LiveId" clId="{EFAFA923-6E7D-4361-A70D-9561EFE66FDB}" dt="2024-01-16T06:40:23.087" v="9" actId="20577"/>
+          <ac:spMkLst>
+            <pc:docMk/>
+            <pc:sldMk cId="932498405" sldId="270"/>
+            <ac:spMk id="4" creationId="{0372E74F-7572-1D73-E924-CDB0CDCB4C0F}"/>
+          </ac:spMkLst>
+        </pc:spChg>
+        <pc:spChg chg="mod">
+          <ac:chgData name="Thanh Hieu Trang" userId="2c4354b96cfab5b5" providerId="LiveId" clId="{EFAFA923-6E7D-4361-A70D-9561EFE66FDB}" dt="2024-01-16T06:40:27.804" v="11" actId="20577"/>
+          <ac:spMkLst>
+            <pc:docMk/>
+            <pc:sldMk cId="932498405" sldId="270"/>
+            <ac:spMk id="7" creationId="{2C320796-9C15-741C-D35C-514BB31B1C2B}"/>
+          </ac:spMkLst>
+        </pc:spChg>
+        <pc:spChg chg="del">
+          <ac:chgData name="Thanh Hieu Trang" userId="2c4354b96cfab5b5" providerId="LiveId" clId="{EFAFA923-6E7D-4361-A70D-9561EFE66FDB}" dt="2024-01-16T06:39:45.640" v="2" actId="21"/>
+          <ac:spMkLst>
+            <pc:docMk/>
+            <pc:sldMk cId="932498405" sldId="270"/>
+            <ac:spMk id="8" creationId="{0372E74F-7572-1D73-E924-CDB0CDCB4C0F}"/>
+          </ac:spMkLst>
+        </pc:spChg>
+      </pc:sldChg>
+      <pc:sldChg chg="modSp mod">
+        <pc:chgData name="Thanh Hieu Trang" userId="2c4354b96cfab5b5" providerId="LiveId" clId="{EFAFA923-6E7D-4361-A70D-9561EFE66FDB}" dt="2024-01-16T06:39:08.776" v="1" actId="123"/>
+        <pc:sldMkLst>
+          <pc:docMk/>
+          <pc:sldMk cId="1283492328" sldId="279"/>
+        </pc:sldMkLst>
+        <pc:spChg chg="mod">
+          <ac:chgData name="Thanh Hieu Trang" userId="2c4354b96cfab5b5" providerId="LiveId" clId="{EFAFA923-6E7D-4361-A70D-9561EFE66FDB}" dt="2024-01-16T06:39:08.776" v="1" actId="123"/>
+          <ac:spMkLst>
+            <pc:docMk/>
+            <pc:sldMk cId="1283492328" sldId="279"/>
+            <ac:spMk id="8" creationId="{88FD4571-9576-68E4-F7A5-126C7A83E33A}"/>
+          </ac:spMkLst>
+        </pc:spChg>
+      </pc:sldChg>
+      <pc:sldChg chg="modSp mod">
+        <pc:chgData name="Thanh Hieu Trang" userId="2c4354b96cfab5b5" providerId="LiveId" clId="{EFAFA923-6E7D-4361-A70D-9561EFE66FDB}" dt="2024-01-16T06:42:54.546" v="12" actId="1076"/>
+        <pc:sldMkLst>
+          <pc:docMk/>
+          <pc:sldMk cId="959980234" sldId="302"/>
+        </pc:sldMkLst>
+        <pc:picChg chg="mod">
+          <ac:chgData name="Thanh Hieu Trang" userId="2c4354b96cfab5b5" providerId="LiveId" clId="{EFAFA923-6E7D-4361-A70D-9561EFE66FDB}" dt="2024-01-16T06:42:54.546" v="12" actId="1076"/>
+          <ac:picMkLst>
+            <pc:docMk/>
+            <pc:sldMk cId="959980234" sldId="302"/>
+            <ac:picMk id="3" creationId="{76838B43-2840-7C62-DD72-911C5D346B48}"/>
+          </ac:picMkLst>
+        </pc:picChg>
+      </pc:sldChg>
+    </pc:docChg>
+  </pc:docChgLst>
+</pc:chgInfo>
 </file>
 
 <file path=ppt/diagrams/colors1.xml><?xml version="1.0" encoding="utf-8"?>
@@ -34604,7 +34679,7 @@
         </p:blipFill>
         <p:spPr>
           <a:xfrm>
-            <a:off x="6921469" y="4339841"/>
+            <a:off x="6726016" y="4339841"/>
             <a:ext cx="3914274" cy="2381634"/>
           </a:xfrm>
           <a:prstGeom prst="rect">
@@ -37601,7 +37676,7 @@
         </p:nvSpPr>
         <p:spPr>
           <a:xfrm>
-            <a:off x="792108" y="2655776"/>
+            <a:off x="830609" y="2771279"/>
             <a:ext cx="6862814" cy="1785104"/>
           </a:xfrm>
           <a:prstGeom prst="rect">
@@ -37615,6 +37690,7 @@
           </a:bodyPr>
           <a:lstStyle/>
           <a:p>
+            <a:pPr algn="just"/>
             <a:r>
               <a:rPr lang="en-US" sz="2200" dirty="0">
                 <a:solidFill>
@@ -38242,6 +38318,7 @@
             </a:endParaRPr>
           </a:p>
           <a:p>
+            <a:pPr algn="just"/>
             <a:endParaRPr lang="en-US" sz="2200" dirty="0">
               <a:latin typeface="Tenorite (Body)"/>
             </a:endParaRPr>
@@ -41572,7 +41649,7 @@
         </p:nvSpPr>
         <p:spPr>
           <a:xfrm>
-            <a:off x="1822450" y="2005748"/>
+            <a:off x="3709002" y="4551272"/>
             <a:ext cx="2216150" cy="1200329"/>
           </a:xfrm>
           <a:prstGeom prst="rect">
@@ -41592,7 +41669,7 @@
                   <a:schemeClr val="bg1"/>
                 </a:solidFill>
               </a:rPr>
-              <a:t>1. </a:t>
+              <a:t>2. </a:t>
             </a:r>
             <a:r>
               <a:rPr lang="en-US" sz="2400" dirty="0" err="1">
@@ -41705,93 +41782,6 @@
                 </a:solidFill>
               </a:rPr>
               <a:t> website.</a:t>
-            </a:r>
-          </a:p>
-        </p:txBody>
-      </p:sp>
-      <p:sp>
-        <p:nvSpPr>
-          <p:cNvPr id="8" name="TextBox 7">
-            <a:extLst>
-              <a:ext uri="{FF2B5EF4-FFF2-40B4-BE49-F238E27FC236}">
-                <a16:creationId xmlns:a16="http://schemas.microsoft.com/office/drawing/2014/main" id="{0372E74F-7572-1D73-E924-CDB0CDCB4C0F}"/>
-              </a:ext>
-            </a:extLst>
-          </p:cNvPr>
-          <p:cNvSpPr txBox="1"/>
-          <p:nvPr/>
-        </p:nvSpPr>
-        <p:spPr>
-          <a:xfrm>
-            <a:off x="3790950" y="4530671"/>
-            <a:ext cx="2138212" cy="1200329"/>
-          </a:xfrm>
-          <a:prstGeom prst="rect">
-            <a:avLst/>
-          </a:prstGeom>
-          <a:noFill/>
-        </p:spPr>
-        <p:txBody>
-          <a:bodyPr wrap="square" rtlCol="0">
-            <a:spAutoFit/>
-          </a:bodyPr>
-          <a:lstStyle/>
-          <a:p>
-            <a:r>
-              <a:rPr lang="en-US" sz="2400" dirty="0">
-                <a:solidFill>
-                  <a:schemeClr val="bg1"/>
-                </a:solidFill>
-              </a:rPr>
-              <a:t>2. </a:t>
-            </a:r>
-            <a:r>
-              <a:rPr lang="en-US" sz="2400" dirty="0" err="1">
-                <a:solidFill>
-                  <a:schemeClr val="bg1"/>
-                </a:solidFill>
-              </a:rPr>
-              <a:t>Nghiên</a:t>
-            </a:r>
-            <a:r>
-              <a:rPr lang="en-US" sz="2400" dirty="0">
-                <a:solidFill>
-                  <a:schemeClr val="bg1"/>
-                </a:solidFill>
-              </a:rPr>
-              <a:t> </a:t>
-            </a:r>
-            <a:r>
-              <a:rPr lang="en-US" sz="2400" dirty="0" err="1">
-                <a:solidFill>
-                  <a:schemeClr val="bg1"/>
-                </a:solidFill>
-              </a:rPr>
-              <a:t>cứu</a:t>
-            </a:r>
-            <a:r>
-              <a:rPr lang="en-US" sz="2400" dirty="0">
-                <a:solidFill>
-                  <a:schemeClr val="bg1"/>
-                </a:solidFill>
-              </a:rPr>
-              <a:t> WordPress </a:t>
-            </a:r>
-            <a:r>
-              <a:rPr lang="en-US" sz="2400" dirty="0" err="1">
-                <a:solidFill>
-                  <a:schemeClr val="bg1"/>
-                </a:solidFill>
-              </a:rPr>
-              <a:t>và</a:t>
-            </a:r>
-            <a:r>
-              <a:rPr lang="en-US" sz="2400" dirty="0">
-                <a:solidFill>
-                  <a:schemeClr val="bg1"/>
-                </a:solidFill>
-              </a:rPr>
-              <a:t> PHP, MySQL.</a:t>
             </a:r>
           </a:p>
         </p:txBody>
@@ -42228,6 +42218,93 @@
                 </a:solidFill>
               </a:rPr>
               <a:t>BÁO CÁO ĐỒ ÁN THỰC TẬP CƠ SỞ NGÀNH</a:t>
+            </a:r>
+          </a:p>
+        </p:txBody>
+      </p:sp>
+      <p:sp>
+        <p:nvSpPr>
+          <p:cNvPr id="4" name="TextBox 3">
+            <a:extLst>
+              <a:ext uri="{FF2B5EF4-FFF2-40B4-BE49-F238E27FC236}">
+                <a16:creationId xmlns:a16="http://schemas.microsoft.com/office/drawing/2014/main" id="{0372E74F-7572-1D73-E924-CDB0CDCB4C0F}"/>
+              </a:ext>
+            </a:extLst>
+          </p:cNvPr>
+          <p:cNvSpPr txBox="1"/>
+          <p:nvPr/>
+        </p:nvSpPr>
+        <p:spPr>
+          <a:xfrm>
+            <a:off x="1779270" y="1928588"/>
+            <a:ext cx="2138212" cy="1200329"/>
+          </a:xfrm>
+          <a:prstGeom prst="rect">
+            <a:avLst/>
+          </a:prstGeom>
+          <a:noFill/>
+        </p:spPr>
+        <p:txBody>
+          <a:bodyPr wrap="square" rtlCol="0">
+            <a:spAutoFit/>
+          </a:bodyPr>
+          <a:lstStyle/>
+          <a:p>
+            <a:r>
+              <a:rPr lang="en-US" sz="2400" dirty="0">
+                <a:solidFill>
+                  <a:schemeClr val="bg1"/>
+                </a:solidFill>
+              </a:rPr>
+              <a:t>1. </a:t>
+            </a:r>
+            <a:r>
+              <a:rPr lang="en-US" sz="2400" dirty="0" err="1">
+                <a:solidFill>
+                  <a:schemeClr val="bg1"/>
+                </a:solidFill>
+              </a:rPr>
+              <a:t>Nghiên</a:t>
+            </a:r>
+            <a:r>
+              <a:rPr lang="en-US" sz="2400" dirty="0">
+                <a:solidFill>
+                  <a:schemeClr val="bg1"/>
+                </a:solidFill>
+              </a:rPr>
+              <a:t> </a:t>
+            </a:r>
+            <a:r>
+              <a:rPr lang="en-US" sz="2400" dirty="0" err="1">
+                <a:solidFill>
+                  <a:schemeClr val="bg1"/>
+                </a:solidFill>
+              </a:rPr>
+              <a:t>cứu</a:t>
+            </a:r>
+            <a:r>
+              <a:rPr lang="en-US" sz="2400" dirty="0">
+                <a:solidFill>
+                  <a:schemeClr val="bg1"/>
+                </a:solidFill>
+              </a:rPr>
+              <a:t> WordPress </a:t>
+            </a:r>
+            <a:r>
+              <a:rPr lang="en-US" sz="2400" dirty="0" err="1">
+                <a:solidFill>
+                  <a:schemeClr val="bg1"/>
+                </a:solidFill>
+              </a:rPr>
+              <a:t>và</a:t>
+            </a:r>
+            <a:r>
+              <a:rPr lang="en-US" sz="2400" dirty="0">
+                <a:solidFill>
+                  <a:schemeClr val="bg1"/>
+                </a:solidFill>
+              </a:rPr>
+              <a:t> PHP, MySQL.</a:t>
             </a:r>
           </a:p>
         </p:txBody>
@@ -43186,6 +43263,26 @@
 </file>
 
 <file path=customXml/item1.xml><?xml version="1.0" encoding="utf-8"?>
+<p:properties xmlns:p="http://schemas.microsoft.com/office/2006/metadata/properties" xmlns:xsi="http://www.w3.org/2001/XMLSchema-instance" xmlns:pc="http://schemas.microsoft.com/office/infopath/2007/PartnerControls">
+  <documentManagement>
+    <_ip_UnifiedCompliancePolicyUIAction xmlns="http://schemas.microsoft.com/sharepoint/v3" xsi:nil="true"/>
+    <Image xmlns="71af3243-3dd4-4a8d-8c0d-dd76da1f02a5">
+      <Url xsi:nil="true"/>
+      <Description xsi:nil="true"/>
+    </Image>
+    <Status xmlns="71af3243-3dd4-4a8d-8c0d-dd76da1f02a5">Not started</Status>
+    <_ip_UnifiedCompliancePolicyProperties xmlns="http://schemas.microsoft.com/sharepoint/v3" xsi:nil="true"/>
+    <ImageTagsTaxHTField xmlns="71af3243-3dd4-4a8d-8c0d-dd76da1f02a5">
+      <Terms xmlns="http://schemas.microsoft.com/office/infopath/2007/PartnerControls"/>
+    </ImageTagsTaxHTField>
+    <TaxCatchAll xmlns="230e9df3-be65-4c73-a93b-d1236ebd677e" xsi:nil="true"/>
+    <MediaServiceKeyPoints xmlns="71af3243-3dd4-4a8d-8c0d-dd76da1f02a5" xsi:nil="true"/>
+    <Background xmlns="71af3243-3dd4-4a8d-8c0d-dd76da1f02a5">false</Background>
+  </documentManagement>
+</p:properties>
+</file>
+
+<file path=customXml/item2.xml><?xml version="1.0" encoding="utf-8"?>
 <ct:contentTypeSchema xmlns:ct="http://schemas.microsoft.com/office/2006/metadata/contentType" xmlns:ma="http://schemas.microsoft.com/office/2006/metadata/properties/metaAttributes" ct:_="" ma:_="" ma:contentTypeName="Document" ma:contentTypeID="0x01010079F111ED35F8CC479449609E8A0923A6" ma:contentTypeVersion="28" ma:contentTypeDescription="Create a new document." ma:contentTypeScope="" ma:versionID="60f5a4f2d2b0abadcf532d48ebf9cb71">
   <xsd:schema xmlns:xsd="http://www.w3.org/2001/XMLSchema" xmlns:xs="http://www.w3.org/2001/XMLSchema" xmlns:p="http://schemas.microsoft.com/office/2006/metadata/properties" xmlns:ns1="http://schemas.microsoft.com/sharepoint/v3" xmlns:ns2="71af3243-3dd4-4a8d-8c0d-dd76da1f02a5" xmlns:ns3="16c05727-aa75-4e4a-9b5f-8a80a1165891" xmlns:ns4="230e9df3-be65-4c73-a93b-d1236ebd677e" targetNamespace="http://schemas.microsoft.com/office/2006/metadata/properties" ma:root="true" ma:fieldsID="7dd78129e6a1811f84807ad11c651531" ns1:_="" ns2:_="" ns3:_="" ns4:_="">
     <xsd:import namespace="http://schemas.microsoft.com/sharepoint/v3"/>
@@ -43497,26 +43594,6 @@
 </ct:contentTypeSchema>
 </file>
 
-<file path=customXml/item2.xml><?xml version="1.0" encoding="utf-8"?>
-<p:properties xmlns:p="http://schemas.microsoft.com/office/2006/metadata/properties" xmlns:xsi="http://www.w3.org/2001/XMLSchema-instance" xmlns:pc="http://schemas.microsoft.com/office/infopath/2007/PartnerControls">
-  <documentManagement>
-    <_ip_UnifiedCompliancePolicyUIAction xmlns="http://schemas.microsoft.com/sharepoint/v3" xsi:nil="true"/>
-    <Image xmlns="71af3243-3dd4-4a8d-8c0d-dd76da1f02a5">
-      <Url xsi:nil="true"/>
-      <Description xsi:nil="true"/>
-    </Image>
-    <Status xmlns="71af3243-3dd4-4a8d-8c0d-dd76da1f02a5">Not started</Status>
-    <_ip_UnifiedCompliancePolicyProperties xmlns="http://schemas.microsoft.com/sharepoint/v3" xsi:nil="true"/>
-    <ImageTagsTaxHTField xmlns="71af3243-3dd4-4a8d-8c0d-dd76da1f02a5">
-      <Terms xmlns="http://schemas.microsoft.com/office/infopath/2007/PartnerControls"/>
-    </ImageTagsTaxHTField>
-    <TaxCatchAll xmlns="230e9df3-be65-4c73-a93b-d1236ebd677e" xsi:nil="true"/>
-    <MediaServiceKeyPoints xmlns="71af3243-3dd4-4a8d-8c0d-dd76da1f02a5" xsi:nil="true"/>
-    <Background xmlns="71af3243-3dd4-4a8d-8c0d-dd76da1f02a5">false</Background>
-  </documentManagement>
-</p:properties>
-</file>
-
 <file path=customXml/item3.xml><?xml version="1.0" encoding="utf-8"?>
 <?mso-contentType ?>
 <FormTemplates xmlns="http://schemas.microsoft.com/sharepoint/v3/contenttype/forms">
@@ -43527,6 +43604,18 @@
 </file>
 
 <file path=customXml/itemProps1.xml><?xml version="1.0" encoding="utf-8"?>
+<ds:datastoreItem xmlns:ds="http://schemas.openxmlformats.org/officeDocument/2006/customXml" ds:itemID="{1342FAFE-88B4-49B4-9588-86CB0E564E50}">
+  <ds:schemaRefs>
+    <ds:schemaRef ds:uri="http://schemas.microsoft.com/office/2006/metadata/properties"/>
+    <ds:schemaRef ds:uri="http://schemas.microsoft.com/office/infopath/2007/PartnerControls"/>
+    <ds:schemaRef ds:uri="http://schemas.microsoft.com/sharepoint/v3"/>
+    <ds:schemaRef ds:uri="71af3243-3dd4-4a8d-8c0d-dd76da1f02a5"/>
+    <ds:schemaRef ds:uri="230e9df3-be65-4c73-a93b-d1236ebd677e"/>
+  </ds:schemaRefs>
+</ds:datastoreItem>
+</file>
+
+<file path=customXml/itemProps2.xml><?xml version="1.0" encoding="utf-8"?>
 <ds:datastoreItem xmlns:ds="http://schemas.openxmlformats.org/officeDocument/2006/customXml" ds:itemID="{81C465B7-820B-4DEA-AB4B-5167C1BE9075}">
   <ds:schemaRefs>
     <ds:schemaRef ds:uri="http://schemas.microsoft.com/office/2006/metadata/contentType"/>
@@ -43547,18 +43636,6 @@
 </ds:datastoreItem>
 </file>
 
-<file path=customXml/itemProps2.xml><?xml version="1.0" encoding="utf-8"?>
-<ds:datastoreItem xmlns:ds="http://schemas.openxmlformats.org/officeDocument/2006/customXml" ds:itemID="{1342FAFE-88B4-49B4-9588-86CB0E564E50}">
-  <ds:schemaRefs>
-    <ds:schemaRef ds:uri="http://schemas.microsoft.com/office/2006/metadata/properties"/>
-    <ds:schemaRef ds:uri="http://schemas.microsoft.com/office/infopath/2007/PartnerControls"/>
-    <ds:schemaRef ds:uri="http://schemas.microsoft.com/sharepoint/v3"/>
-    <ds:schemaRef ds:uri="71af3243-3dd4-4a8d-8c0d-dd76da1f02a5"/>
-    <ds:schemaRef ds:uri="230e9df3-be65-4c73-a93b-d1236ebd677e"/>
-  </ds:schemaRefs>
-</ds:datastoreItem>
-</file>
-
 <file path=customXml/itemProps3.xml><?xml version="1.0" encoding="utf-8"?>
 <ds:datastoreItem xmlns:ds="http://schemas.openxmlformats.org/officeDocument/2006/customXml" ds:itemID="{42076B5C-85B0-4D30-852D-5E5312EEA93B}">
   <ds:schemaRefs>
